--- a/_book/plot/unnamed-chunk-45-1.pptx
+++ b/_book/plot/unnamed-chunk-45-1.pptx
@@ -3192,8 +3192,8 @@
           </p:nvSpPr>
           <p:spPr>
             <a:xfrm>
-              <a:off x="2023549" y="1590617"/>
-              <a:ext cx="6913543" cy="4048310"/>
+              <a:off x="2179881" y="1809173"/>
+              <a:ext cx="1295770" cy="3464924"/>
             </a:xfrm>
             <a:prstGeom prst="rect">
               <a:avLst/>
@@ -3218,286 +3218,286 @@
           </p:nvSpPr>
           <p:spPr>
             <a:xfrm>
-              <a:off x="3142767" y="1590617"/>
-              <a:ext cx="0" cy="4048310"/>
+              <a:off x="2179881" y="4666610"/>
+              <a:ext cx="1295770" cy="0"/>
             </a:xfrm>
             <a:custGeom>
               <a:avLst/>
               <a:pathLst>
-                <a:path w="0" h="4048310">
+                <a:path w="1295770" h="0">
                   <a:moveTo>
-                    <a:pt x="0" y="4048310"/>
+                    <a:pt x="0" y="0"/>
                   </a:moveTo>
                   <a:lnTo>
-                    <a:pt x="0" y="0"/>
-                  </a:lnTo>
-                  <a:lnTo>
-                    <a:pt x="0" y="0"/>
-                  </a:lnTo>
-                </a:path>
-              </a:pathLst>
-            </a:custGeom>
-            <a:ln w="3387" cap="flat">
-              <a:solidFill>
-                <a:srgbClr val="DEDEDE">
-                  <a:alpha val="100000"/>
-                </a:srgbClr>
-              </a:solidFill>
-              <a:prstDash val="solid"/>
-              <a:round/>
-            </a:ln>
-          </p:spPr>
-          <p:txBody>
-            <a:bodyPr/>
-            <a:lstStyle/>
-            <a:p/>
-          </p:txBody>
-        </p:sp>
-        <p:sp>
-          <p:nvSpPr>
-            <p:cNvPr id="7" name="pl7"/>
-            <p:cNvSpPr/>
-            <p:nvPr/>
-          </p:nvSpPr>
-          <p:spPr>
-            <a:xfrm>
-              <a:off x="5381202" y="1590617"/>
-              <a:ext cx="0" cy="4048310"/>
-            </a:xfrm>
-            <a:custGeom>
-              <a:avLst/>
-              <a:pathLst>
-                <a:path w="0" h="4048310">
-                  <a:moveTo>
-                    <a:pt x="0" y="4048310"/>
-                  </a:moveTo>
-                  <a:lnTo>
-                    <a:pt x="0" y="0"/>
-                  </a:lnTo>
-                  <a:lnTo>
-                    <a:pt x="0" y="0"/>
-                  </a:lnTo>
-                </a:path>
-              </a:pathLst>
-            </a:custGeom>
-            <a:ln w="3387" cap="flat">
-              <a:solidFill>
-                <a:srgbClr val="DEDEDE">
-                  <a:alpha val="100000"/>
-                </a:srgbClr>
-              </a:solidFill>
-              <a:prstDash val="solid"/>
-              <a:round/>
-            </a:ln>
-          </p:spPr>
-          <p:txBody>
-            <a:bodyPr/>
-            <a:lstStyle/>
-            <a:p/>
-          </p:txBody>
-        </p:sp>
-        <p:sp>
-          <p:nvSpPr>
-            <p:cNvPr id="8" name="pl8"/>
-            <p:cNvSpPr/>
-            <p:nvPr/>
-          </p:nvSpPr>
-          <p:spPr>
-            <a:xfrm>
-              <a:off x="7619638" y="1590617"/>
-              <a:ext cx="0" cy="4048310"/>
-            </a:xfrm>
-            <a:custGeom>
-              <a:avLst/>
-              <a:pathLst>
-                <a:path w="0" h="4048310">
-                  <a:moveTo>
-                    <a:pt x="0" y="4048310"/>
-                  </a:moveTo>
-                  <a:lnTo>
-                    <a:pt x="0" y="0"/>
-                  </a:lnTo>
-                  <a:lnTo>
-                    <a:pt x="0" y="0"/>
-                  </a:lnTo>
-                </a:path>
-              </a:pathLst>
-            </a:custGeom>
-            <a:ln w="3387" cap="flat">
-              <a:solidFill>
-                <a:srgbClr val="DEDEDE">
-                  <a:alpha val="100000"/>
-                </a:srgbClr>
-              </a:solidFill>
-              <a:prstDash val="solid"/>
-              <a:round/>
-            </a:ln>
-          </p:spPr>
-          <p:txBody>
-            <a:bodyPr/>
-            <a:lstStyle/>
-            <a:p/>
-          </p:txBody>
-        </p:sp>
-        <p:sp>
-          <p:nvSpPr>
-            <p:cNvPr id="9" name="pl9"/>
-            <p:cNvSpPr/>
-            <p:nvPr/>
-          </p:nvSpPr>
-          <p:spPr>
-            <a:xfrm>
-              <a:off x="2023549" y="5171815"/>
-              <a:ext cx="6913543" cy="0"/>
-            </a:xfrm>
-            <a:custGeom>
-              <a:avLst/>
-              <a:pathLst>
-                <a:path w="6913543" h="0">
-                  <a:moveTo>
-                    <a:pt x="0" y="0"/>
-                  </a:moveTo>
-                  <a:lnTo>
-                    <a:pt x="6913543" y="0"/>
-                  </a:lnTo>
-                  <a:lnTo>
-                    <a:pt x="6913543" y="0"/>
+                    <a:pt x="1295770" y="0"/>
+                  </a:lnTo>
+                  <a:lnTo>
+                    <a:pt x="1295770" y="0"/>
                   </a:lnTo>
                 </a:path>
               </a:pathLst>
             </a:custGeom>
             <a:ln w="6775" cap="flat">
               <a:solidFill>
-                <a:srgbClr val="DEDEDE">
-                  <a:alpha val="100000"/>
-                </a:srgbClr>
-              </a:solidFill>
-              <a:prstDash val="solid"/>
-              <a:round/>
-            </a:ln>
-          </p:spPr>
-          <p:txBody>
-            <a:bodyPr/>
-            <a:lstStyle/>
-            <a:p/>
-          </p:txBody>
-        </p:sp>
-        <p:sp>
-          <p:nvSpPr>
-            <p:cNvPr id="10" name="pl10"/>
-            <p:cNvSpPr/>
-            <p:nvPr/>
-          </p:nvSpPr>
-          <p:spPr>
-            <a:xfrm>
-              <a:off x="2023549" y="4393293"/>
-              <a:ext cx="6913543" cy="0"/>
+                <a:srgbClr val="EBEBEB">
+                  <a:alpha val="100000"/>
+                </a:srgbClr>
+              </a:solidFill>
+              <a:prstDash val="solid"/>
+              <a:round/>
+            </a:ln>
+          </p:spPr>
+          <p:txBody>
+            <a:bodyPr/>
+            <a:lstStyle/>
+            <a:p/>
+          </p:txBody>
+        </p:sp>
+        <p:sp>
+          <p:nvSpPr>
+            <p:cNvPr id="7" name="pl7"/>
+            <p:cNvSpPr/>
+            <p:nvPr/>
+          </p:nvSpPr>
+          <p:spPr>
+            <a:xfrm>
+              <a:off x="2179881" y="3766630"/>
+              <a:ext cx="1295770" cy="0"/>
             </a:xfrm>
             <a:custGeom>
               <a:avLst/>
               <a:pathLst>
-                <a:path w="6913543" h="0">
+                <a:path w="1295770" h="0">
                   <a:moveTo>
                     <a:pt x="0" y="0"/>
                   </a:moveTo>
                   <a:lnTo>
-                    <a:pt x="6913543" y="0"/>
-                  </a:lnTo>
-                  <a:lnTo>
-                    <a:pt x="6913543" y="0"/>
+                    <a:pt x="1295770" y="0"/>
+                  </a:lnTo>
+                  <a:lnTo>
+                    <a:pt x="1295770" y="0"/>
                   </a:lnTo>
                 </a:path>
               </a:pathLst>
             </a:custGeom>
             <a:ln w="6775" cap="flat">
               <a:solidFill>
-                <a:srgbClr val="DEDEDE">
-                  <a:alpha val="100000"/>
-                </a:srgbClr>
-              </a:solidFill>
-              <a:prstDash val="solid"/>
-              <a:round/>
-            </a:ln>
-          </p:spPr>
-          <p:txBody>
-            <a:bodyPr/>
-            <a:lstStyle/>
-            <a:p/>
-          </p:txBody>
-        </p:sp>
-        <p:sp>
-          <p:nvSpPr>
-            <p:cNvPr id="11" name="pl11"/>
-            <p:cNvSpPr/>
-            <p:nvPr/>
-          </p:nvSpPr>
-          <p:spPr>
-            <a:xfrm>
-              <a:off x="2023549" y="3614772"/>
-              <a:ext cx="6913543" cy="0"/>
+                <a:srgbClr val="EBEBEB">
+                  <a:alpha val="100000"/>
+                </a:srgbClr>
+              </a:solidFill>
+              <a:prstDash val="solid"/>
+              <a:round/>
+            </a:ln>
+          </p:spPr>
+          <p:txBody>
+            <a:bodyPr/>
+            <a:lstStyle/>
+            <a:p/>
+          </p:txBody>
+        </p:sp>
+        <p:sp>
+          <p:nvSpPr>
+            <p:cNvPr id="8" name="pl8"/>
+            <p:cNvSpPr/>
+            <p:nvPr/>
+          </p:nvSpPr>
+          <p:spPr>
+            <a:xfrm>
+              <a:off x="2179881" y="2866650"/>
+              <a:ext cx="1295770" cy="0"/>
             </a:xfrm>
             <a:custGeom>
               <a:avLst/>
               <a:pathLst>
-                <a:path w="6913543" h="0">
+                <a:path w="1295770" h="0">
                   <a:moveTo>
                     <a:pt x="0" y="0"/>
                   </a:moveTo>
                   <a:lnTo>
-                    <a:pt x="6913543" y="0"/>
-                  </a:lnTo>
-                  <a:lnTo>
-                    <a:pt x="6913543" y="0"/>
+                    <a:pt x="1295770" y="0"/>
+                  </a:lnTo>
+                  <a:lnTo>
+                    <a:pt x="1295770" y="0"/>
                   </a:lnTo>
                 </a:path>
               </a:pathLst>
             </a:custGeom>
             <a:ln w="6775" cap="flat">
               <a:solidFill>
-                <a:srgbClr val="DEDEDE">
-                  <a:alpha val="100000"/>
-                </a:srgbClr>
-              </a:solidFill>
-              <a:prstDash val="solid"/>
-              <a:round/>
-            </a:ln>
-          </p:spPr>
-          <p:txBody>
-            <a:bodyPr/>
-            <a:lstStyle/>
-            <a:p/>
-          </p:txBody>
-        </p:sp>
-        <p:sp>
-          <p:nvSpPr>
-            <p:cNvPr id="12" name="pl12"/>
-            <p:cNvSpPr/>
-            <p:nvPr/>
-          </p:nvSpPr>
-          <p:spPr>
-            <a:xfrm>
-              <a:off x="2023549" y="2836251"/>
-              <a:ext cx="6913543" cy="0"/>
+                <a:srgbClr val="EBEBEB">
+                  <a:alpha val="100000"/>
+                </a:srgbClr>
+              </a:solidFill>
+              <a:prstDash val="solid"/>
+              <a:round/>
+            </a:ln>
+          </p:spPr>
+          <p:txBody>
+            <a:bodyPr/>
+            <a:lstStyle/>
+            <a:p/>
+          </p:txBody>
+        </p:sp>
+        <p:sp>
+          <p:nvSpPr>
+            <p:cNvPr id="9" name="pl9"/>
+            <p:cNvSpPr/>
+            <p:nvPr/>
+          </p:nvSpPr>
+          <p:spPr>
+            <a:xfrm>
+              <a:off x="2179881" y="1966669"/>
+              <a:ext cx="1295770" cy="0"/>
             </a:xfrm>
             <a:custGeom>
               <a:avLst/>
               <a:pathLst>
-                <a:path w="6913543" h="0">
+                <a:path w="1295770" h="0">
                   <a:moveTo>
                     <a:pt x="0" y="0"/>
                   </a:moveTo>
                   <a:lnTo>
-                    <a:pt x="6913543" y="0"/>
-                  </a:lnTo>
-                  <a:lnTo>
-                    <a:pt x="6913543" y="0"/>
+                    <a:pt x="1295770" y="0"/>
+                  </a:lnTo>
+                  <a:lnTo>
+                    <a:pt x="1295770" y="0"/>
                   </a:lnTo>
                 </a:path>
               </a:pathLst>
             </a:custGeom>
             <a:ln w="6775" cap="flat">
               <a:solidFill>
-                <a:srgbClr val="DEDEDE">
+                <a:srgbClr val="EBEBEB">
+                  <a:alpha val="100000"/>
+                </a:srgbClr>
+              </a:solidFill>
+              <a:prstDash val="solid"/>
+              <a:round/>
+            </a:ln>
+          </p:spPr>
+          <p:txBody>
+            <a:bodyPr/>
+            <a:lstStyle/>
+            <a:p/>
+          </p:txBody>
+        </p:sp>
+        <p:sp>
+          <p:nvSpPr>
+            <p:cNvPr id="10" name="pl10"/>
+            <p:cNvSpPr/>
+            <p:nvPr/>
+          </p:nvSpPr>
+          <p:spPr>
+            <a:xfrm>
+              <a:off x="2179881" y="5116600"/>
+              <a:ext cx="1295770" cy="0"/>
+            </a:xfrm>
+            <a:custGeom>
+              <a:avLst/>
+              <a:pathLst>
+                <a:path w="1295770" h="0">
+                  <a:moveTo>
+                    <a:pt x="0" y="0"/>
+                  </a:moveTo>
+                  <a:lnTo>
+                    <a:pt x="1295770" y="0"/>
+                  </a:lnTo>
+                  <a:lnTo>
+                    <a:pt x="1295770" y="0"/>
+                  </a:lnTo>
+                </a:path>
+              </a:pathLst>
+            </a:custGeom>
+            <a:ln w="13550" cap="flat">
+              <a:solidFill>
+                <a:srgbClr val="EBEBEB">
+                  <a:alpha val="100000"/>
+                </a:srgbClr>
+              </a:solidFill>
+              <a:prstDash val="solid"/>
+              <a:round/>
+            </a:ln>
+          </p:spPr>
+          <p:txBody>
+            <a:bodyPr/>
+            <a:lstStyle/>
+            <a:p/>
+          </p:txBody>
+        </p:sp>
+        <p:sp>
+          <p:nvSpPr>
+            <p:cNvPr id="11" name="pl11"/>
+            <p:cNvSpPr/>
+            <p:nvPr/>
+          </p:nvSpPr>
+          <p:spPr>
+            <a:xfrm>
+              <a:off x="2179881" y="4216620"/>
+              <a:ext cx="1295770" cy="0"/>
+            </a:xfrm>
+            <a:custGeom>
+              <a:avLst/>
+              <a:pathLst>
+                <a:path w="1295770" h="0">
+                  <a:moveTo>
+                    <a:pt x="0" y="0"/>
+                  </a:moveTo>
+                  <a:lnTo>
+                    <a:pt x="1295770" y="0"/>
+                  </a:lnTo>
+                  <a:lnTo>
+                    <a:pt x="1295770" y="0"/>
+                  </a:lnTo>
+                </a:path>
+              </a:pathLst>
+            </a:custGeom>
+            <a:ln w="13550" cap="flat">
+              <a:solidFill>
+                <a:srgbClr val="EBEBEB">
+                  <a:alpha val="100000"/>
+                </a:srgbClr>
+              </a:solidFill>
+              <a:prstDash val="solid"/>
+              <a:round/>
+            </a:ln>
+          </p:spPr>
+          <p:txBody>
+            <a:bodyPr/>
+            <a:lstStyle/>
+            <a:p/>
+          </p:txBody>
+        </p:sp>
+        <p:sp>
+          <p:nvSpPr>
+            <p:cNvPr id="12" name="pl12"/>
+            <p:cNvSpPr/>
+            <p:nvPr/>
+          </p:nvSpPr>
+          <p:spPr>
+            <a:xfrm>
+              <a:off x="2179881" y="3316640"/>
+              <a:ext cx="1295770" cy="0"/>
+            </a:xfrm>
+            <a:custGeom>
+              <a:avLst/>
+              <a:pathLst>
+                <a:path w="1295770" h="0">
+                  <a:moveTo>
+                    <a:pt x="0" y="0"/>
+                  </a:moveTo>
+                  <a:lnTo>
+                    <a:pt x="1295770" y="0"/>
+                  </a:lnTo>
+                  <a:lnTo>
+                    <a:pt x="1295770" y="0"/>
+                  </a:lnTo>
+                </a:path>
+              </a:pathLst>
+            </a:custGeom>
+            <a:ln w="13550" cap="flat">
+              <a:solidFill>
+                <a:srgbClr val="EBEBEB">
                   <a:alpha val="100000"/>
                 </a:srgbClr>
               </a:solidFill>
@@ -3519,229 +3519,1400 @@
           </p:nvSpPr>
           <p:spPr>
             <a:xfrm>
-              <a:off x="2023549" y="2057730"/>
-              <a:ext cx="6913543" cy="0"/>
+              <a:off x="2179881" y="2416659"/>
+              <a:ext cx="1295770" cy="0"/>
             </a:xfrm>
             <a:custGeom>
               <a:avLst/>
               <a:pathLst>
-                <a:path w="6913543" h="0">
+                <a:path w="1295770" h="0">
                   <a:moveTo>
                     <a:pt x="0" y="0"/>
                   </a:moveTo>
                   <a:lnTo>
-                    <a:pt x="6913543" y="0"/>
-                  </a:lnTo>
-                  <a:lnTo>
-                    <a:pt x="6913543" y="0"/>
+                    <a:pt x="1295770" y="0"/>
+                  </a:lnTo>
+                  <a:lnTo>
+                    <a:pt x="1295770" y="0"/>
+                  </a:lnTo>
+                </a:path>
+              </a:pathLst>
+            </a:custGeom>
+            <a:ln w="13550" cap="flat">
+              <a:solidFill>
+                <a:srgbClr val="EBEBEB">
+                  <a:alpha val="100000"/>
+                </a:srgbClr>
+              </a:solidFill>
+              <a:prstDash val="solid"/>
+              <a:round/>
+            </a:ln>
+          </p:spPr>
+          <p:txBody>
+            <a:bodyPr/>
+            <a:lstStyle/>
+            <a:p/>
+          </p:txBody>
+        </p:sp>
+        <p:sp>
+          <p:nvSpPr>
+            <p:cNvPr id="14" name="pl14"/>
+            <p:cNvSpPr/>
+            <p:nvPr/>
+          </p:nvSpPr>
+          <p:spPr>
+            <a:xfrm>
+              <a:off x="2422838" y="1809173"/>
+              <a:ext cx="0" cy="3464924"/>
+            </a:xfrm>
+            <a:custGeom>
+              <a:avLst/>
+              <a:pathLst>
+                <a:path w="0" h="3464924">
+                  <a:moveTo>
+                    <a:pt x="0" y="3464924"/>
+                  </a:moveTo>
+                  <a:lnTo>
+                    <a:pt x="0" y="0"/>
+                  </a:lnTo>
+                  <a:lnTo>
+                    <a:pt x="0" y="0"/>
+                  </a:lnTo>
+                </a:path>
+              </a:pathLst>
+            </a:custGeom>
+            <a:ln w="13550" cap="flat">
+              <a:solidFill>
+                <a:srgbClr val="EBEBEB">
+                  <a:alpha val="100000"/>
+                </a:srgbClr>
+              </a:solidFill>
+              <a:prstDash val="solid"/>
+              <a:round/>
+            </a:ln>
+          </p:spPr>
+          <p:txBody>
+            <a:bodyPr/>
+            <a:lstStyle/>
+            <a:p/>
+          </p:txBody>
+        </p:sp>
+        <p:sp>
+          <p:nvSpPr>
+            <p:cNvPr id="15" name="pl15"/>
+            <p:cNvSpPr/>
+            <p:nvPr/>
+          </p:nvSpPr>
+          <p:spPr>
+            <a:xfrm>
+              <a:off x="2827767" y="1809173"/>
+              <a:ext cx="0" cy="3464924"/>
+            </a:xfrm>
+            <a:custGeom>
+              <a:avLst/>
+              <a:pathLst>
+                <a:path w="0" h="3464924">
+                  <a:moveTo>
+                    <a:pt x="0" y="3464924"/>
+                  </a:moveTo>
+                  <a:lnTo>
+                    <a:pt x="0" y="0"/>
+                  </a:lnTo>
+                  <a:lnTo>
+                    <a:pt x="0" y="0"/>
+                  </a:lnTo>
+                </a:path>
+              </a:pathLst>
+            </a:custGeom>
+            <a:ln w="13550" cap="flat">
+              <a:solidFill>
+                <a:srgbClr val="EBEBEB">
+                  <a:alpha val="100000"/>
+                </a:srgbClr>
+              </a:solidFill>
+              <a:prstDash val="solid"/>
+              <a:round/>
+            </a:ln>
+          </p:spPr>
+          <p:txBody>
+            <a:bodyPr/>
+            <a:lstStyle/>
+            <a:p/>
+          </p:txBody>
+        </p:sp>
+        <p:sp>
+          <p:nvSpPr>
+            <p:cNvPr id="16" name="pl16"/>
+            <p:cNvSpPr/>
+            <p:nvPr/>
+          </p:nvSpPr>
+          <p:spPr>
+            <a:xfrm>
+              <a:off x="3232695" y="1809173"/>
+              <a:ext cx="0" cy="3464924"/>
+            </a:xfrm>
+            <a:custGeom>
+              <a:avLst/>
+              <a:pathLst>
+                <a:path w="0" h="3464924">
+                  <a:moveTo>
+                    <a:pt x="0" y="3464924"/>
+                  </a:moveTo>
+                  <a:lnTo>
+                    <a:pt x="0" y="0"/>
+                  </a:lnTo>
+                  <a:lnTo>
+                    <a:pt x="0" y="0"/>
+                  </a:lnTo>
+                </a:path>
+              </a:pathLst>
+            </a:custGeom>
+            <a:ln w="13550" cap="flat">
+              <a:solidFill>
+                <a:srgbClr val="EBEBEB">
+                  <a:alpha val="100000"/>
+                </a:srgbClr>
+              </a:solidFill>
+              <a:prstDash val="solid"/>
+              <a:round/>
+            </a:ln>
+          </p:spPr>
+          <p:txBody>
+            <a:bodyPr/>
+            <a:lstStyle/>
+            <a:p/>
+          </p:txBody>
+        </p:sp>
+        <p:sp>
+          <p:nvSpPr>
+            <p:cNvPr id="17" name="rc17"/>
+            <p:cNvSpPr/>
+            <p:nvPr/>
+          </p:nvSpPr>
+          <p:spPr>
+            <a:xfrm>
+              <a:off x="2240620" y="5035602"/>
+              <a:ext cx="364435" cy="80998"/>
+            </a:xfrm>
+            <a:prstGeom prst="rect">
+              <a:avLst/>
+            </a:prstGeom>
+            <a:solidFill>
+              <a:srgbClr val="FEE0D2">
+                <a:alpha val="100000"/>
+              </a:srgbClr>
+            </a:solidFill>
+          </p:spPr>
+          <p:txBody>
+            <a:bodyPr/>
+            <a:lstStyle/>
+            <a:p/>
+          </p:txBody>
+        </p:sp>
+        <p:sp>
+          <p:nvSpPr>
+            <p:cNvPr id="18" name="rc18"/>
+            <p:cNvSpPr/>
+            <p:nvPr/>
+          </p:nvSpPr>
+          <p:spPr>
+            <a:xfrm>
+              <a:off x="2645549" y="4387616"/>
+              <a:ext cx="364435" cy="728984"/>
+            </a:xfrm>
+            <a:prstGeom prst="rect">
+              <a:avLst/>
+            </a:prstGeom>
+            <a:solidFill>
+              <a:srgbClr val="FC9272">
+                <a:alpha val="100000"/>
+              </a:srgbClr>
+            </a:solidFill>
+          </p:spPr>
+          <p:txBody>
+            <a:bodyPr/>
+            <a:lstStyle/>
+            <a:p/>
+          </p:txBody>
+        </p:sp>
+        <p:sp>
+          <p:nvSpPr>
+            <p:cNvPr id="19" name="rc19"/>
+            <p:cNvSpPr/>
+            <p:nvPr/>
+          </p:nvSpPr>
+          <p:spPr>
+            <a:xfrm>
+              <a:off x="3050477" y="1966669"/>
+              <a:ext cx="364435" cy="3149931"/>
+            </a:xfrm>
+            <a:prstGeom prst="rect">
+              <a:avLst/>
+            </a:prstGeom>
+            <a:solidFill>
+              <a:srgbClr val="DE2D26">
+                <a:alpha val="100000"/>
+              </a:srgbClr>
+            </a:solidFill>
+          </p:spPr>
+          <p:txBody>
+            <a:bodyPr/>
+            <a:lstStyle/>
+            <a:p/>
+          </p:txBody>
+        </p:sp>
+        <p:sp>
+          <p:nvSpPr>
+            <p:cNvPr id="20" name="rc20"/>
+            <p:cNvSpPr/>
+            <p:nvPr/>
+          </p:nvSpPr>
+          <p:spPr>
+            <a:xfrm>
+              <a:off x="2179881" y="1809173"/>
+              <a:ext cx="1295770" cy="3464924"/>
+            </a:xfrm>
+            <a:prstGeom prst="rect">
+              <a:avLst/>
+            </a:prstGeom>
+            <a:ln w="13550" cap="rnd">
+              <a:solidFill>
+                <a:srgbClr val="333333">
+                  <a:alpha val="100000"/>
+                </a:srgbClr>
+              </a:solidFill>
+              <a:prstDash val="solid"/>
+              <a:round/>
+            </a:ln>
+          </p:spPr>
+          <p:txBody>
+            <a:bodyPr/>
+            <a:lstStyle/>
+            <a:p/>
+          </p:txBody>
+        </p:sp>
+        <p:sp>
+          <p:nvSpPr>
+            <p:cNvPr id="21" name="rc21"/>
+            <p:cNvSpPr/>
+            <p:nvPr/>
+          </p:nvSpPr>
+          <p:spPr>
+            <a:xfrm>
+              <a:off x="3545241" y="1809173"/>
+              <a:ext cx="1295770" cy="3464924"/>
+            </a:xfrm>
+            <a:prstGeom prst="rect">
+              <a:avLst/>
+            </a:prstGeom>
+            <a:solidFill>
+              <a:srgbClr val="FFFFFF">
+                <a:alpha val="100000"/>
+              </a:srgbClr>
+            </a:solidFill>
+          </p:spPr>
+          <p:txBody>
+            <a:bodyPr/>
+            <a:lstStyle/>
+            <a:p/>
+          </p:txBody>
+        </p:sp>
+        <p:sp>
+          <p:nvSpPr>
+            <p:cNvPr id="22" name="pl22"/>
+            <p:cNvSpPr/>
+            <p:nvPr/>
+          </p:nvSpPr>
+          <p:spPr>
+            <a:xfrm>
+              <a:off x="3545241" y="4666610"/>
+              <a:ext cx="1295770" cy="0"/>
+            </a:xfrm>
+            <a:custGeom>
+              <a:avLst/>
+              <a:pathLst>
+                <a:path w="1295770" h="0">
+                  <a:moveTo>
+                    <a:pt x="0" y="0"/>
+                  </a:moveTo>
+                  <a:lnTo>
+                    <a:pt x="1295770" y="0"/>
+                  </a:lnTo>
+                  <a:lnTo>
+                    <a:pt x="1295770" y="0"/>
                   </a:lnTo>
                 </a:path>
               </a:pathLst>
             </a:custGeom>
             <a:ln w="6775" cap="flat">
               <a:solidFill>
-                <a:srgbClr val="DEDEDE">
-                  <a:alpha val="100000"/>
-                </a:srgbClr>
-              </a:solidFill>
-              <a:prstDash val="solid"/>
-              <a:round/>
-            </a:ln>
-          </p:spPr>
-          <p:txBody>
-            <a:bodyPr/>
-            <a:lstStyle/>
-            <a:p/>
-          </p:txBody>
-        </p:sp>
-        <p:sp>
-          <p:nvSpPr>
-            <p:cNvPr id="14" name="pl14"/>
-            <p:cNvSpPr/>
-            <p:nvPr/>
-          </p:nvSpPr>
-          <p:spPr>
-            <a:xfrm>
-              <a:off x="2023549" y="1590617"/>
-              <a:ext cx="0" cy="4048310"/>
+                <a:srgbClr val="EBEBEB">
+                  <a:alpha val="100000"/>
+                </a:srgbClr>
+              </a:solidFill>
+              <a:prstDash val="solid"/>
+              <a:round/>
+            </a:ln>
+          </p:spPr>
+          <p:txBody>
+            <a:bodyPr/>
+            <a:lstStyle/>
+            <a:p/>
+          </p:txBody>
+        </p:sp>
+        <p:sp>
+          <p:nvSpPr>
+            <p:cNvPr id="23" name="pl23"/>
+            <p:cNvSpPr/>
+            <p:nvPr/>
+          </p:nvSpPr>
+          <p:spPr>
+            <a:xfrm>
+              <a:off x="3545241" y="3766630"/>
+              <a:ext cx="1295770" cy="0"/>
             </a:xfrm>
             <a:custGeom>
               <a:avLst/>
               <a:pathLst>
-                <a:path w="0" h="4048310">
+                <a:path w="1295770" h="0">
                   <a:moveTo>
-                    <a:pt x="0" y="4048310"/>
+                    <a:pt x="0" y="0"/>
                   </a:moveTo>
                   <a:lnTo>
-                    <a:pt x="0" y="0"/>
-                  </a:lnTo>
-                  <a:lnTo>
-                    <a:pt x="0" y="0"/>
+                    <a:pt x="1295770" y="0"/>
+                  </a:lnTo>
+                  <a:lnTo>
+                    <a:pt x="1295770" y="0"/>
                   </a:lnTo>
                 </a:path>
               </a:pathLst>
             </a:custGeom>
             <a:ln w="6775" cap="flat">
               <a:solidFill>
-                <a:srgbClr val="DEDEDE">
-                  <a:alpha val="100000"/>
-                </a:srgbClr>
-              </a:solidFill>
-              <a:prstDash val="solid"/>
-              <a:round/>
-            </a:ln>
-          </p:spPr>
-          <p:txBody>
-            <a:bodyPr/>
-            <a:lstStyle/>
-            <a:p/>
-          </p:txBody>
-        </p:sp>
-        <p:sp>
-          <p:nvSpPr>
-            <p:cNvPr id="15" name="pl15"/>
-            <p:cNvSpPr/>
-            <p:nvPr/>
-          </p:nvSpPr>
-          <p:spPr>
-            <a:xfrm>
-              <a:off x="4261985" y="1590617"/>
-              <a:ext cx="0" cy="4048310"/>
+                <a:srgbClr val="EBEBEB">
+                  <a:alpha val="100000"/>
+                </a:srgbClr>
+              </a:solidFill>
+              <a:prstDash val="solid"/>
+              <a:round/>
+            </a:ln>
+          </p:spPr>
+          <p:txBody>
+            <a:bodyPr/>
+            <a:lstStyle/>
+            <a:p/>
+          </p:txBody>
+        </p:sp>
+        <p:sp>
+          <p:nvSpPr>
+            <p:cNvPr id="24" name="pl24"/>
+            <p:cNvSpPr/>
+            <p:nvPr/>
+          </p:nvSpPr>
+          <p:spPr>
+            <a:xfrm>
+              <a:off x="3545241" y="2866650"/>
+              <a:ext cx="1295770" cy="0"/>
             </a:xfrm>
             <a:custGeom>
               <a:avLst/>
               <a:pathLst>
-                <a:path w="0" h="4048310">
+                <a:path w="1295770" h="0">
                   <a:moveTo>
-                    <a:pt x="0" y="4048310"/>
+                    <a:pt x="0" y="0"/>
                   </a:moveTo>
                   <a:lnTo>
-                    <a:pt x="0" y="0"/>
-                  </a:lnTo>
-                  <a:lnTo>
-                    <a:pt x="0" y="0"/>
+                    <a:pt x="1295770" y="0"/>
+                  </a:lnTo>
+                  <a:lnTo>
+                    <a:pt x="1295770" y="0"/>
                   </a:lnTo>
                 </a:path>
               </a:pathLst>
             </a:custGeom>
             <a:ln w="6775" cap="flat">
               <a:solidFill>
-                <a:srgbClr val="DEDEDE">
-                  <a:alpha val="100000"/>
-                </a:srgbClr>
-              </a:solidFill>
-              <a:prstDash val="solid"/>
-              <a:round/>
-            </a:ln>
-          </p:spPr>
-          <p:txBody>
-            <a:bodyPr/>
-            <a:lstStyle/>
-            <a:p/>
-          </p:txBody>
-        </p:sp>
-        <p:sp>
-          <p:nvSpPr>
-            <p:cNvPr id="16" name="pl16"/>
-            <p:cNvSpPr/>
-            <p:nvPr/>
-          </p:nvSpPr>
-          <p:spPr>
-            <a:xfrm>
-              <a:off x="6500420" y="1590617"/>
-              <a:ext cx="0" cy="4048310"/>
+                <a:srgbClr val="EBEBEB">
+                  <a:alpha val="100000"/>
+                </a:srgbClr>
+              </a:solidFill>
+              <a:prstDash val="solid"/>
+              <a:round/>
+            </a:ln>
+          </p:spPr>
+          <p:txBody>
+            <a:bodyPr/>
+            <a:lstStyle/>
+            <a:p/>
+          </p:txBody>
+        </p:sp>
+        <p:sp>
+          <p:nvSpPr>
+            <p:cNvPr id="25" name="pl25"/>
+            <p:cNvSpPr/>
+            <p:nvPr/>
+          </p:nvSpPr>
+          <p:spPr>
+            <a:xfrm>
+              <a:off x="3545241" y="1966669"/>
+              <a:ext cx="1295770" cy="0"/>
             </a:xfrm>
             <a:custGeom>
               <a:avLst/>
               <a:pathLst>
-                <a:path w="0" h="4048310">
+                <a:path w="1295770" h="0">
                   <a:moveTo>
-                    <a:pt x="0" y="4048310"/>
+                    <a:pt x="0" y="0"/>
                   </a:moveTo>
                   <a:lnTo>
-                    <a:pt x="0" y="0"/>
-                  </a:lnTo>
-                  <a:lnTo>
-                    <a:pt x="0" y="0"/>
+                    <a:pt x="1295770" y="0"/>
+                  </a:lnTo>
+                  <a:lnTo>
+                    <a:pt x="1295770" y="0"/>
                   </a:lnTo>
                 </a:path>
               </a:pathLst>
             </a:custGeom>
             <a:ln w="6775" cap="flat">
               <a:solidFill>
-                <a:srgbClr val="DEDEDE">
-                  <a:alpha val="100000"/>
-                </a:srgbClr>
-              </a:solidFill>
-              <a:prstDash val="solid"/>
-              <a:round/>
-            </a:ln>
-          </p:spPr>
-          <p:txBody>
-            <a:bodyPr/>
-            <a:lstStyle/>
-            <a:p/>
-          </p:txBody>
-        </p:sp>
-        <p:sp>
-          <p:nvSpPr>
-            <p:cNvPr id="17" name="pl17"/>
-            <p:cNvSpPr/>
-            <p:nvPr/>
-          </p:nvSpPr>
-          <p:spPr>
-            <a:xfrm>
-              <a:off x="8738856" y="1590617"/>
-              <a:ext cx="0" cy="4048310"/>
+                <a:srgbClr val="EBEBEB">
+                  <a:alpha val="100000"/>
+                </a:srgbClr>
+              </a:solidFill>
+              <a:prstDash val="solid"/>
+              <a:round/>
+            </a:ln>
+          </p:spPr>
+          <p:txBody>
+            <a:bodyPr/>
+            <a:lstStyle/>
+            <a:p/>
+          </p:txBody>
+        </p:sp>
+        <p:sp>
+          <p:nvSpPr>
+            <p:cNvPr id="26" name="pl26"/>
+            <p:cNvSpPr/>
+            <p:nvPr/>
+          </p:nvSpPr>
+          <p:spPr>
+            <a:xfrm>
+              <a:off x="3545241" y="5116600"/>
+              <a:ext cx="1295770" cy="0"/>
             </a:xfrm>
             <a:custGeom>
               <a:avLst/>
               <a:pathLst>
-                <a:path w="0" h="4048310">
+                <a:path w="1295770" h="0">
                   <a:moveTo>
-                    <a:pt x="0" y="4048310"/>
+                    <a:pt x="0" y="0"/>
                   </a:moveTo>
                   <a:lnTo>
-                    <a:pt x="0" y="0"/>
-                  </a:lnTo>
-                  <a:lnTo>
-                    <a:pt x="0" y="0"/>
+                    <a:pt x="1295770" y="0"/>
+                  </a:lnTo>
+                  <a:lnTo>
+                    <a:pt x="1295770" y="0"/>
+                  </a:lnTo>
+                </a:path>
+              </a:pathLst>
+            </a:custGeom>
+            <a:ln w="13550" cap="flat">
+              <a:solidFill>
+                <a:srgbClr val="EBEBEB">
+                  <a:alpha val="100000"/>
+                </a:srgbClr>
+              </a:solidFill>
+              <a:prstDash val="solid"/>
+              <a:round/>
+            </a:ln>
+          </p:spPr>
+          <p:txBody>
+            <a:bodyPr/>
+            <a:lstStyle/>
+            <a:p/>
+          </p:txBody>
+        </p:sp>
+        <p:sp>
+          <p:nvSpPr>
+            <p:cNvPr id="27" name="pl27"/>
+            <p:cNvSpPr/>
+            <p:nvPr/>
+          </p:nvSpPr>
+          <p:spPr>
+            <a:xfrm>
+              <a:off x="3545241" y="4216620"/>
+              <a:ext cx="1295770" cy="0"/>
+            </a:xfrm>
+            <a:custGeom>
+              <a:avLst/>
+              <a:pathLst>
+                <a:path w="1295770" h="0">
+                  <a:moveTo>
+                    <a:pt x="0" y="0"/>
+                  </a:moveTo>
+                  <a:lnTo>
+                    <a:pt x="1295770" y="0"/>
+                  </a:lnTo>
+                  <a:lnTo>
+                    <a:pt x="1295770" y="0"/>
+                  </a:lnTo>
+                </a:path>
+              </a:pathLst>
+            </a:custGeom>
+            <a:ln w="13550" cap="flat">
+              <a:solidFill>
+                <a:srgbClr val="EBEBEB">
+                  <a:alpha val="100000"/>
+                </a:srgbClr>
+              </a:solidFill>
+              <a:prstDash val="solid"/>
+              <a:round/>
+            </a:ln>
+          </p:spPr>
+          <p:txBody>
+            <a:bodyPr/>
+            <a:lstStyle/>
+            <a:p/>
+          </p:txBody>
+        </p:sp>
+        <p:sp>
+          <p:nvSpPr>
+            <p:cNvPr id="28" name="pl28"/>
+            <p:cNvSpPr/>
+            <p:nvPr/>
+          </p:nvSpPr>
+          <p:spPr>
+            <a:xfrm>
+              <a:off x="3545241" y="3316640"/>
+              <a:ext cx="1295770" cy="0"/>
+            </a:xfrm>
+            <a:custGeom>
+              <a:avLst/>
+              <a:pathLst>
+                <a:path w="1295770" h="0">
+                  <a:moveTo>
+                    <a:pt x="0" y="0"/>
+                  </a:moveTo>
+                  <a:lnTo>
+                    <a:pt x="1295770" y="0"/>
+                  </a:lnTo>
+                  <a:lnTo>
+                    <a:pt x="1295770" y="0"/>
+                  </a:lnTo>
+                </a:path>
+              </a:pathLst>
+            </a:custGeom>
+            <a:ln w="13550" cap="flat">
+              <a:solidFill>
+                <a:srgbClr val="EBEBEB">
+                  <a:alpha val="100000"/>
+                </a:srgbClr>
+              </a:solidFill>
+              <a:prstDash val="solid"/>
+              <a:round/>
+            </a:ln>
+          </p:spPr>
+          <p:txBody>
+            <a:bodyPr/>
+            <a:lstStyle/>
+            <a:p/>
+          </p:txBody>
+        </p:sp>
+        <p:sp>
+          <p:nvSpPr>
+            <p:cNvPr id="29" name="pl29"/>
+            <p:cNvSpPr/>
+            <p:nvPr/>
+          </p:nvSpPr>
+          <p:spPr>
+            <a:xfrm>
+              <a:off x="3545241" y="2416659"/>
+              <a:ext cx="1295770" cy="0"/>
+            </a:xfrm>
+            <a:custGeom>
+              <a:avLst/>
+              <a:pathLst>
+                <a:path w="1295770" h="0">
+                  <a:moveTo>
+                    <a:pt x="0" y="0"/>
+                  </a:moveTo>
+                  <a:lnTo>
+                    <a:pt x="1295770" y="0"/>
+                  </a:lnTo>
+                  <a:lnTo>
+                    <a:pt x="1295770" y="0"/>
+                  </a:lnTo>
+                </a:path>
+              </a:pathLst>
+            </a:custGeom>
+            <a:ln w="13550" cap="flat">
+              <a:solidFill>
+                <a:srgbClr val="EBEBEB">
+                  <a:alpha val="100000"/>
+                </a:srgbClr>
+              </a:solidFill>
+              <a:prstDash val="solid"/>
+              <a:round/>
+            </a:ln>
+          </p:spPr>
+          <p:txBody>
+            <a:bodyPr/>
+            <a:lstStyle/>
+            <a:p/>
+          </p:txBody>
+        </p:sp>
+        <p:sp>
+          <p:nvSpPr>
+            <p:cNvPr id="30" name="pl30"/>
+            <p:cNvSpPr/>
+            <p:nvPr/>
+          </p:nvSpPr>
+          <p:spPr>
+            <a:xfrm>
+              <a:off x="3788198" y="1809173"/>
+              <a:ext cx="0" cy="3464924"/>
+            </a:xfrm>
+            <a:custGeom>
+              <a:avLst/>
+              <a:pathLst>
+                <a:path w="0" h="3464924">
+                  <a:moveTo>
+                    <a:pt x="0" y="3464924"/>
+                  </a:moveTo>
+                  <a:lnTo>
+                    <a:pt x="0" y="0"/>
+                  </a:lnTo>
+                  <a:lnTo>
+                    <a:pt x="0" y="0"/>
+                  </a:lnTo>
+                </a:path>
+              </a:pathLst>
+            </a:custGeom>
+            <a:ln w="13550" cap="flat">
+              <a:solidFill>
+                <a:srgbClr val="EBEBEB">
+                  <a:alpha val="100000"/>
+                </a:srgbClr>
+              </a:solidFill>
+              <a:prstDash val="solid"/>
+              <a:round/>
+            </a:ln>
+          </p:spPr>
+          <p:txBody>
+            <a:bodyPr/>
+            <a:lstStyle/>
+            <a:p/>
+          </p:txBody>
+        </p:sp>
+        <p:sp>
+          <p:nvSpPr>
+            <p:cNvPr id="31" name="pl31"/>
+            <p:cNvSpPr/>
+            <p:nvPr/>
+          </p:nvSpPr>
+          <p:spPr>
+            <a:xfrm>
+              <a:off x="4193127" y="1809173"/>
+              <a:ext cx="0" cy="3464924"/>
+            </a:xfrm>
+            <a:custGeom>
+              <a:avLst/>
+              <a:pathLst>
+                <a:path w="0" h="3464924">
+                  <a:moveTo>
+                    <a:pt x="0" y="3464924"/>
+                  </a:moveTo>
+                  <a:lnTo>
+                    <a:pt x="0" y="0"/>
+                  </a:lnTo>
+                  <a:lnTo>
+                    <a:pt x="0" y="0"/>
+                  </a:lnTo>
+                </a:path>
+              </a:pathLst>
+            </a:custGeom>
+            <a:ln w="13550" cap="flat">
+              <a:solidFill>
+                <a:srgbClr val="EBEBEB">
+                  <a:alpha val="100000"/>
+                </a:srgbClr>
+              </a:solidFill>
+              <a:prstDash val="solid"/>
+              <a:round/>
+            </a:ln>
+          </p:spPr>
+          <p:txBody>
+            <a:bodyPr/>
+            <a:lstStyle/>
+            <a:p/>
+          </p:txBody>
+        </p:sp>
+        <p:sp>
+          <p:nvSpPr>
+            <p:cNvPr id="32" name="pl32"/>
+            <p:cNvSpPr/>
+            <p:nvPr/>
+          </p:nvSpPr>
+          <p:spPr>
+            <a:xfrm>
+              <a:off x="4598055" y="1809173"/>
+              <a:ext cx="0" cy="3464924"/>
+            </a:xfrm>
+            <a:custGeom>
+              <a:avLst/>
+              <a:pathLst>
+                <a:path w="0" h="3464924">
+                  <a:moveTo>
+                    <a:pt x="0" y="3464924"/>
+                  </a:moveTo>
+                  <a:lnTo>
+                    <a:pt x="0" y="0"/>
+                  </a:lnTo>
+                  <a:lnTo>
+                    <a:pt x="0" y="0"/>
+                  </a:lnTo>
+                </a:path>
+              </a:pathLst>
+            </a:custGeom>
+            <a:ln w="13550" cap="flat">
+              <a:solidFill>
+                <a:srgbClr val="EBEBEB">
+                  <a:alpha val="100000"/>
+                </a:srgbClr>
+              </a:solidFill>
+              <a:prstDash val="solid"/>
+              <a:round/>
+            </a:ln>
+          </p:spPr>
+          <p:txBody>
+            <a:bodyPr/>
+            <a:lstStyle/>
+            <a:p/>
+          </p:txBody>
+        </p:sp>
+        <p:sp>
+          <p:nvSpPr>
+            <p:cNvPr id="33" name="rc33"/>
+            <p:cNvSpPr/>
+            <p:nvPr/>
+          </p:nvSpPr>
+          <p:spPr>
+            <a:xfrm>
+              <a:off x="3605980" y="5071601"/>
+              <a:ext cx="364435" cy="44999"/>
+            </a:xfrm>
+            <a:prstGeom prst="rect">
+              <a:avLst/>
+            </a:prstGeom>
+            <a:solidFill>
+              <a:srgbClr val="FEE0D2">
+                <a:alpha val="100000"/>
+              </a:srgbClr>
+            </a:solidFill>
+          </p:spPr>
+          <p:txBody>
+            <a:bodyPr/>
+            <a:lstStyle/>
+            <a:p/>
+          </p:txBody>
+        </p:sp>
+        <p:sp>
+          <p:nvSpPr>
+            <p:cNvPr id="34" name="rc34"/>
+            <p:cNvSpPr/>
+            <p:nvPr/>
+          </p:nvSpPr>
+          <p:spPr>
+            <a:xfrm>
+              <a:off x="4010909" y="4747608"/>
+              <a:ext cx="364435" cy="368991"/>
+            </a:xfrm>
+            <a:prstGeom prst="rect">
+              <a:avLst/>
+            </a:prstGeom>
+            <a:solidFill>
+              <a:srgbClr val="FC9272">
+                <a:alpha val="100000"/>
+              </a:srgbClr>
+            </a:solidFill>
+          </p:spPr>
+          <p:txBody>
+            <a:bodyPr/>
+            <a:lstStyle/>
+            <a:p/>
+          </p:txBody>
+        </p:sp>
+        <p:sp>
+          <p:nvSpPr>
+            <p:cNvPr id="35" name="rc35"/>
+            <p:cNvSpPr/>
+            <p:nvPr/>
+          </p:nvSpPr>
+          <p:spPr>
+            <a:xfrm>
+              <a:off x="4415837" y="3199642"/>
+              <a:ext cx="364435" cy="1916958"/>
+            </a:xfrm>
+            <a:prstGeom prst="rect">
+              <a:avLst/>
+            </a:prstGeom>
+            <a:solidFill>
+              <a:srgbClr val="DE2D26">
+                <a:alpha val="100000"/>
+              </a:srgbClr>
+            </a:solidFill>
+          </p:spPr>
+          <p:txBody>
+            <a:bodyPr/>
+            <a:lstStyle/>
+            <a:p/>
+          </p:txBody>
+        </p:sp>
+        <p:sp>
+          <p:nvSpPr>
+            <p:cNvPr id="36" name="rc36"/>
+            <p:cNvSpPr/>
+            <p:nvPr/>
+          </p:nvSpPr>
+          <p:spPr>
+            <a:xfrm>
+              <a:off x="3545241" y="1809173"/>
+              <a:ext cx="1295770" cy="3464924"/>
+            </a:xfrm>
+            <a:prstGeom prst="rect">
+              <a:avLst/>
+            </a:prstGeom>
+            <a:ln w="13550" cap="rnd">
+              <a:solidFill>
+                <a:srgbClr val="333333">
+                  <a:alpha val="100000"/>
+                </a:srgbClr>
+              </a:solidFill>
+              <a:prstDash val="solid"/>
+              <a:round/>
+            </a:ln>
+          </p:spPr>
+          <p:txBody>
+            <a:bodyPr/>
+            <a:lstStyle/>
+            <a:p/>
+          </p:txBody>
+        </p:sp>
+        <p:sp>
+          <p:nvSpPr>
+            <p:cNvPr id="37" name="rc37"/>
+            <p:cNvSpPr/>
+            <p:nvPr/>
+          </p:nvSpPr>
+          <p:spPr>
+            <a:xfrm>
+              <a:off x="4910601" y="1809173"/>
+              <a:ext cx="1295770" cy="3464924"/>
+            </a:xfrm>
+            <a:prstGeom prst="rect">
+              <a:avLst/>
+            </a:prstGeom>
+            <a:solidFill>
+              <a:srgbClr val="FFFFFF">
+                <a:alpha val="100000"/>
+              </a:srgbClr>
+            </a:solidFill>
+          </p:spPr>
+          <p:txBody>
+            <a:bodyPr/>
+            <a:lstStyle/>
+            <a:p/>
+          </p:txBody>
+        </p:sp>
+        <p:sp>
+          <p:nvSpPr>
+            <p:cNvPr id="38" name="pl38"/>
+            <p:cNvSpPr/>
+            <p:nvPr/>
+          </p:nvSpPr>
+          <p:spPr>
+            <a:xfrm>
+              <a:off x="4910601" y="4666610"/>
+              <a:ext cx="1295770" cy="0"/>
+            </a:xfrm>
+            <a:custGeom>
+              <a:avLst/>
+              <a:pathLst>
+                <a:path w="1295770" h="0">
+                  <a:moveTo>
+                    <a:pt x="0" y="0"/>
+                  </a:moveTo>
+                  <a:lnTo>
+                    <a:pt x="1295770" y="0"/>
+                  </a:lnTo>
+                  <a:lnTo>
+                    <a:pt x="1295770" y="0"/>
                   </a:lnTo>
                 </a:path>
               </a:pathLst>
             </a:custGeom>
             <a:ln w="6775" cap="flat">
               <a:solidFill>
-                <a:srgbClr val="DEDEDE">
-                  <a:alpha val="100000"/>
-                </a:srgbClr>
-              </a:solidFill>
-              <a:prstDash val="solid"/>
-              <a:round/>
-            </a:ln>
-          </p:spPr>
-          <p:txBody>
-            <a:bodyPr/>
-            <a:lstStyle/>
-            <a:p/>
-          </p:txBody>
-        </p:sp>
-        <p:sp>
-          <p:nvSpPr>
-            <p:cNvPr id="18" name="rc18"/>
-            <p:cNvSpPr/>
-            <p:nvPr/>
-          </p:nvSpPr>
-          <p:spPr>
-            <a:xfrm>
-              <a:off x="2023549" y="1707395"/>
-              <a:ext cx="6777983" cy="700669"/>
+                <a:srgbClr val="EBEBEB">
+                  <a:alpha val="100000"/>
+                </a:srgbClr>
+              </a:solidFill>
+              <a:prstDash val="solid"/>
+              <a:round/>
+            </a:ln>
+          </p:spPr>
+          <p:txBody>
+            <a:bodyPr/>
+            <a:lstStyle/>
+            <a:p/>
+          </p:txBody>
+        </p:sp>
+        <p:sp>
+          <p:nvSpPr>
+            <p:cNvPr id="39" name="pl39"/>
+            <p:cNvSpPr/>
+            <p:nvPr/>
+          </p:nvSpPr>
+          <p:spPr>
+            <a:xfrm>
+              <a:off x="4910601" y="3766630"/>
+              <a:ext cx="1295770" cy="0"/>
+            </a:xfrm>
+            <a:custGeom>
+              <a:avLst/>
+              <a:pathLst>
+                <a:path w="1295770" h="0">
+                  <a:moveTo>
+                    <a:pt x="0" y="0"/>
+                  </a:moveTo>
+                  <a:lnTo>
+                    <a:pt x="1295770" y="0"/>
+                  </a:lnTo>
+                  <a:lnTo>
+                    <a:pt x="1295770" y="0"/>
+                  </a:lnTo>
+                </a:path>
+              </a:pathLst>
+            </a:custGeom>
+            <a:ln w="6775" cap="flat">
+              <a:solidFill>
+                <a:srgbClr val="EBEBEB">
+                  <a:alpha val="100000"/>
+                </a:srgbClr>
+              </a:solidFill>
+              <a:prstDash val="solid"/>
+              <a:round/>
+            </a:ln>
+          </p:spPr>
+          <p:txBody>
+            <a:bodyPr/>
+            <a:lstStyle/>
+            <a:p/>
+          </p:txBody>
+        </p:sp>
+        <p:sp>
+          <p:nvSpPr>
+            <p:cNvPr id="40" name="pl40"/>
+            <p:cNvSpPr/>
+            <p:nvPr/>
+          </p:nvSpPr>
+          <p:spPr>
+            <a:xfrm>
+              <a:off x="4910601" y="2866650"/>
+              <a:ext cx="1295770" cy="0"/>
+            </a:xfrm>
+            <a:custGeom>
+              <a:avLst/>
+              <a:pathLst>
+                <a:path w="1295770" h="0">
+                  <a:moveTo>
+                    <a:pt x="0" y="0"/>
+                  </a:moveTo>
+                  <a:lnTo>
+                    <a:pt x="1295770" y="0"/>
+                  </a:lnTo>
+                  <a:lnTo>
+                    <a:pt x="1295770" y="0"/>
+                  </a:lnTo>
+                </a:path>
+              </a:pathLst>
+            </a:custGeom>
+            <a:ln w="6775" cap="flat">
+              <a:solidFill>
+                <a:srgbClr val="EBEBEB">
+                  <a:alpha val="100000"/>
+                </a:srgbClr>
+              </a:solidFill>
+              <a:prstDash val="solid"/>
+              <a:round/>
+            </a:ln>
+          </p:spPr>
+          <p:txBody>
+            <a:bodyPr/>
+            <a:lstStyle/>
+            <a:p/>
+          </p:txBody>
+        </p:sp>
+        <p:sp>
+          <p:nvSpPr>
+            <p:cNvPr id="41" name="pl41"/>
+            <p:cNvSpPr/>
+            <p:nvPr/>
+          </p:nvSpPr>
+          <p:spPr>
+            <a:xfrm>
+              <a:off x="4910601" y="1966669"/>
+              <a:ext cx="1295770" cy="0"/>
+            </a:xfrm>
+            <a:custGeom>
+              <a:avLst/>
+              <a:pathLst>
+                <a:path w="1295770" h="0">
+                  <a:moveTo>
+                    <a:pt x="0" y="0"/>
+                  </a:moveTo>
+                  <a:lnTo>
+                    <a:pt x="1295770" y="0"/>
+                  </a:lnTo>
+                  <a:lnTo>
+                    <a:pt x="1295770" y="0"/>
+                  </a:lnTo>
+                </a:path>
+              </a:pathLst>
+            </a:custGeom>
+            <a:ln w="6775" cap="flat">
+              <a:solidFill>
+                <a:srgbClr val="EBEBEB">
+                  <a:alpha val="100000"/>
+                </a:srgbClr>
+              </a:solidFill>
+              <a:prstDash val="solid"/>
+              <a:round/>
+            </a:ln>
+          </p:spPr>
+          <p:txBody>
+            <a:bodyPr/>
+            <a:lstStyle/>
+            <a:p/>
+          </p:txBody>
+        </p:sp>
+        <p:sp>
+          <p:nvSpPr>
+            <p:cNvPr id="42" name="pl42"/>
+            <p:cNvSpPr/>
+            <p:nvPr/>
+          </p:nvSpPr>
+          <p:spPr>
+            <a:xfrm>
+              <a:off x="4910601" y="5116600"/>
+              <a:ext cx="1295770" cy="0"/>
+            </a:xfrm>
+            <a:custGeom>
+              <a:avLst/>
+              <a:pathLst>
+                <a:path w="1295770" h="0">
+                  <a:moveTo>
+                    <a:pt x="0" y="0"/>
+                  </a:moveTo>
+                  <a:lnTo>
+                    <a:pt x="1295770" y="0"/>
+                  </a:lnTo>
+                  <a:lnTo>
+                    <a:pt x="1295770" y="0"/>
+                  </a:lnTo>
+                </a:path>
+              </a:pathLst>
+            </a:custGeom>
+            <a:ln w="13550" cap="flat">
+              <a:solidFill>
+                <a:srgbClr val="EBEBEB">
+                  <a:alpha val="100000"/>
+                </a:srgbClr>
+              </a:solidFill>
+              <a:prstDash val="solid"/>
+              <a:round/>
+            </a:ln>
+          </p:spPr>
+          <p:txBody>
+            <a:bodyPr/>
+            <a:lstStyle/>
+            <a:p/>
+          </p:txBody>
+        </p:sp>
+        <p:sp>
+          <p:nvSpPr>
+            <p:cNvPr id="43" name="pl43"/>
+            <p:cNvSpPr/>
+            <p:nvPr/>
+          </p:nvSpPr>
+          <p:spPr>
+            <a:xfrm>
+              <a:off x="4910601" y="4216620"/>
+              <a:ext cx="1295770" cy="0"/>
+            </a:xfrm>
+            <a:custGeom>
+              <a:avLst/>
+              <a:pathLst>
+                <a:path w="1295770" h="0">
+                  <a:moveTo>
+                    <a:pt x="0" y="0"/>
+                  </a:moveTo>
+                  <a:lnTo>
+                    <a:pt x="1295770" y="0"/>
+                  </a:lnTo>
+                  <a:lnTo>
+                    <a:pt x="1295770" y="0"/>
+                  </a:lnTo>
+                </a:path>
+              </a:pathLst>
+            </a:custGeom>
+            <a:ln w="13550" cap="flat">
+              <a:solidFill>
+                <a:srgbClr val="EBEBEB">
+                  <a:alpha val="100000"/>
+                </a:srgbClr>
+              </a:solidFill>
+              <a:prstDash val="solid"/>
+              <a:round/>
+            </a:ln>
+          </p:spPr>
+          <p:txBody>
+            <a:bodyPr/>
+            <a:lstStyle/>
+            <a:p/>
+          </p:txBody>
+        </p:sp>
+        <p:sp>
+          <p:nvSpPr>
+            <p:cNvPr id="44" name="pl44"/>
+            <p:cNvSpPr/>
+            <p:nvPr/>
+          </p:nvSpPr>
+          <p:spPr>
+            <a:xfrm>
+              <a:off x="4910601" y="3316640"/>
+              <a:ext cx="1295770" cy="0"/>
+            </a:xfrm>
+            <a:custGeom>
+              <a:avLst/>
+              <a:pathLst>
+                <a:path w="1295770" h="0">
+                  <a:moveTo>
+                    <a:pt x="0" y="0"/>
+                  </a:moveTo>
+                  <a:lnTo>
+                    <a:pt x="1295770" y="0"/>
+                  </a:lnTo>
+                  <a:lnTo>
+                    <a:pt x="1295770" y="0"/>
+                  </a:lnTo>
+                </a:path>
+              </a:pathLst>
+            </a:custGeom>
+            <a:ln w="13550" cap="flat">
+              <a:solidFill>
+                <a:srgbClr val="EBEBEB">
+                  <a:alpha val="100000"/>
+                </a:srgbClr>
+              </a:solidFill>
+              <a:prstDash val="solid"/>
+              <a:round/>
+            </a:ln>
+          </p:spPr>
+          <p:txBody>
+            <a:bodyPr/>
+            <a:lstStyle/>
+            <a:p/>
+          </p:txBody>
+        </p:sp>
+        <p:sp>
+          <p:nvSpPr>
+            <p:cNvPr id="45" name="pl45"/>
+            <p:cNvSpPr/>
+            <p:nvPr/>
+          </p:nvSpPr>
+          <p:spPr>
+            <a:xfrm>
+              <a:off x="4910601" y="2416659"/>
+              <a:ext cx="1295770" cy="0"/>
+            </a:xfrm>
+            <a:custGeom>
+              <a:avLst/>
+              <a:pathLst>
+                <a:path w="1295770" h="0">
+                  <a:moveTo>
+                    <a:pt x="0" y="0"/>
+                  </a:moveTo>
+                  <a:lnTo>
+                    <a:pt x="1295770" y="0"/>
+                  </a:lnTo>
+                  <a:lnTo>
+                    <a:pt x="1295770" y="0"/>
+                  </a:lnTo>
+                </a:path>
+              </a:pathLst>
+            </a:custGeom>
+            <a:ln w="13550" cap="flat">
+              <a:solidFill>
+                <a:srgbClr val="EBEBEB">
+                  <a:alpha val="100000"/>
+                </a:srgbClr>
+              </a:solidFill>
+              <a:prstDash val="solid"/>
+              <a:round/>
+            </a:ln>
+          </p:spPr>
+          <p:txBody>
+            <a:bodyPr/>
+            <a:lstStyle/>
+            <a:p/>
+          </p:txBody>
+        </p:sp>
+        <p:sp>
+          <p:nvSpPr>
+            <p:cNvPr id="46" name="pl46"/>
+            <p:cNvSpPr/>
+            <p:nvPr/>
+          </p:nvSpPr>
+          <p:spPr>
+            <a:xfrm>
+              <a:off x="5153558" y="1809173"/>
+              <a:ext cx="0" cy="3464924"/>
+            </a:xfrm>
+            <a:custGeom>
+              <a:avLst/>
+              <a:pathLst>
+                <a:path w="0" h="3464924">
+                  <a:moveTo>
+                    <a:pt x="0" y="3464924"/>
+                  </a:moveTo>
+                  <a:lnTo>
+                    <a:pt x="0" y="0"/>
+                  </a:lnTo>
+                  <a:lnTo>
+                    <a:pt x="0" y="0"/>
+                  </a:lnTo>
+                </a:path>
+              </a:pathLst>
+            </a:custGeom>
+            <a:ln w="13550" cap="flat">
+              <a:solidFill>
+                <a:srgbClr val="EBEBEB">
+                  <a:alpha val="100000"/>
+                </a:srgbClr>
+              </a:solidFill>
+              <a:prstDash val="solid"/>
+              <a:round/>
+            </a:ln>
+          </p:spPr>
+          <p:txBody>
+            <a:bodyPr/>
+            <a:lstStyle/>
+            <a:p/>
+          </p:txBody>
+        </p:sp>
+        <p:sp>
+          <p:nvSpPr>
+            <p:cNvPr id="47" name="pl47"/>
+            <p:cNvSpPr/>
+            <p:nvPr/>
+          </p:nvSpPr>
+          <p:spPr>
+            <a:xfrm>
+              <a:off x="5558487" y="1809173"/>
+              <a:ext cx="0" cy="3464924"/>
+            </a:xfrm>
+            <a:custGeom>
+              <a:avLst/>
+              <a:pathLst>
+                <a:path w="0" h="3464924">
+                  <a:moveTo>
+                    <a:pt x="0" y="3464924"/>
+                  </a:moveTo>
+                  <a:lnTo>
+                    <a:pt x="0" y="0"/>
+                  </a:lnTo>
+                  <a:lnTo>
+                    <a:pt x="0" y="0"/>
+                  </a:lnTo>
+                </a:path>
+              </a:pathLst>
+            </a:custGeom>
+            <a:ln w="13550" cap="flat">
+              <a:solidFill>
+                <a:srgbClr val="EBEBEB">
+                  <a:alpha val="100000"/>
+                </a:srgbClr>
+              </a:solidFill>
+              <a:prstDash val="solid"/>
+              <a:round/>
+            </a:ln>
+          </p:spPr>
+          <p:txBody>
+            <a:bodyPr/>
+            <a:lstStyle/>
+            <a:p/>
+          </p:txBody>
+        </p:sp>
+        <p:sp>
+          <p:nvSpPr>
+            <p:cNvPr id="48" name="pl48"/>
+            <p:cNvSpPr/>
+            <p:nvPr/>
+          </p:nvSpPr>
+          <p:spPr>
+            <a:xfrm>
+              <a:off x="5963415" y="1809173"/>
+              <a:ext cx="0" cy="3464924"/>
+            </a:xfrm>
+            <a:custGeom>
+              <a:avLst/>
+              <a:pathLst>
+                <a:path w="0" h="3464924">
+                  <a:moveTo>
+                    <a:pt x="0" y="3464924"/>
+                  </a:moveTo>
+                  <a:lnTo>
+                    <a:pt x="0" y="0"/>
+                  </a:lnTo>
+                  <a:lnTo>
+                    <a:pt x="0" y="0"/>
+                  </a:lnTo>
+                </a:path>
+              </a:pathLst>
+            </a:custGeom>
+            <a:ln w="13550" cap="flat">
+              <a:solidFill>
+                <a:srgbClr val="EBEBEB">
+                  <a:alpha val="100000"/>
+                </a:srgbClr>
+              </a:solidFill>
+              <a:prstDash val="solid"/>
+              <a:round/>
+            </a:ln>
+          </p:spPr>
+          <p:txBody>
+            <a:bodyPr/>
+            <a:lstStyle/>
+            <a:p/>
+          </p:txBody>
+        </p:sp>
+        <p:sp>
+          <p:nvSpPr>
+            <p:cNvPr id="49" name="rc49"/>
+            <p:cNvSpPr/>
+            <p:nvPr/>
+          </p:nvSpPr>
+          <p:spPr>
+            <a:xfrm>
+              <a:off x="4971340" y="5107601"/>
+              <a:ext cx="364435" cy="8999"/>
             </a:xfrm>
             <a:prstGeom prst="rect">
               <a:avLst/>
             </a:prstGeom>
             <a:solidFill>
-              <a:srgbClr val="595959">
+              <a:srgbClr val="FEE0D2">
                 <a:alpha val="100000"/>
               </a:srgbClr>
             </a:solidFill>
@@ -3754,20 +4925,20 @@
         </p:sp>
         <p:sp>
           <p:nvSpPr>
-            <p:cNvPr id="19" name="rc19"/>
-            <p:cNvSpPr/>
-            <p:nvPr/>
-          </p:nvSpPr>
-          <p:spPr>
-            <a:xfrm>
-              <a:off x="2023549" y="2485916"/>
-              <a:ext cx="6151221" cy="700669"/>
+            <p:cNvPr id="50" name="rc50"/>
+            <p:cNvSpPr/>
+            <p:nvPr/>
+          </p:nvSpPr>
+          <p:spPr>
+            <a:xfrm>
+              <a:off x="5376269" y="4936604"/>
+              <a:ext cx="364435" cy="179996"/>
             </a:xfrm>
             <a:prstGeom prst="rect">
               <a:avLst/>
             </a:prstGeom>
             <a:solidFill>
-              <a:srgbClr val="595959">
+              <a:srgbClr val="FC9272">
                 <a:alpha val="100000"/>
               </a:srgbClr>
             </a:solidFill>
@@ -3780,20 +4951,20 @@
         </p:sp>
         <p:sp>
           <p:nvSpPr>
-            <p:cNvPr id="20" name="rc20"/>
-            <p:cNvSpPr/>
-            <p:nvPr/>
-          </p:nvSpPr>
-          <p:spPr>
-            <a:xfrm>
-              <a:off x="2023549" y="3264438"/>
-              <a:ext cx="5763972" cy="700669"/>
+            <p:cNvPr id="51" name="rc51"/>
+            <p:cNvSpPr/>
+            <p:nvPr/>
+          </p:nvSpPr>
+          <p:spPr>
+            <a:xfrm>
+              <a:off x="5781197" y="4531613"/>
+              <a:ext cx="364435" cy="584987"/>
             </a:xfrm>
             <a:prstGeom prst="rect">
               <a:avLst/>
             </a:prstGeom>
             <a:solidFill>
-              <a:srgbClr val="595959">
+              <a:srgbClr val="DE2D26">
                 <a:alpha val="100000"/>
               </a:srgbClr>
             </a:solidFill>
@@ -3806,20 +4977,50 @@
         </p:sp>
         <p:sp>
           <p:nvSpPr>
-            <p:cNvPr id="21" name="rc21"/>
-            <p:cNvSpPr/>
-            <p:nvPr/>
-          </p:nvSpPr>
-          <p:spPr>
-            <a:xfrm>
-              <a:off x="2023549" y="4042959"/>
-              <a:ext cx="4000084" cy="700669"/>
+            <p:cNvPr id="52" name="rc52"/>
+            <p:cNvSpPr/>
+            <p:nvPr/>
+          </p:nvSpPr>
+          <p:spPr>
+            <a:xfrm>
+              <a:off x="4910601" y="1809173"/>
+              <a:ext cx="1295770" cy="3464924"/>
+            </a:xfrm>
+            <a:prstGeom prst="rect">
+              <a:avLst/>
+            </a:prstGeom>
+            <a:ln w="13550" cap="rnd">
+              <a:solidFill>
+                <a:srgbClr val="333333">
+                  <a:alpha val="100000"/>
+                </a:srgbClr>
+              </a:solidFill>
+              <a:prstDash val="solid"/>
+              <a:round/>
+            </a:ln>
+          </p:spPr>
+          <p:txBody>
+            <a:bodyPr/>
+            <a:lstStyle/>
+            <a:p/>
+          </p:txBody>
+        </p:sp>
+        <p:sp>
+          <p:nvSpPr>
+            <p:cNvPr id="53" name="rc53"/>
+            <p:cNvSpPr/>
+            <p:nvPr/>
+          </p:nvSpPr>
+          <p:spPr>
+            <a:xfrm>
+              <a:off x="6275961" y="1809173"/>
+              <a:ext cx="1295770" cy="3464924"/>
             </a:xfrm>
             <a:prstGeom prst="rect">
               <a:avLst/>
             </a:prstGeom>
             <a:solidFill>
-              <a:srgbClr val="595959">
+              <a:srgbClr val="FFFFFF">
                 <a:alpha val="100000"/>
               </a:srgbClr>
             </a:solidFill>
@@ -3832,20 +5033,493 @@
         </p:sp>
         <p:sp>
           <p:nvSpPr>
-            <p:cNvPr id="22" name="rc22"/>
-            <p:cNvSpPr/>
-            <p:nvPr/>
-          </p:nvSpPr>
-          <p:spPr>
-            <a:xfrm>
-              <a:off x="2023549" y="4821480"/>
-              <a:ext cx="808075" cy="700669"/>
+            <p:cNvPr id="54" name="pl54"/>
+            <p:cNvSpPr/>
+            <p:nvPr/>
+          </p:nvSpPr>
+          <p:spPr>
+            <a:xfrm>
+              <a:off x="6275961" y="4666610"/>
+              <a:ext cx="1295770" cy="0"/>
+            </a:xfrm>
+            <a:custGeom>
+              <a:avLst/>
+              <a:pathLst>
+                <a:path w="1295770" h="0">
+                  <a:moveTo>
+                    <a:pt x="0" y="0"/>
+                  </a:moveTo>
+                  <a:lnTo>
+                    <a:pt x="1295770" y="0"/>
+                  </a:lnTo>
+                  <a:lnTo>
+                    <a:pt x="1295770" y="0"/>
+                  </a:lnTo>
+                </a:path>
+              </a:pathLst>
+            </a:custGeom>
+            <a:ln w="6775" cap="flat">
+              <a:solidFill>
+                <a:srgbClr val="EBEBEB">
+                  <a:alpha val="100000"/>
+                </a:srgbClr>
+              </a:solidFill>
+              <a:prstDash val="solid"/>
+              <a:round/>
+            </a:ln>
+          </p:spPr>
+          <p:txBody>
+            <a:bodyPr/>
+            <a:lstStyle/>
+            <a:p/>
+          </p:txBody>
+        </p:sp>
+        <p:sp>
+          <p:nvSpPr>
+            <p:cNvPr id="55" name="pl55"/>
+            <p:cNvSpPr/>
+            <p:nvPr/>
+          </p:nvSpPr>
+          <p:spPr>
+            <a:xfrm>
+              <a:off x="6275961" y="3766630"/>
+              <a:ext cx="1295770" cy="0"/>
+            </a:xfrm>
+            <a:custGeom>
+              <a:avLst/>
+              <a:pathLst>
+                <a:path w="1295770" h="0">
+                  <a:moveTo>
+                    <a:pt x="0" y="0"/>
+                  </a:moveTo>
+                  <a:lnTo>
+                    <a:pt x="1295770" y="0"/>
+                  </a:lnTo>
+                  <a:lnTo>
+                    <a:pt x="1295770" y="0"/>
+                  </a:lnTo>
+                </a:path>
+              </a:pathLst>
+            </a:custGeom>
+            <a:ln w="6775" cap="flat">
+              <a:solidFill>
+                <a:srgbClr val="EBEBEB">
+                  <a:alpha val="100000"/>
+                </a:srgbClr>
+              </a:solidFill>
+              <a:prstDash val="solid"/>
+              <a:round/>
+            </a:ln>
+          </p:spPr>
+          <p:txBody>
+            <a:bodyPr/>
+            <a:lstStyle/>
+            <a:p/>
+          </p:txBody>
+        </p:sp>
+        <p:sp>
+          <p:nvSpPr>
+            <p:cNvPr id="56" name="pl56"/>
+            <p:cNvSpPr/>
+            <p:nvPr/>
+          </p:nvSpPr>
+          <p:spPr>
+            <a:xfrm>
+              <a:off x="6275961" y="2866650"/>
+              <a:ext cx="1295770" cy="0"/>
+            </a:xfrm>
+            <a:custGeom>
+              <a:avLst/>
+              <a:pathLst>
+                <a:path w="1295770" h="0">
+                  <a:moveTo>
+                    <a:pt x="0" y="0"/>
+                  </a:moveTo>
+                  <a:lnTo>
+                    <a:pt x="1295770" y="0"/>
+                  </a:lnTo>
+                  <a:lnTo>
+                    <a:pt x="1295770" y="0"/>
+                  </a:lnTo>
+                </a:path>
+              </a:pathLst>
+            </a:custGeom>
+            <a:ln w="6775" cap="flat">
+              <a:solidFill>
+                <a:srgbClr val="EBEBEB">
+                  <a:alpha val="100000"/>
+                </a:srgbClr>
+              </a:solidFill>
+              <a:prstDash val="solid"/>
+              <a:round/>
+            </a:ln>
+          </p:spPr>
+          <p:txBody>
+            <a:bodyPr/>
+            <a:lstStyle/>
+            <a:p/>
+          </p:txBody>
+        </p:sp>
+        <p:sp>
+          <p:nvSpPr>
+            <p:cNvPr id="57" name="pl57"/>
+            <p:cNvSpPr/>
+            <p:nvPr/>
+          </p:nvSpPr>
+          <p:spPr>
+            <a:xfrm>
+              <a:off x="6275961" y="1966669"/>
+              <a:ext cx="1295770" cy="0"/>
+            </a:xfrm>
+            <a:custGeom>
+              <a:avLst/>
+              <a:pathLst>
+                <a:path w="1295770" h="0">
+                  <a:moveTo>
+                    <a:pt x="0" y="0"/>
+                  </a:moveTo>
+                  <a:lnTo>
+                    <a:pt x="1295770" y="0"/>
+                  </a:lnTo>
+                  <a:lnTo>
+                    <a:pt x="1295770" y="0"/>
+                  </a:lnTo>
+                </a:path>
+              </a:pathLst>
+            </a:custGeom>
+            <a:ln w="6775" cap="flat">
+              <a:solidFill>
+                <a:srgbClr val="EBEBEB">
+                  <a:alpha val="100000"/>
+                </a:srgbClr>
+              </a:solidFill>
+              <a:prstDash val="solid"/>
+              <a:round/>
+            </a:ln>
+          </p:spPr>
+          <p:txBody>
+            <a:bodyPr/>
+            <a:lstStyle/>
+            <a:p/>
+          </p:txBody>
+        </p:sp>
+        <p:sp>
+          <p:nvSpPr>
+            <p:cNvPr id="58" name="pl58"/>
+            <p:cNvSpPr/>
+            <p:nvPr/>
+          </p:nvSpPr>
+          <p:spPr>
+            <a:xfrm>
+              <a:off x="6275961" y="5116600"/>
+              <a:ext cx="1295770" cy="0"/>
+            </a:xfrm>
+            <a:custGeom>
+              <a:avLst/>
+              <a:pathLst>
+                <a:path w="1295770" h="0">
+                  <a:moveTo>
+                    <a:pt x="0" y="0"/>
+                  </a:moveTo>
+                  <a:lnTo>
+                    <a:pt x="1295770" y="0"/>
+                  </a:lnTo>
+                  <a:lnTo>
+                    <a:pt x="1295770" y="0"/>
+                  </a:lnTo>
+                </a:path>
+              </a:pathLst>
+            </a:custGeom>
+            <a:ln w="13550" cap="flat">
+              <a:solidFill>
+                <a:srgbClr val="EBEBEB">
+                  <a:alpha val="100000"/>
+                </a:srgbClr>
+              </a:solidFill>
+              <a:prstDash val="solid"/>
+              <a:round/>
+            </a:ln>
+          </p:spPr>
+          <p:txBody>
+            <a:bodyPr/>
+            <a:lstStyle/>
+            <a:p/>
+          </p:txBody>
+        </p:sp>
+        <p:sp>
+          <p:nvSpPr>
+            <p:cNvPr id="59" name="pl59"/>
+            <p:cNvSpPr/>
+            <p:nvPr/>
+          </p:nvSpPr>
+          <p:spPr>
+            <a:xfrm>
+              <a:off x="6275961" y="4216620"/>
+              <a:ext cx="1295770" cy="0"/>
+            </a:xfrm>
+            <a:custGeom>
+              <a:avLst/>
+              <a:pathLst>
+                <a:path w="1295770" h="0">
+                  <a:moveTo>
+                    <a:pt x="0" y="0"/>
+                  </a:moveTo>
+                  <a:lnTo>
+                    <a:pt x="1295770" y="0"/>
+                  </a:lnTo>
+                  <a:lnTo>
+                    <a:pt x="1295770" y="0"/>
+                  </a:lnTo>
+                </a:path>
+              </a:pathLst>
+            </a:custGeom>
+            <a:ln w="13550" cap="flat">
+              <a:solidFill>
+                <a:srgbClr val="EBEBEB">
+                  <a:alpha val="100000"/>
+                </a:srgbClr>
+              </a:solidFill>
+              <a:prstDash val="solid"/>
+              <a:round/>
+            </a:ln>
+          </p:spPr>
+          <p:txBody>
+            <a:bodyPr/>
+            <a:lstStyle/>
+            <a:p/>
+          </p:txBody>
+        </p:sp>
+        <p:sp>
+          <p:nvSpPr>
+            <p:cNvPr id="60" name="pl60"/>
+            <p:cNvSpPr/>
+            <p:nvPr/>
+          </p:nvSpPr>
+          <p:spPr>
+            <a:xfrm>
+              <a:off x="6275961" y="3316640"/>
+              <a:ext cx="1295770" cy="0"/>
+            </a:xfrm>
+            <a:custGeom>
+              <a:avLst/>
+              <a:pathLst>
+                <a:path w="1295770" h="0">
+                  <a:moveTo>
+                    <a:pt x="0" y="0"/>
+                  </a:moveTo>
+                  <a:lnTo>
+                    <a:pt x="1295770" y="0"/>
+                  </a:lnTo>
+                  <a:lnTo>
+                    <a:pt x="1295770" y="0"/>
+                  </a:lnTo>
+                </a:path>
+              </a:pathLst>
+            </a:custGeom>
+            <a:ln w="13550" cap="flat">
+              <a:solidFill>
+                <a:srgbClr val="EBEBEB">
+                  <a:alpha val="100000"/>
+                </a:srgbClr>
+              </a:solidFill>
+              <a:prstDash val="solid"/>
+              <a:round/>
+            </a:ln>
+          </p:spPr>
+          <p:txBody>
+            <a:bodyPr/>
+            <a:lstStyle/>
+            <a:p/>
+          </p:txBody>
+        </p:sp>
+        <p:sp>
+          <p:nvSpPr>
+            <p:cNvPr id="61" name="pl61"/>
+            <p:cNvSpPr/>
+            <p:nvPr/>
+          </p:nvSpPr>
+          <p:spPr>
+            <a:xfrm>
+              <a:off x="6275961" y="2416659"/>
+              <a:ext cx="1295770" cy="0"/>
+            </a:xfrm>
+            <a:custGeom>
+              <a:avLst/>
+              <a:pathLst>
+                <a:path w="1295770" h="0">
+                  <a:moveTo>
+                    <a:pt x="0" y="0"/>
+                  </a:moveTo>
+                  <a:lnTo>
+                    <a:pt x="1295770" y="0"/>
+                  </a:lnTo>
+                  <a:lnTo>
+                    <a:pt x="1295770" y="0"/>
+                  </a:lnTo>
+                </a:path>
+              </a:pathLst>
+            </a:custGeom>
+            <a:ln w="13550" cap="flat">
+              <a:solidFill>
+                <a:srgbClr val="EBEBEB">
+                  <a:alpha val="100000"/>
+                </a:srgbClr>
+              </a:solidFill>
+              <a:prstDash val="solid"/>
+              <a:round/>
+            </a:ln>
+          </p:spPr>
+          <p:txBody>
+            <a:bodyPr/>
+            <a:lstStyle/>
+            <a:p/>
+          </p:txBody>
+        </p:sp>
+        <p:sp>
+          <p:nvSpPr>
+            <p:cNvPr id="62" name="pl62"/>
+            <p:cNvSpPr/>
+            <p:nvPr/>
+          </p:nvSpPr>
+          <p:spPr>
+            <a:xfrm>
+              <a:off x="6518918" y="1809173"/>
+              <a:ext cx="0" cy="3464924"/>
+            </a:xfrm>
+            <a:custGeom>
+              <a:avLst/>
+              <a:pathLst>
+                <a:path w="0" h="3464924">
+                  <a:moveTo>
+                    <a:pt x="0" y="3464924"/>
+                  </a:moveTo>
+                  <a:lnTo>
+                    <a:pt x="0" y="0"/>
+                  </a:lnTo>
+                  <a:lnTo>
+                    <a:pt x="0" y="0"/>
+                  </a:lnTo>
+                </a:path>
+              </a:pathLst>
+            </a:custGeom>
+            <a:ln w="13550" cap="flat">
+              <a:solidFill>
+                <a:srgbClr val="EBEBEB">
+                  <a:alpha val="100000"/>
+                </a:srgbClr>
+              </a:solidFill>
+              <a:prstDash val="solid"/>
+              <a:round/>
+            </a:ln>
+          </p:spPr>
+          <p:txBody>
+            <a:bodyPr/>
+            <a:lstStyle/>
+            <a:p/>
+          </p:txBody>
+        </p:sp>
+        <p:sp>
+          <p:nvSpPr>
+            <p:cNvPr id="63" name="pl63"/>
+            <p:cNvSpPr/>
+            <p:nvPr/>
+          </p:nvSpPr>
+          <p:spPr>
+            <a:xfrm>
+              <a:off x="6923847" y="1809173"/>
+              <a:ext cx="0" cy="3464924"/>
+            </a:xfrm>
+            <a:custGeom>
+              <a:avLst/>
+              <a:pathLst>
+                <a:path w="0" h="3464924">
+                  <a:moveTo>
+                    <a:pt x="0" y="3464924"/>
+                  </a:moveTo>
+                  <a:lnTo>
+                    <a:pt x="0" y="0"/>
+                  </a:lnTo>
+                  <a:lnTo>
+                    <a:pt x="0" y="0"/>
+                  </a:lnTo>
+                </a:path>
+              </a:pathLst>
+            </a:custGeom>
+            <a:ln w="13550" cap="flat">
+              <a:solidFill>
+                <a:srgbClr val="EBEBEB">
+                  <a:alpha val="100000"/>
+                </a:srgbClr>
+              </a:solidFill>
+              <a:prstDash val="solid"/>
+              <a:round/>
+            </a:ln>
+          </p:spPr>
+          <p:txBody>
+            <a:bodyPr/>
+            <a:lstStyle/>
+            <a:p/>
+          </p:txBody>
+        </p:sp>
+        <p:sp>
+          <p:nvSpPr>
+            <p:cNvPr id="64" name="pl64"/>
+            <p:cNvSpPr/>
+            <p:nvPr/>
+          </p:nvSpPr>
+          <p:spPr>
+            <a:xfrm>
+              <a:off x="7328775" y="1809173"/>
+              <a:ext cx="0" cy="3464924"/>
+            </a:xfrm>
+            <a:custGeom>
+              <a:avLst/>
+              <a:pathLst>
+                <a:path w="0" h="3464924">
+                  <a:moveTo>
+                    <a:pt x="0" y="3464924"/>
+                  </a:moveTo>
+                  <a:lnTo>
+                    <a:pt x="0" y="0"/>
+                  </a:lnTo>
+                  <a:lnTo>
+                    <a:pt x="0" y="0"/>
+                  </a:lnTo>
+                </a:path>
+              </a:pathLst>
+            </a:custGeom>
+            <a:ln w="13550" cap="flat">
+              <a:solidFill>
+                <a:srgbClr val="EBEBEB">
+                  <a:alpha val="100000"/>
+                </a:srgbClr>
+              </a:solidFill>
+              <a:prstDash val="solid"/>
+              <a:round/>
+            </a:ln>
+          </p:spPr>
+          <p:txBody>
+            <a:bodyPr/>
+            <a:lstStyle/>
+            <a:p/>
+          </p:txBody>
+        </p:sp>
+        <p:sp>
+          <p:nvSpPr>
+            <p:cNvPr id="65" name="rc65"/>
+            <p:cNvSpPr/>
+            <p:nvPr/>
+          </p:nvSpPr>
+          <p:spPr>
+            <a:xfrm>
+              <a:off x="6336700" y="5098601"/>
+              <a:ext cx="364435" cy="17999"/>
             </a:xfrm>
             <a:prstGeom prst="rect">
               <a:avLst/>
             </a:prstGeom>
             <a:solidFill>
-              <a:srgbClr val="595959">
+              <a:srgbClr val="FEE0D2">
                 <a:alpha val="100000"/>
               </a:srgbClr>
             </a:solidFill>
@@ -3858,274 +5532,738 @@
         </p:sp>
         <p:sp>
           <p:nvSpPr>
-            <p:cNvPr id="23" name="tx23"/>
-            <p:cNvSpPr/>
-            <p:nvPr/>
-          </p:nvSpPr>
-          <p:spPr>
-            <a:xfrm>
-              <a:off x="6619691" y="2013256"/>
-              <a:ext cx="2032593" cy="67753"/>
+            <p:cNvPr id="66" name="rc66"/>
+            <p:cNvSpPr/>
+            <p:nvPr/>
+          </p:nvSpPr>
+          <p:spPr>
+            <a:xfrm>
+              <a:off x="6741629" y="5008603"/>
+              <a:ext cx="364435" cy="107997"/>
             </a:xfrm>
             <a:prstGeom prst="rect">
               <a:avLst/>
             </a:prstGeom>
-            <a:noFill/>
-          </p:spPr>
-          <p:txBody>
-            <a:bodyPr lIns="0" rIns="0" tIns="0" bIns="0" anchorCtr="1" anchor="ctr" wrap="none"/>
-            <a:lstStyle/>
-            <a:p>
-              <a:pPr algn="l" marL="0" marR="0" indent="0">
-                <a:lnSpc>
-                  <a:spcPts val="853"/>
-                </a:lnSpc>
-                <a:spcBef>
-                  <a:spcPts val="0"/>
-                </a:spcBef>
-                <a:spcAft>
-                  <a:spcPts val="0"/>
-                </a:spcAft>
-              </a:pPr>
-              <a:r>
-                <a:rPr sz="853" b="1">
-                  <a:solidFill>
-                    <a:srgbClr val="FFFFFF">
-                      <a:alpha val="100000"/>
-                    </a:srgbClr>
-                  </a:solidFill>
-                  <a:latin typeface="Arial"/>
-                  <a:cs typeface="Arial"/>
-                </a:rPr>
-                <a:t>通过种草或知识网站（如小红书、知乎等）了解相关知识</a:t>
-              </a:r>
-            </a:p>
-          </p:txBody>
-        </p:sp>
-        <p:sp>
-          <p:nvSpPr>
-            <p:cNvPr id="24" name="tx24"/>
-            <p:cNvSpPr/>
-            <p:nvPr/>
-          </p:nvSpPr>
-          <p:spPr>
-            <a:xfrm>
-              <a:off x="7375093" y="2791777"/>
-              <a:ext cx="650430" cy="67753"/>
+            <a:solidFill>
+              <a:srgbClr val="FC9272">
+                <a:alpha val="100000"/>
+              </a:srgbClr>
+            </a:solidFill>
+          </p:spPr>
+          <p:txBody>
+            <a:bodyPr/>
+            <a:lstStyle/>
+            <a:p/>
+          </p:txBody>
+        </p:sp>
+        <p:sp>
+          <p:nvSpPr>
+            <p:cNvPr id="67" name="rc67"/>
+            <p:cNvSpPr/>
+            <p:nvPr/>
+          </p:nvSpPr>
+          <p:spPr>
+            <a:xfrm>
+              <a:off x="7146557" y="4612611"/>
+              <a:ext cx="364435" cy="503988"/>
             </a:xfrm>
             <a:prstGeom prst="rect">
               <a:avLst/>
             </a:prstGeom>
-            <a:noFill/>
-          </p:spPr>
-          <p:txBody>
-            <a:bodyPr lIns="0" rIns="0" tIns="0" bIns="0" anchorCtr="1" anchor="ctr" wrap="none"/>
-            <a:lstStyle/>
-            <a:p>
-              <a:pPr algn="l" marL="0" marR="0" indent="0">
-                <a:lnSpc>
-                  <a:spcPts val="853"/>
-                </a:lnSpc>
-                <a:spcBef>
-                  <a:spcPts val="0"/>
-                </a:spcBef>
-                <a:spcAft>
-                  <a:spcPts val="0"/>
-                </a:spcAft>
-              </a:pPr>
-              <a:r>
-                <a:rPr sz="853" b="1">
-                  <a:solidFill>
-                    <a:srgbClr val="FFFFFF">
-                      <a:alpha val="100000"/>
-                    </a:srgbClr>
-                  </a:solidFill>
-                  <a:latin typeface="Arial"/>
-                  <a:cs typeface="Arial"/>
-                </a:rPr>
-                <a:t>咨询专业人士意见</a:t>
-              </a:r>
-            </a:p>
-          </p:txBody>
-        </p:sp>
-        <p:sp>
-          <p:nvSpPr>
-            <p:cNvPr id="25" name="tx25"/>
-            <p:cNvSpPr/>
-            <p:nvPr/>
-          </p:nvSpPr>
-          <p:spPr>
-            <a:xfrm>
-              <a:off x="5605679" y="3570299"/>
-              <a:ext cx="2032593" cy="67753"/>
-            </a:xfrm>
-            <a:prstGeom prst="rect">
-              <a:avLst/>
-            </a:prstGeom>
-            <a:noFill/>
-          </p:spPr>
-          <p:txBody>
-            <a:bodyPr lIns="0" rIns="0" tIns="0" bIns="0" anchorCtr="1" anchor="ctr" wrap="none"/>
-            <a:lstStyle/>
-            <a:p>
-              <a:pPr algn="l" marL="0" marR="0" indent="0">
-                <a:lnSpc>
-                  <a:spcPts val="853"/>
-                </a:lnSpc>
-                <a:spcBef>
-                  <a:spcPts val="0"/>
-                </a:spcBef>
-                <a:spcAft>
-                  <a:spcPts val="0"/>
-                </a:spcAft>
-              </a:pPr>
-              <a:r>
-                <a:rPr sz="853" b="1">
-                  <a:solidFill>
-                    <a:srgbClr val="FFFFFF">
-                      <a:alpha val="100000"/>
-                    </a:srgbClr>
-                  </a:solidFill>
-                  <a:latin typeface="Arial"/>
-                  <a:cs typeface="Arial"/>
-                </a:rPr>
-                <a:t>通过搜索引擎（如百度、搜狗、谷歌等）了解益生菌知识</a:t>
-              </a:r>
-            </a:p>
-          </p:txBody>
-        </p:sp>
-        <p:sp>
-          <p:nvSpPr>
-            <p:cNvPr id="26" name="tx26"/>
-            <p:cNvSpPr/>
-            <p:nvPr/>
-          </p:nvSpPr>
-          <p:spPr>
-            <a:xfrm>
-              <a:off x="4817437" y="4348820"/>
-              <a:ext cx="1056948" cy="67753"/>
-            </a:xfrm>
-            <a:prstGeom prst="rect">
-              <a:avLst/>
-            </a:prstGeom>
-            <a:noFill/>
-          </p:spPr>
-          <p:txBody>
-            <a:bodyPr lIns="0" rIns="0" tIns="0" bIns="0" anchorCtr="1" anchor="ctr" wrap="none"/>
-            <a:lstStyle/>
-            <a:p>
-              <a:pPr algn="l" marL="0" marR="0" indent="0">
-                <a:lnSpc>
-                  <a:spcPts val="853"/>
-                </a:lnSpc>
-                <a:spcBef>
-                  <a:spcPts val="0"/>
-                </a:spcBef>
-                <a:spcAft>
-                  <a:spcPts val="0"/>
-                </a:spcAft>
-              </a:pPr>
-              <a:r>
-                <a:rPr sz="853" b="1">
-                  <a:solidFill>
-                    <a:srgbClr val="FFFFFF">
-                      <a:alpha val="100000"/>
-                    </a:srgbClr>
-                  </a:solidFill>
-                  <a:latin typeface="Arial"/>
-                  <a:cs typeface="Arial"/>
-                </a:rPr>
-                <a:t>通过客服咨询产品功能等信息</a:t>
-              </a:r>
-            </a:p>
-          </p:txBody>
-        </p:sp>
-        <p:sp>
-          <p:nvSpPr>
-            <p:cNvPr id="27" name="tx27"/>
-            <p:cNvSpPr/>
-            <p:nvPr/>
-          </p:nvSpPr>
-          <p:spPr>
-            <a:xfrm>
-              <a:off x="2980872" y="5142861"/>
-              <a:ext cx="894341" cy="67753"/>
-            </a:xfrm>
-            <a:prstGeom prst="rect">
-              <a:avLst/>
-            </a:prstGeom>
-            <a:noFill/>
-          </p:spPr>
-          <p:txBody>
-            <a:bodyPr lIns="0" rIns="0" tIns="0" bIns="0" anchorCtr="1" anchor="ctr" wrap="none"/>
-            <a:lstStyle/>
-            <a:p>
-              <a:pPr algn="l" marL="0" marR="0" indent="0">
-                <a:lnSpc>
-                  <a:spcPts val="853"/>
-                </a:lnSpc>
-                <a:spcBef>
-                  <a:spcPts val="0"/>
-                </a:spcBef>
-                <a:spcAft>
-                  <a:spcPts val="0"/>
-                </a:spcAft>
-              </a:pPr>
-              <a:r>
-                <a:rPr sz="853">
-                  <a:solidFill>
-                    <a:srgbClr val="000000">
-                      <a:alpha val="100000"/>
-                    </a:srgbClr>
-                  </a:solidFill>
-                  <a:latin typeface="Arial"/>
-                  <a:cs typeface="Arial"/>
-                </a:rPr>
-                <a:t>看过商品介绍后直接下单</a:t>
-              </a:r>
-            </a:p>
-          </p:txBody>
-        </p:sp>
-        <p:sp>
-          <p:nvSpPr>
-            <p:cNvPr id="28" name="rc28"/>
-            <p:cNvSpPr/>
-            <p:nvPr/>
-          </p:nvSpPr>
-          <p:spPr>
-            <a:xfrm>
-              <a:off x="2023549" y="1590617"/>
-              <a:ext cx="6913543" cy="4048310"/>
+            <a:solidFill>
+              <a:srgbClr val="DE2D26">
+                <a:alpha val="100000"/>
+              </a:srgbClr>
+            </a:solidFill>
+          </p:spPr>
+          <p:txBody>
+            <a:bodyPr/>
+            <a:lstStyle/>
+            <a:p/>
+          </p:txBody>
+        </p:sp>
+        <p:sp>
+          <p:nvSpPr>
+            <p:cNvPr id="68" name="rc68"/>
+            <p:cNvSpPr/>
+            <p:nvPr/>
+          </p:nvSpPr>
+          <p:spPr>
+            <a:xfrm>
+              <a:off x="6275961" y="1809173"/>
+              <a:ext cx="1295770" cy="3464924"/>
             </a:xfrm>
             <a:prstGeom prst="rect">
               <a:avLst/>
             </a:prstGeom>
             <a:ln w="13550" cap="rnd">
               <a:solidFill>
-                <a:srgbClr val="B3B3B3">
-                  <a:alpha val="100000"/>
-                </a:srgbClr>
-              </a:solidFill>
-              <a:prstDash val="solid"/>
-              <a:round/>
-            </a:ln>
-          </p:spPr>
-          <p:txBody>
-            <a:bodyPr/>
-            <a:lstStyle/>
-            <a:p/>
-          </p:txBody>
-        </p:sp>
-        <p:sp>
-          <p:nvSpPr>
-            <p:cNvPr id="29" name="tx29"/>
-            <p:cNvSpPr/>
-            <p:nvPr/>
-          </p:nvSpPr>
-          <p:spPr>
-            <a:xfrm>
-              <a:off x="1926599" y="5131542"/>
-              <a:ext cx="62155" cy="80272"/>
+                <a:srgbClr val="333333">
+                  <a:alpha val="100000"/>
+                </a:srgbClr>
+              </a:solidFill>
+              <a:prstDash val="solid"/>
+              <a:round/>
+            </a:ln>
+          </p:spPr>
+          <p:txBody>
+            <a:bodyPr/>
+            <a:lstStyle/>
+            <a:p/>
+          </p:txBody>
+        </p:sp>
+        <p:sp>
+          <p:nvSpPr>
+            <p:cNvPr id="69" name="rc69"/>
+            <p:cNvSpPr/>
+            <p:nvPr/>
+          </p:nvSpPr>
+          <p:spPr>
+            <a:xfrm>
+              <a:off x="7641321" y="1809173"/>
+              <a:ext cx="1295770" cy="3464924"/>
+            </a:xfrm>
+            <a:prstGeom prst="rect">
+              <a:avLst/>
+            </a:prstGeom>
+            <a:solidFill>
+              <a:srgbClr val="FFFFFF">
+                <a:alpha val="100000"/>
+              </a:srgbClr>
+            </a:solidFill>
+          </p:spPr>
+          <p:txBody>
+            <a:bodyPr/>
+            <a:lstStyle/>
+            <a:p/>
+          </p:txBody>
+        </p:sp>
+        <p:sp>
+          <p:nvSpPr>
+            <p:cNvPr id="70" name="pl70"/>
+            <p:cNvSpPr/>
+            <p:nvPr/>
+          </p:nvSpPr>
+          <p:spPr>
+            <a:xfrm>
+              <a:off x="7641321" y="4666610"/>
+              <a:ext cx="1295770" cy="0"/>
+            </a:xfrm>
+            <a:custGeom>
+              <a:avLst/>
+              <a:pathLst>
+                <a:path w="1295770" h="0">
+                  <a:moveTo>
+                    <a:pt x="0" y="0"/>
+                  </a:moveTo>
+                  <a:lnTo>
+                    <a:pt x="1295770" y="0"/>
+                  </a:lnTo>
+                  <a:lnTo>
+                    <a:pt x="1295770" y="0"/>
+                  </a:lnTo>
+                </a:path>
+              </a:pathLst>
+            </a:custGeom>
+            <a:ln w="6775" cap="flat">
+              <a:solidFill>
+                <a:srgbClr val="EBEBEB">
+                  <a:alpha val="100000"/>
+                </a:srgbClr>
+              </a:solidFill>
+              <a:prstDash val="solid"/>
+              <a:round/>
+            </a:ln>
+          </p:spPr>
+          <p:txBody>
+            <a:bodyPr/>
+            <a:lstStyle/>
+            <a:p/>
+          </p:txBody>
+        </p:sp>
+        <p:sp>
+          <p:nvSpPr>
+            <p:cNvPr id="71" name="pl71"/>
+            <p:cNvSpPr/>
+            <p:nvPr/>
+          </p:nvSpPr>
+          <p:spPr>
+            <a:xfrm>
+              <a:off x="7641321" y="3766630"/>
+              <a:ext cx="1295770" cy="0"/>
+            </a:xfrm>
+            <a:custGeom>
+              <a:avLst/>
+              <a:pathLst>
+                <a:path w="1295770" h="0">
+                  <a:moveTo>
+                    <a:pt x="0" y="0"/>
+                  </a:moveTo>
+                  <a:lnTo>
+                    <a:pt x="1295770" y="0"/>
+                  </a:lnTo>
+                  <a:lnTo>
+                    <a:pt x="1295770" y="0"/>
+                  </a:lnTo>
+                </a:path>
+              </a:pathLst>
+            </a:custGeom>
+            <a:ln w="6775" cap="flat">
+              <a:solidFill>
+                <a:srgbClr val="EBEBEB">
+                  <a:alpha val="100000"/>
+                </a:srgbClr>
+              </a:solidFill>
+              <a:prstDash val="solid"/>
+              <a:round/>
+            </a:ln>
+          </p:spPr>
+          <p:txBody>
+            <a:bodyPr/>
+            <a:lstStyle/>
+            <a:p/>
+          </p:txBody>
+        </p:sp>
+        <p:sp>
+          <p:nvSpPr>
+            <p:cNvPr id="72" name="pl72"/>
+            <p:cNvSpPr/>
+            <p:nvPr/>
+          </p:nvSpPr>
+          <p:spPr>
+            <a:xfrm>
+              <a:off x="7641321" y="2866650"/>
+              <a:ext cx="1295770" cy="0"/>
+            </a:xfrm>
+            <a:custGeom>
+              <a:avLst/>
+              <a:pathLst>
+                <a:path w="1295770" h="0">
+                  <a:moveTo>
+                    <a:pt x="0" y="0"/>
+                  </a:moveTo>
+                  <a:lnTo>
+                    <a:pt x="1295770" y="0"/>
+                  </a:lnTo>
+                  <a:lnTo>
+                    <a:pt x="1295770" y="0"/>
+                  </a:lnTo>
+                </a:path>
+              </a:pathLst>
+            </a:custGeom>
+            <a:ln w="6775" cap="flat">
+              <a:solidFill>
+                <a:srgbClr val="EBEBEB">
+                  <a:alpha val="100000"/>
+                </a:srgbClr>
+              </a:solidFill>
+              <a:prstDash val="solid"/>
+              <a:round/>
+            </a:ln>
+          </p:spPr>
+          <p:txBody>
+            <a:bodyPr/>
+            <a:lstStyle/>
+            <a:p/>
+          </p:txBody>
+        </p:sp>
+        <p:sp>
+          <p:nvSpPr>
+            <p:cNvPr id="73" name="pl73"/>
+            <p:cNvSpPr/>
+            <p:nvPr/>
+          </p:nvSpPr>
+          <p:spPr>
+            <a:xfrm>
+              <a:off x="7641321" y="1966669"/>
+              <a:ext cx="1295770" cy="0"/>
+            </a:xfrm>
+            <a:custGeom>
+              <a:avLst/>
+              <a:pathLst>
+                <a:path w="1295770" h="0">
+                  <a:moveTo>
+                    <a:pt x="0" y="0"/>
+                  </a:moveTo>
+                  <a:lnTo>
+                    <a:pt x="1295770" y="0"/>
+                  </a:lnTo>
+                  <a:lnTo>
+                    <a:pt x="1295770" y="0"/>
+                  </a:lnTo>
+                </a:path>
+              </a:pathLst>
+            </a:custGeom>
+            <a:ln w="6775" cap="flat">
+              <a:solidFill>
+                <a:srgbClr val="EBEBEB">
+                  <a:alpha val="100000"/>
+                </a:srgbClr>
+              </a:solidFill>
+              <a:prstDash val="solid"/>
+              <a:round/>
+            </a:ln>
+          </p:spPr>
+          <p:txBody>
+            <a:bodyPr/>
+            <a:lstStyle/>
+            <a:p/>
+          </p:txBody>
+        </p:sp>
+        <p:sp>
+          <p:nvSpPr>
+            <p:cNvPr id="74" name="pl74"/>
+            <p:cNvSpPr/>
+            <p:nvPr/>
+          </p:nvSpPr>
+          <p:spPr>
+            <a:xfrm>
+              <a:off x="7641321" y="5116600"/>
+              <a:ext cx="1295770" cy="0"/>
+            </a:xfrm>
+            <a:custGeom>
+              <a:avLst/>
+              <a:pathLst>
+                <a:path w="1295770" h="0">
+                  <a:moveTo>
+                    <a:pt x="0" y="0"/>
+                  </a:moveTo>
+                  <a:lnTo>
+                    <a:pt x="1295770" y="0"/>
+                  </a:lnTo>
+                  <a:lnTo>
+                    <a:pt x="1295770" y="0"/>
+                  </a:lnTo>
+                </a:path>
+              </a:pathLst>
+            </a:custGeom>
+            <a:ln w="13550" cap="flat">
+              <a:solidFill>
+                <a:srgbClr val="EBEBEB">
+                  <a:alpha val="100000"/>
+                </a:srgbClr>
+              </a:solidFill>
+              <a:prstDash val="solid"/>
+              <a:round/>
+            </a:ln>
+          </p:spPr>
+          <p:txBody>
+            <a:bodyPr/>
+            <a:lstStyle/>
+            <a:p/>
+          </p:txBody>
+        </p:sp>
+        <p:sp>
+          <p:nvSpPr>
+            <p:cNvPr id="75" name="pl75"/>
+            <p:cNvSpPr/>
+            <p:nvPr/>
+          </p:nvSpPr>
+          <p:spPr>
+            <a:xfrm>
+              <a:off x="7641321" y="4216620"/>
+              <a:ext cx="1295770" cy="0"/>
+            </a:xfrm>
+            <a:custGeom>
+              <a:avLst/>
+              <a:pathLst>
+                <a:path w="1295770" h="0">
+                  <a:moveTo>
+                    <a:pt x="0" y="0"/>
+                  </a:moveTo>
+                  <a:lnTo>
+                    <a:pt x="1295770" y="0"/>
+                  </a:lnTo>
+                  <a:lnTo>
+                    <a:pt x="1295770" y="0"/>
+                  </a:lnTo>
+                </a:path>
+              </a:pathLst>
+            </a:custGeom>
+            <a:ln w="13550" cap="flat">
+              <a:solidFill>
+                <a:srgbClr val="EBEBEB">
+                  <a:alpha val="100000"/>
+                </a:srgbClr>
+              </a:solidFill>
+              <a:prstDash val="solid"/>
+              <a:round/>
+            </a:ln>
+          </p:spPr>
+          <p:txBody>
+            <a:bodyPr/>
+            <a:lstStyle/>
+            <a:p/>
+          </p:txBody>
+        </p:sp>
+        <p:sp>
+          <p:nvSpPr>
+            <p:cNvPr id="76" name="pl76"/>
+            <p:cNvSpPr/>
+            <p:nvPr/>
+          </p:nvSpPr>
+          <p:spPr>
+            <a:xfrm>
+              <a:off x="7641321" y="3316640"/>
+              <a:ext cx="1295770" cy="0"/>
+            </a:xfrm>
+            <a:custGeom>
+              <a:avLst/>
+              <a:pathLst>
+                <a:path w="1295770" h="0">
+                  <a:moveTo>
+                    <a:pt x="0" y="0"/>
+                  </a:moveTo>
+                  <a:lnTo>
+                    <a:pt x="1295770" y="0"/>
+                  </a:lnTo>
+                  <a:lnTo>
+                    <a:pt x="1295770" y="0"/>
+                  </a:lnTo>
+                </a:path>
+              </a:pathLst>
+            </a:custGeom>
+            <a:ln w="13550" cap="flat">
+              <a:solidFill>
+                <a:srgbClr val="EBEBEB">
+                  <a:alpha val="100000"/>
+                </a:srgbClr>
+              </a:solidFill>
+              <a:prstDash val="solid"/>
+              <a:round/>
+            </a:ln>
+          </p:spPr>
+          <p:txBody>
+            <a:bodyPr/>
+            <a:lstStyle/>
+            <a:p/>
+          </p:txBody>
+        </p:sp>
+        <p:sp>
+          <p:nvSpPr>
+            <p:cNvPr id="77" name="pl77"/>
+            <p:cNvSpPr/>
+            <p:nvPr/>
+          </p:nvSpPr>
+          <p:spPr>
+            <a:xfrm>
+              <a:off x="7641321" y="2416659"/>
+              <a:ext cx="1295770" cy="0"/>
+            </a:xfrm>
+            <a:custGeom>
+              <a:avLst/>
+              <a:pathLst>
+                <a:path w="1295770" h="0">
+                  <a:moveTo>
+                    <a:pt x="0" y="0"/>
+                  </a:moveTo>
+                  <a:lnTo>
+                    <a:pt x="1295770" y="0"/>
+                  </a:lnTo>
+                  <a:lnTo>
+                    <a:pt x="1295770" y="0"/>
+                  </a:lnTo>
+                </a:path>
+              </a:pathLst>
+            </a:custGeom>
+            <a:ln w="13550" cap="flat">
+              <a:solidFill>
+                <a:srgbClr val="EBEBEB">
+                  <a:alpha val="100000"/>
+                </a:srgbClr>
+              </a:solidFill>
+              <a:prstDash val="solid"/>
+              <a:round/>
+            </a:ln>
+          </p:spPr>
+          <p:txBody>
+            <a:bodyPr/>
+            <a:lstStyle/>
+            <a:p/>
+          </p:txBody>
+        </p:sp>
+        <p:sp>
+          <p:nvSpPr>
+            <p:cNvPr id="78" name="pl78"/>
+            <p:cNvSpPr/>
+            <p:nvPr/>
+          </p:nvSpPr>
+          <p:spPr>
+            <a:xfrm>
+              <a:off x="7884278" y="1809173"/>
+              <a:ext cx="0" cy="3464924"/>
+            </a:xfrm>
+            <a:custGeom>
+              <a:avLst/>
+              <a:pathLst>
+                <a:path w="0" h="3464924">
+                  <a:moveTo>
+                    <a:pt x="0" y="3464924"/>
+                  </a:moveTo>
+                  <a:lnTo>
+                    <a:pt x="0" y="0"/>
+                  </a:lnTo>
+                  <a:lnTo>
+                    <a:pt x="0" y="0"/>
+                  </a:lnTo>
+                </a:path>
+              </a:pathLst>
+            </a:custGeom>
+            <a:ln w="13550" cap="flat">
+              <a:solidFill>
+                <a:srgbClr val="EBEBEB">
+                  <a:alpha val="100000"/>
+                </a:srgbClr>
+              </a:solidFill>
+              <a:prstDash val="solid"/>
+              <a:round/>
+            </a:ln>
+          </p:spPr>
+          <p:txBody>
+            <a:bodyPr/>
+            <a:lstStyle/>
+            <a:p/>
+          </p:txBody>
+        </p:sp>
+        <p:sp>
+          <p:nvSpPr>
+            <p:cNvPr id="79" name="pl79"/>
+            <p:cNvSpPr/>
+            <p:nvPr/>
+          </p:nvSpPr>
+          <p:spPr>
+            <a:xfrm>
+              <a:off x="8289206" y="1809173"/>
+              <a:ext cx="0" cy="3464924"/>
+            </a:xfrm>
+            <a:custGeom>
+              <a:avLst/>
+              <a:pathLst>
+                <a:path w="0" h="3464924">
+                  <a:moveTo>
+                    <a:pt x="0" y="3464924"/>
+                  </a:moveTo>
+                  <a:lnTo>
+                    <a:pt x="0" y="0"/>
+                  </a:lnTo>
+                  <a:lnTo>
+                    <a:pt x="0" y="0"/>
+                  </a:lnTo>
+                </a:path>
+              </a:pathLst>
+            </a:custGeom>
+            <a:ln w="13550" cap="flat">
+              <a:solidFill>
+                <a:srgbClr val="EBEBEB">
+                  <a:alpha val="100000"/>
+                </a:srgbClr>
+              </a:solidFill>
+              <a:prstDash val="solid"/>
+              <a:round/>
+            </a:ln>
+          </p:spPr>
+          <p:txBody>
+            <a:bodyPr/>
+            <a:lstStyle/>
+            <a:p/>
+          </p:txBody>
+        </p:sp>
+        <p:sp>
+          <p:nvSpPr>
+            <p:cNvPr id="80" name="pl80"/>
+            <p:cNvSpPr/>
+            <p:nvPr/>
+          </p:nvSpPr>
+          <p:spPr>
+            <a:xfrm>
+              <a:off x="8694135" y="1809173"/>
+              <a:ext cx="0" cy="3464924"/>
+            </a:xfrm>
+            <a:custGeom>
+              <a:avLst/>
+              <a:pathLst>
+                <a:path w="0" h="3464924">
+                  <a:moveTo>
+                    <a:pt x="0" y="3464924"/>
+                  </a:moveTo>
+                  <a:lnTo>
+                    <a:pt x="0" y="0"/>
+                  </a:lnTo>
+                  <a:lnTo>
+                    <a:pt x="0" y="0"/>
+                  </a:lnTo>
+                </a:path>
+              </a:pathLst>
+            </a:custGeom>
+            <a:ln w="13550" cap="flat">
+              <a:solidFill>
+                <a:srgbClr val="EBEBEB">
+                  <a:alpha val="100000"/>
+                </a:srgbClr>
+              </a:solidFill>
+              <a:prstDash val="solid"/>
+              <a:round/>
+            </a:ln>
+          </p:spPr>
+          <p:txBody>
+            <a:bodyPr/>
+            <a:lstStyle/>
+            <a:p/>
+          </p:txBody>
+        </p:sp>
+        <p:sp>
+          <p:nvSpPr>
+            <p:cNvPr id="81" name="rc81"/>
+            <p:cNvSpPr/>
+            <p:nvPr/>
+          </p:nvSpPr>
+          <p:spPr>
+            <a:xfrm>
+              <a:off x="7702060" y="5098601"/>
+              <a:ext cx="364435" cy="17999"/>
+            </a:xfrm>
+            <a:prstGeom prst="rect">
+              <a:avLst/>
+            </a:prstGeom>
+            <a:solidFill>
+              <a:srgbClr val="FEE0D2">
+                <a:alpha val="100000"/>
+              </a:srgbClr>
+            </a:solidFill>
+          </p:spPr>
+          <p:txBody>
+            <a:bodyPr/>
+            <a:lstStyle/>
+            <a:p/>
+          </p:txBody>
+        </p:sp>
+        <p:sp>
+          <p:nvSpPr>
+            <p:cNvPr id="82" name="rc82"/>
+            <p:cNvSpPr/>
+            <p:nvPr/>
+          </p:nvSpPr>
+          <p:spPr>
+            <a:xfrm>
+              <a:off x="8106989" y="4963604"/>
+              <a:ext cx="364435" cy="152996"/>
+            </a:xfrm>
+            <a:prstGeom prst="rect">
+              <a:avLst/>
+            </a:prstGeom>
+            <a:solidFill>
+              <a:srgbClr val="FC9272">
+                <a:alpha val="100000"/>
+              </a:srgbClr>
+            </a:solidFill>
+          </p:spPr>
+          <p:txBody>
+            <a:bodyPr/>
+            <a:lstStyle/>
+            <a:p/>
+          </p:txBody>
+        </p:sp>
+        <p:sp>
+          <p:nvSpPr>
+            <p:cNvPr id="83" name="rc83"/>
+            <p:cNvSpPr/>
+            <p:nvPr/>
+          </p:nvSpPr>
+          <p:spPr>
+            <a:xfrm>
+              <a:off x="8511917" y="4405616"/>
+              <a:ext cx="364435" cy="710984"/>
+            </a:xfrm>
+            <a:prstGeom prst="rect">
+              <a:avLst/>
+            </a:prstGeom>
+            <a:solidFill>
+              <a:srgbClr val="DE2D26">
+                <a:alpha val="100000"/>
+              </a:srgbClr>
+            </a:solidFill>
+          </p:spPr>
+          <p:txBody>
+            <a:bodyPr/>
+            <a:lstStyle/>
+            <a:p/>
+          </p:txBody>
+        </p:sp>
+        <p:sp>
+          <p:nvSpPr>
+            <p:cNvPr id="84" name="rc84"/>
+            <p:cNvSpPr/>
+            <p:nvPr/>
+          </p:nvSpPr>
+          <p:spPr>
+            <a:xfrm>
+              <a:off x="7641321" y="1809173"/>
+              <a:ext cx="1295770" cy="3464924"/>
+            </a:xfrm>
+            <a:prstGeom prst="rect">
+              <a:avLst/>
+            </a:prstGeom>
+            <a:ln w="13550" cap="rnd">
+              <a:solidFill>
+                <a:srgbClr val="333333">
+                  <a:alpha val="100000"/>
+                </a:srgbClr>
+              </a:solidFill>
+              <a:prstDash val="solid"/>
+              <a:round/>
+            </a:ln>
+          </p:spPr>
+          <p:txBody>
+            <a:bodyPr/>
+            <a:lstStyle/>
+            <a:p/>
+          </p:txBody>
+        </p:sp>
+        <p:sp>
+          <p:nvSpPr>
+            <p:cNvPr id="85" name="rc85"/>
+            <p:cNvSpPr/>
+            <p:nvPr/>
+          </p:nvSpPr>
+          <p:spPr>
+            <a:xfrm>
+              <a:off x="2179881" y="1590617"/>
+              <a:ext cx="1295770" cy="218555"/>
+            </a:xfrm>
+            <a:prstGeom prst="rect">
+              <a:avLst/>
+            </a:prstGeom>
+            <a:solidFill>
+              <a:srgbClr val="D9D9D9">
+                <a:alpha val="100000"/>
+              </a:srgbClr>
+            </a:solidFill>
+            <a:ln w="13550" cap="rnd">
+              <a:solidFill>
+                <a:srgbClr val="333333">
+                  <a:alpha val="100000"/>
+                </a:srgbClr>
+              </a:solidFill>
+              <a:prstDash val="solid"/>
+              <a:round/>
+            </a:ln>
+          </p:spPr>
+          <p:txBody>
+            <a:bodyPr/>
+            <a:lstStyle/>
+            <a:p/>
+          </p:txBody>
+        </p:sp>
+        <p:sp>
+          <p:nvSpPr>
+            <p:cNvPr id="86" name="tx86"/>
+            <p:cNvSpPr/>
+            <p:nvPr/>
+          </p:nvSpPr>
+          <p:spPr>
+            <a:xfrm>
+              <a:off x="2618217" y="1670045"/>
+              <a:ext cx="419100" cy="69850"/>
             </a:xfrm>
             <a:prstGeom prst="rect">
               <a:avLst/>
@@ -4148,30 +6286,65 @@
                 </a:spcAft>
               </a:pPr>
               <a:r>
-                <a:rPr sz="880" b="1">
+                <a:rPr sz="880">
                   <a:solidFill>
-                    <a:srgbClr val="4D4D4D">
+                    <a:srgbClr val="1A1A1A">
                       <a:alpha val="100000"/>
                     </a:srgbClr>
                   </a:solidFill>
                   <a:latin typeface="Arial"/>
                   <a:cs typeface="Arial"/>
                 </a:rPr>
-                <a:t>5</a:t>
+                <a:t>基础研究者</a:t>
               </a:r>
             </a:p>
           </p:txBody>
         </p:sp>
         <p:sp>
           <p:nvSpPr>
-            <p:cNvPr id="30" name="tx30"/>
-            <p:cNvSpPr/>
-            <p:nvPr/>
-          </p:nvSpPr>
-          <p:spPr>
-            <a:xfrm>
-              <a:off x="1926599" y="4352966"/>
-              <a:ext cx="62155" cy="80327"/>
+            <p:cNvPr id="87" name="rc87"/>
+            <p:cNvSpPr/>
+            <p:nvPr/>
+          </p:nvSpPr>
+          <p:spPr>
+            <a:xfrm>
+              <a:off x="3545241" y="1590617"/>
+              <a:ext cx="1295770" cy="218555"/>
+            </a:xfrm>
+            <a:prstGeom prst="rect">
+              <a:avLst/>
+            </a:prstGeom>
+            <a:solidFill>
+              <a:srgbClr val="D9D9D9">
+                <a:alpha val="100000"/>
+              </a:srgbClr>
+            </a:solidFill>
+            <a:ln w="13550" cap="rnd">
+              <a:solidFill>
+                <a:srgbClr val="333333">
+                  <a:alpha val="100000"/>
+                </a:srgbClr>
+              </a:solidFill>
+              <a:prstDash val="solid"/>
+              <a:round/>
+            </a:ln>
+          </p:spPr>
+          <p:txBody>
+            <a:bodyPr/>
+            <a:lstStyle/>
+            <a:p/>
+          </p:txBody>
+        </p:sp>
+        <p:sp>
+          <p:nvSpPr>
+            <p:cNvPr id="88" name="tx88"/>
+            <p:cNvSpPr/>
+            <p:nvPr/>
+          </p:nvSpPr>
+          <p:spPr>
+            <a:xfrm>
+              <a:off x="4025487" y="1670045"/>
+              <a:ext cx="335280" cy="69850"/>
             </a:xfrm>
             <a:prstGeom prst="rect">
               <a:avLst/>
@@ -4194,30 +6367,65 @@
                 </a:spcAft>
               </a:pPr>
               <a:r>
-                <a:rPr sz="880" b="1">
+                <a:rPr sz="880">
                   <a:solidFill>
-                    <a:srgbClr val="4D4D4D">
+                    <a:srgbClr val="1A1A1A">
                       <a:alpha val="100000"/>
                     </a:srgbClr>
                   </a:solidFill>
                   <a:latin typeface="Arial"/>
                   <a:cs typeface="Arial"/>
                 </a:rPr>
-                <a:t>4</a:t>
+                <a:t>临床医生</a:t>
               </a:r>
             </a:p>
           </p:txBody>
         </p:sp>
         <p:sp>
           <p:nvSpPr>
-            <p:cNvPr id="31" name="tx31"/>
-            <p:cNvSpPr/>
-            <p:nvPr/>
-          </p:nvSpPr>
-          <p:spPr>
-            <a:xfrm>
-              <a:off x="1926599" y="3573080"/>
-              <a:ext cx="62155" cy="81691"/>
+            <p:cNvPr id="89" name="rc89"/>
+            <p:cNvSpPr/>
+            <p:nvPr/>
+          </p:nvSpPr>
+          <p:spPr>
+            <a:xfrm>
+              <a:off x="4910601" y="1590617"/>
+              <a:ext cx="1295770" cy="218555"/>
+            </a:xfrm>
+            <a:prstGeom prst="rect">
+              <a:avLst/>
+            </a:prstGeom>
+            <a:solidFill>
+              <a:srgbClr val="D9D9D9">
+                <a:alpha val="100000"/>
+              </a:srgbClr>
+            </a:solidFill>
+            <a:ln w="13550" cap="rnd">
+              <a:solidFill>
+                <a:srgbClr val="333333">
+                  <a:alpha val="100000"/>
+                </a:srgbClr>
+              </a:solidFill>
+              <a:prstDash val="solid"/>
+              <a:round/>
+            </a:ln>
+          </p:spPr>
+          <p:txBody>
+            <a:bodyPr/>
+            <a:lstStyle/>
+            <a:p/>
+          </p:txBody>
+        </p:sp>
+        <p:sp>
+          <p:nvSpPr>
+            <p:cNvPr id="90" name="tx90"/>
+            <p:cNvSpPr/>
+            <p:nvPr/>
+          </p:nvSpPr>
+          <p:spPr>
+            <a:xfrm>
+              <a:off x="5348937" y="1670045"/>
+              <a:ext cx="419100" cy="69850"/>
             </a:xfrm>
             <a:prstGeom prst="rect">
               <a:avLst/>
@@ -4240,30 +6448,65 @@
                 </a:spcAft>
               </a:pPr>
               <a:r>
-                <a:rPr sz="880" b="1">
+                <a:rPr sz="880">
                   <a:solidFill>
-                    <a:srgbClr val="4D4D4D">
+                    <a:srgbClr val="1A1A1A">
                       <a:alpha val="100000"/>
                     </a:srgbClr>
                   </a:solidFill>
                   <a:latin typeface="Arial"/>
                   <a:cs typeface="Arial"/>
                 </a:rPr>
-                <a:t>3</a:t>
+                <a:t>企业管理者</a:t>
               </a:r>
             </a:p>
           </p:txBody>
         </p:sp>
         <p:sp>
           <p:nvSpPr>
-            <p:cNvPr id="32" name="tx32"/>
-            <p:cNvSpPr/>
-            <p:nvPr/>
-          </p:nvSpPr>
-          <p:spPr>
-            <a:xfrm>
-              <a:off x="1926599" y="2795923"/>
-              <a:ext cx="62155" cy="80327"/>
+            <p:cNvPr id="91" name="rc91"/>
+            <p:cNvSpPr/>
+            <p:nvPr/>
+          </p:nvSpPr>
+          <p:spPr>
+            <a:xfrm>
+              <a:off x="6275961" y="1590617"/>
+              <a:ext cx="1295770" cy="218555"/>
+            </a:xfrm>
+            <a:prstGeom prst="rect">
+              <a:avLst/>
+            </a:prstGeom>
+            <a:solidFill>
+              <a:srgbClr val="D9D9D9">
+                <a:alpha val="100000"/>
+              </a:srgbClr>
+            </a:solidFill>
+            <a:ln w="13550" cap="rnd">
+              <a:solidFill>
+                <a:srgbClr val="333333">
+                  <a:alpha val="100000"/>
+                </a:srgbClr>
+              </a:solidFill>
+              <a:prstDash val="solid"/>
+              <a:round/>
+            </a:ln>
+          </p:spPr>
+          <p:txBody>
+            <a:bodyPr/>
+            <a:lstStyle/>
+            <a:p/>
+          </p:txBody>
+        </p:sp>
+        <p:sp>
+          <p:nvSpPr>
+            <p:cNvPr id="92" name="tx92"/>
+            <p:cNvSpPr/>
+            <p:nvPr/>
+          </p:nvSpPr>
+          <p:spPr>
+            <a:xfrm>
+              <a:off x="6672387" y="1670045"/>
+              <a:ext cx="502920" cy="69850"/>
             </a:xfrm>
             <a:prstGeom prst="rect">
               <a:avLst/>
@@ -4286,30 +6529,65 @@
                 </a:spcAft>
               </a:pPr>
               <a:r>
-                <a:rPr sz="880" b="1">
+                <a:rPr sz="880">
                   <a:solidFill>
-                    <a:srgbClr val="4D4D4D">
+                    <a:srgbClr val="1A1A1A">
                       <a:alpha val="100000"/>
                     </a:srgbClr>
                   </a:solidFill>
                   <a:latin typeface="Arial"/>
                   <a:cs typeface="Arial"/>
                 </a:rPr>
-                <a:t>2</a:t>
+                <a:t>企业研发人员</a:t>
               </a:r>
             </a:p>
           </p:txBody>
         </p:sp>
         <p:sp>
           <p:nvSpPr>
-            <p:cNvPr id="33" name="tx33"/>
-            <p:cNvSpPr/>
-            <p:nvPr/>
-          </p:nvSpPr>
-          <p:spPr>
-            <a:xfrm>
-              <a:off x="1926599" y="2017402"/>
-              <a:ext cx="62155" cy="80327"/>
+            <p:cNvPr id="93" name="rc93"/>
+            <p:cNvSpPr/>
+            <p:nvPr/>
+          </p:nvSpPr>
+          <p:spPr>
+            <a:xfrm>
+              <a:off x="7641321" y="1590617"/>
+              <a:ext cx="1295770" cy="218555"/>
+            </a:xfrm>
+            <a:prstGeom prst="rect">
+              <a:avLst/>
+            </a:prstGeom>
+            <a:solidFill>
+              <a:srgbClr val="D9D9D9">
+                <a:alpha val="100000"/>
+              </a:srgbClr>
+            </a:solidFill>
+            <a:ln w="13550" cap="rnd">
+              <a:solidFill>
+                <a:srgbClr val="333333">
+                  <a:alpha val="100000"/>
+                </a:srgbClr>
+              </a:solidFill>
+              <a:prstDash val="solid"/>
+              <a:round/>
+            </a:ln>
+          </p:spPr>
+          <p:txBody>
+            <a:bodyPr/>
+            <a:lstStyle/>
+            <a:p/>
+          </p:txBody>
+        </p:sp>
+        <p:sp>
+          <p:nvSpPr>
+            <p:cNvPr id="94" name="tx94"/>
+            <p:cNvSpPr/>
+            <p:nvPr/>
+          </p:nvSpPr>
+          <p:spPr>
+            <a:xfrm>
+              <a:off x="8205386" y="1670045"/>
+              <a:ext cx="167640" cy="69850"/>
             </a:xfrm>
             <a:prstGeom prst="rect">
               <a:avLst/>
@@ -4332,229 +6610,29 @@
                 </a:spcAft>
               </a:pPr>
               <a:r>
-                <a:rPr sz="880" b="1">
+                <a:rPr sz="880">
                   <a:solidFill>
-                    <a:srgbClr val="4D4D4D">
+                    <a:srgbClr val="1A1A1A">
                       <a:alpha val="100000"/>
                     </a:srgbClr>
                   </a:solidFill>
                   <a:latin typeface="Arial"/>
                   <a:cs typeface="Arial"/>
                 </a:rPr>
-                <a:t>1</a:t>
+                <a:t>其他</a:t>
               </a:r>
             </a:p>
           </p:txBody>
         </p:sp>
         <p:sp>
           <p:nvSpPr>
-            <p:cNvPr id="34" name="pl34"/>
-            <p:cNvSpPr/>
-            <p:nvPr/>
-          </p:nvSpPr>
-          <p:spPr>
-            <a:xfrm>
-              <a:off x="1988754" y="5171815"/>
-              <a:ext cx="34794" cy="0"/>
-            </a:xfrm>
-            <a:custGeom>
-              <a:avLst/>
-              <a:pathLst>
-                <a:path w="34794" h="0">
-                  <a:moveTo>
-                    <a:pt x="0" y="0"/>
-                  </a:moveTo>
-                  <a:lnTo>
-                    <a:pt x="34794" y="0"/>
-                  </a:lnTo>
-                </a:path>
-              </a:pathLst>
-            </a:custGeom>
-            <a:ln w="6775" cap="flat">
-              <a:solidFill>
-                <a:srgbClr val="B3B3B3">
-                  <a:alpha val="100000"/>
-                </a:srgbClr>
-              </a:solidFill>
-              <a:prstDash val="solid"/>
-              <a:round/>
-            </a:ln>
-          </p:spPr>
-          <p:txBody>
-            <a:bodyPr/>
-            <a:lstStyle/>
-            <a:p/>
-          </p:txBody>
-        </p:sp>
-        <p:sp>
-          <p:nvSpPr>
-            <p:cNvPr id="35" name="pl35"/>
-            <p:cNvSpPr/>
-            <p:nvPr/>
-          </p:nvSpPr>
-          <p:spPr>
-            <a:xfrm>
-              <a:off x="1988754" y="4393293"/>
-              <a:ext cx="34794" cy="0"/>
-            </a:xfrm>
-            <a:custGeom>
-              <a:avLst/>
-              <a:pathLst>
-                <a:path w="34794" h="0">
-                  <a:moveTo>
-                    <a:pt x="0" y="0"/>
-                  </a:moveTo>
-                  <a:lnTo>
-                    <a:pt x="34794" y="0"/>
-                  </a:lnTo>
-                </a:path>
-              </a:pathLst>
-            </a:custGeom>
-            <a:ln w="6775" cap="flat">
-              <a:solidFill>
-                <a:srgbClr val="B3B3B3">
-                  <a:alpha val="100000"/>
-                </a:srgbClr>
-              </a:solidFill>
-              <a:prstDash val="solid"/>
-              <a:round/>
-            </a:ln>
-          </p:spPr>
-          <p:txBody>
-            <a:bodyPr/>
-            <a:lstStyle/>
-            <a:p/>
-          </p:txBody>
-        </p:sp>
-        <p:sp>
-          <p:nvSpPr>
-            <p:cNvPr id="36" name="pl36"/>
-            <p:cNvSpPr/>
-            <p:nvPr/>
-          </p:nvSpPr>
-          <p:spPr>
-            <a:xfrm>
-              <a:off x="1988754" y="3614772"/>
-              <a:ext cx="34794" cy="0"/>
-            </a:xfrm>
-            <a:custGeom>
-              <a:avLst/>
-              <a:pathLst>
-                <a:path w="34794" h="0">
-                  <a:moveTo>
-                    <a:pt x="0" y="0"/>
-                  </a:moveTo>
-                  <a:lnTo>
-                    <a:pt x="34794" y="0"/>
-                  </a:lnTo>
-                </a:path>
-              </a:pathLst>
-            </a:custGeom>
-            <a:ln w="6775" cap="flat">
-              <a:solidFill>
-                <a:srgbClr val="B3B3B3">
-                  <a:alpha val="100000"/>
-                </a:srgbClr>
-              </a:solidFill>
-              <a:prstDash val="solid"/>
-              <a:round/>
-            </a:ln>
-          </p:spPr>
-          <p:txBody>
-            <a:bodyPr/>
-            <a:lstStyle/>
-            <a:p/>
-          </p:txBody>
-        </p:sp>
-        <p:sp>
-          <p:nvSpPr>
-            <p:cNvPr id="37" name="pl37"/>
-            <p:cNvSpPr/>
-            <p:nvPr/>
-          </p:nvSpPr>
-          <p:spPr>
-            <a:xfrm>
-              <a:off x="1988754" y="2836251"/>
-              <a:ext cx="34794" cy="0"/>
-            </a:xfrm>
-            <a:custGeom>
-              <a:avLst/>
-              <a:pathLst>
-                <a:path w="34794" h="0">
-                  <a:moveTo>
-                    <a:pt x="0" y="0"/>
-                  </a:moveTo>
-                  <a:lnTo>
-                    <a:pt x="34794" y="0"/>
-                  </a:lnTo>
-                </a:path>
-              </a:pathLst>
-            </a:custGeom>
-            <a:ln w="6775" cap="flat">
-              <a:solidFill>
-                <a:srgbClr val="B3B3B3">
-                  <a:alpha val="100000"/>
-                </a:srgbClr>
-              </a:solidFill>
-              <a:prstDash val="solid"/>
-              <a:round/>
-            </a:ln>
-          </p:spPr>
-          <p:txBody>
-            <a:bodyPr/>
-            <a:lstStyle/>
-            <a:p/>
-          </p:txBody>
-        </p:sp>
-        <p:sp>
-          <p:nvSpPr>
-            <p:cNvPr id="38" name="pl38"/>
-            <p:cNvSpPr/>
-            <p:nvPr/>
-          </p:nvSpPr>
-          <p:spPr>
-            <a:xfrm>
-              <a:off x="1988754" y="2057730"/>
-              <a:ext cx="34794" cy="0"/>
-            </a:xfrm>
-            <a:custGeom>
-              <a:avLst/>
-              <a:pathLst>
-                <a:path w="34794" h="0">
-                  <a:moveTo>
-                    <a:pt x="0" y="0"/>
-                  </a:moveTo>
-                  <a:lnTo>
-                    <a:pt x="34794" y="0"/>
-                  </a:lnTo>
-                </a:path>
-              </a:pathLst>
-            </a:custGeom>
-            <a:ln w="6775" cap="flat">
-              <a:solidFill>
-                <a:srgbClr val="B3B3B3">
-                  <a:alpha val="100000"/>
-                </a:srgbClr>
-              </a:solidFill>
-              <a:prstDash val="solid"/>
-              <a:round/>
-            </a:ln>
-          </p:spPr>
-          <p:txBody>
-            <a:bodyPr/>
-            <a:lstStyle/>
-            <a:p/>
-          </p:txBody>
-        </p:sp>
-        <p:sp>
-          <p:nvSpPr>
-            <p:cNvPr id="39" name="pl39"/>
-            <p:cNvSpPr/>
-            <p:nvPr/>
-          </p:nvSpPr>
-          <p:spPr>
-            <a:xfrm>
-              <a:off x="2023549" y="5638927"/>
+            <p:cNvPr id="95" name="pl95"/>
+            <p:cNvSpPr/>
+            <p:nvPr/>
+          </p:nvSpPr>
+          <p:spPr>
+            <a:xfrm>
+              <a:off x="2422838" y="5274097"/>
               <a:ext cx="0" cy="34794"/>
             </a:xfrm>
             <a:custGeom>
@@ -4570,31 +6648,31 @@
                 </a:path>
               </a:pathLst>
             </a:custGeom>
-            <a:ln w="6775" cap="flat">
-              <a:solidFill>
-                <a:srgbClr val="B3B3B3">
-                  <a:alpha val="100000"/>
-                </a:srgbClr>
-              </a:solidFill>
-              <a:prstDash val="solid"/>
-              <a:round/>
-            </a:ln>
-          </p:spPr>
-          <p:txBody>
-            <a:bodyPr/>
-            <a:lstStyle/>
-            <a:p/>
-          </p:txBody>
-        </p:sp>
-        <p:sp>
-          <p:nvSpPr>
-            <p:cNvPr id="40" name="pl40"/>
-            <p:cNvSpPr/>
-            <p:nvPr/>
-          </p:nvSpPr>
-          <p:spPr>
-            <a:xfrm>
-              <a:off x="4261985" y="5638927"/>
+            <a:ln w="13550" cap="flat">
+              <a:solidFill>
+                <a:srgbClr val="333333">
+                  <a:alpha val="100000"/>
+                </a:srgbClr>
+              </a:solidFill>
+              <a:prstDash val="solid"/>
+              <a:round/>
+            </a:ln>
+          </p:spPr>
+          <p:txBody>
+            <a:bodyPr/>
+            <a:lstStyle/>
+            <a:p/>
+          </p:txBody>
+        </p:sp>
+        <p:sp>
+          <p:nvSpPr>
+            <p:cNvPr id="96" name="pl96"/>
+            <p:cNvSpPr/>
+            <p:nvPr/>
+          </p:nvSpPr>
+          <p:spPr>
+            <a:xfrm>
+              <a:off x="2827767" y="5274097"/>
               <a:ext cx="0" cy="34794"/>
             </a:xfrm>
             <a:custGeom>
@@ -4610,31 +6688,31 @@
                 </a:path>
               </a:pathLst>
             </a:custGeom>
-            <a:ln w="6775" cap="flat">
-              <a:solidFill>
-                <a:srgbClr val="B3B3B3">
-                  <a:alpha val="100000"/>
-                </a:srgbClr>
-              </a:solidFill>
-              <a:prstDash val="solid"/>
-              <a:round/>
-            </a:ln>
-          </p:spPr>
-          <p:txBody>
-            <a:bodyPr/>
-            <a:lstStyle/>
-            <a:p/>
-          </p:txBody>
-        </p:sp>
-        <p:sp>
-          <p:nvSpPr>
-            <p:cNvPr id="41" name="pl41"/>
-            <p:cNvSpPr/>
-            <p:nvPr/>
-          </p:nvSpPr>
-          <p:spPr>
-            <a:xfrm>
-              <a:off x="6500420" y="5638927"/>
+            <a:ln w="13550" cap="flat">
+              <a:solidFill>
+                <a:srgbClr val="333333">
+                  <a:alpha val="100000"/>
+                </a:srgbClr>
+              </a:solidFill>
+              <a:prstDash val="solid"/>
+              <a:round/>
+            </a:ln>
+          </p:spPr>
+          <p:txBody>
+            <a:bodyPr/>
+            <a:lstStyle/>
+            <a:p/>
+          </p:txBody>
+        </p:sp>
+        <p:sp>
+          <p:nvSpPr>
+            <p:cNvPr id="97" name="pl97"/>
+            <p:cNvSpPr/>
+            <p:nvPr/>
+          </p:nvSpPr>
+          <p:spPr>
+            <a:xfrm>
+              <a:off x="3232695" y="5274097"/>
               <a:ext cx="0" cy="34794"/>
             </a:xfrm>
             <a:custGeom>
@@ -4650,31 +6728,31 @@
                 </a:path>
               </a:pathLst>
             </a:custGeom>
-            <a:ln w="6775" cap="flat">
-              <a:solidFill>
-                <a:srgbClr val="B3B3B3">
-                  <a:alpha val="100000"/>
-                </a:srgbClr>
-              </a:solidFill>
-              <a:prstDash val="solid"/>
-              <a:round/>
-            </a:ln>
-          </p:spPr>
-          <p:txBody>
-            <a:bodyPr/>
-            <a:lstStyle/>
-            <a:p/>
-          </p:txBody>
-        </p:sp>
-        <p:sp>
-          <p:nvSpPr>
-            <p:cNvPr id="42" name="pl42"/>
-            <p:cNvSpPr/>
-            <p:nvPr/>
-          </p:nvSpPr>
-          <p:spPr>
-            <a:xfrm>
-              <a:off x="8738856" y="5638927"/>
+            <a:ln w="13550" cap="flat">
+              <a:solidFill>
+                <a:srgbClr val="333333">
+                  <a:alpha val="100000"/>
+                </a:srgbClr>
+              </a:solidFill>
+              <a:prstDash val="solid"/>
+              <a:round/>
+            </a:ln>
+          </p:spPr>
+          <p:txBody>
+            <a:bodyPr/>
+            <a:lstStyle/>
+            <a:p/>
+          </p:txBody>
+        </p:sp>
+        <p:sp>
+          <p:nvSpPr>
+            <p:cNvPr id="98" name="pl98"/>
+            <p:cNvSpPr/>
+            <p:nvPr/>
+          </p:nvSpPr>
+          <p:spPr>
+            <a:xfrm>
+              <a:off x="3788198" y="5274097"/>
               <a:ext cx="0" cy="34794"/>
             </a:xfrm>
             <a:custGeom>
@@ -4690,31 +6768,471 @@
                 </a:path>
               </a:pathLst>
             </a:custGeom>
-            <a:ln w="6775" cap="flat">
-              <a:solidFill>
-                <a:srgbClr val="B3B3B3">
-                  <a:alpha val="100000"/>
-                </a:srgbClr>
-              </a:solidFill>
-              <a:prstDash val="solid"/>
-              <a:round/>
-            </a:ln>
-          </p:spPr>
-          <p:txBody>
-            <a:bodyPr/>
-            <a:lstStyle/>
-            <a:p/>
-          </p:txBody>
-        </p:sp>
-        <p:sp>
-          <p:nvSpPr>
-            <p:cNvPr id="43" name="tx43"/>
-            <p:cNvSpPr/>
-            <p:nvPr/>
-          </p:nvSpPr>
-          <p:spPr>
-            <a:xfrm>
-              <a:off x="1992471" y="5699866"/>
+            <a:ln w="13550" cap="flat">
+              <a:solidFill>
+                <a:srgbClr val="333333">
+                  <a:alpha val="100000"/>
+                </a:srgbClr>
+              </a:solidFill>
+              <a:prstDash val="solid"/>
+              <a:round/>
+            </a:ln>
+          </p:spPr>
+          <p:txBody>
+            <a:bodyPr/>
+            <a:lstStyle/>
+            <a:p/>
+          </p:txBody>
+        </p:sp>
+        <p:sp>
+          <p:nvSpPr>
+            <p:cNvPr id="99" name="pl99"/>
+            <p:cNvSpPr/>
+            <p:nvPr/>
+          </p:nvSpPr>
+          <p:spPr>
+            <a:xfrm>
+              <a:off x="4193127" y="5274097"/>
+              <a:ext cx="0" cy="34794"/>
+            </a:xfrm>
+            <a:custGeom>
+              <a:avLst/>
+              <a:pathLst>
+                <a:path w="0" h="34794">
+                  <a:moveTo>
+                    <a:pt x="0" y="34794"/>
+                  </a:moveTo>
+                  <a:lnTo>
+                    <a:pt x="0" y="0"/>
+                  </a:lnTo>
+                </a:path>
+              </a:pathLst>
+            </a:custGeom>
+            <a:ln w="13550" cap="flat">
+              <a:solidFill>
+                <a:srgbClr val="333333">
+                  <a:alpha val="100000"/>
+                </a:srgbClr>
+              </a:solidFill>
+              <a:prstDash val="solid"/>
+              <a:round/>
+            </a:ln>
+          </p:spPr>
+          <p:txBody>
+            <a:bodyPr/>
+            <a:lstStyle/>
+            <a:p/>
+          </p:txBody>
+        </p:sp>
+        <p:sp>
+          <p:nvSpPr>
+            <p:cNvPr id="100" name="pl100"/>
+            <p:cNvSpPr/>
+            <p:nvPr/>
+          </p:nvSpPr>
+          <p:spPr>
+            <a:xfrm>
+              <a:off x="4598055" y="5274097"/>
+              <a:ext cx="0" cy="34794"/>
+            </a:xfrm>
+            <a:custGeom>
+              <a:avLst/>
+              <a:pathLst>
+                <a:path w="0" h="34794">
+                  <a:moveTo>
+                    <a:pt x="0" y="34794"/>
+                  </a:moveTo>
+                  <a:lnTo>
+                    <a:pt x="0" y="0"/>
+                  </a:lnTo>
+                </a:path>
+              </a:pathLst>
+            </a:custGeom>
+            <a:ln w="13550" cap="flat">
+              <a:solidFill>
+                <a:srgbClr val="333333">
+                  <a:alpha val="100000"/>
+                </a:srgbClr>
+              </a:solidFill>
+              <a:prstDash val="solid"/>
+              <a:round/>
+            </a:ln>
+          </p:spPr>
+          <p:txBody>
+            <a:bodyPr/>
+            <a:lstStyle/>
+            <a:p/>
+          </p:txBody>
+        </p:sp>
+        <p:sp>
+          <p:nvSpPr>
+            <p:cNvPr id="101" name="pl101"/>
+            <p:cNvSpPr/>
+            <p:nvPr/>
+          </p:nvSpPr>
+          <p:spPr>
+            <a:xfrm>
+              <a:off x="5153558" y="5274097"/>
+              <a:ext cx="0" cy="34794"/>
+            </a:xfrm>
+            <a:custGeom>
+              <a:avLst/>
+              <a:pathLst>
+                <a:path w="0" h="34794">
+                  <a:moveTo>
+                    <a:pt x="0" y="34794"/>
+                  </a:moveTo>
+                  <a:lnTo>
+                    <a:pt x="0" y="0"/>
+                  </a:lnTo>
+                </a:path>
+              </a:pathLst>
+            </a:custGeom>
+            <a:ln w="13550" cap="flat">
+              <a:solidFill>
+                <a:srgbClr val="333333">
+                  <a:alpha val="100000"/>
+                </a:srgbClr>
+              </a:solidFill>
+              <a:prstDash val="solid"/>
+              <a:round/>
+            </a:ln>
+          </p:spPr>
+          <p:txBody>
+            <a:bodyPr/>
+            <a:lstStyle/>
+            <a:p/>
+          </p:txBody>
+        </p:sp>
+        <p:sp>
+          <p:nvSpPr>
+            <p:cNvPr id="102" name="pl102"/>
+            <p:cNvSpPr/>
+            <p:nvPr/>
+          </p:nvSpPr>
+          <p:spPr>
+            <a:xfrm>
+              <a:off x="5558487" y="5274097"/>
+              <a:ext cx="0" cy="34794"/>
+            </a:xfrm>
+            <a:custGeom>
+              <a:avLst/>
+              <a:pathLst>
+                <a:path w="0" h="34794">
+                  <a:moveTo>
+                    <a:pt x="0" y="34794"/>
+                  </a:moveTo>
+                  <a:lnTo>
+                    <a:pt x="0" y="0"/>
+                  </a:lnTo>
+                </a:path>
+              </a:pathLst>
+            </a:custGeom>
+            <a:ln w="13550" cap="flat">
+              <a:solidFill>
+                <a:srgbClr val="333333">
+                  <a:alpha val="100000"/>
+                </a:srgbClr>
+              </a:solidFill>
+              <a:prstDash val="solid"/>
+              <a:round/>
+            </a:ln>
+          </p:spPr>
+          <p:txBody>
+            <a:bodyPr/>
+            <a:lstStyle/>
+            <a:p/>
+          </p:txBody>
+        </p:sp>
+        <p:sp>
+          <p:nvSpPr>
+            <p:cNvPr id="103" name="pl103"/>
+            <p:cNvSpPr/>
+            <p:nvPr/>
+          </p:nvSpPr>
+          <p:spPr>
+            <a:xfrm>
+              <a:off x="5963415" y="5274097"/>
+              <a:ext cx="0" cy="34794"/>
+            </a:xfrm>
+            <a:custGeom>
+              <a:avLst/>
+              <a:pathLst>
+                <a:path w="0" h="34794">
+                  <a:moveTo>
+                    <a:pt x="0" y="34794"/>
+                  </a:moveTo>
+                  <a:lnTo>
+                    <a:pt x="0" y="0"/>
+                  </a:lnTo>
+                </a:path>
+              </a:pathLst>
+            </a:custGeom>
+            <a:ln w="13550" cap="flat">
+              <a:solidFill>
+                <a:srgbClr val="333333">
+                  <a:alpha val="100000"/>
+                </a:srgbClr>
+              </a:solidFill>
+              <a:prstDash val="solid"/>
+              <a:round/>
+            </a:ln>
+          </p:spPr>
+          <p:txBody>
+            <a:bodyPr/>
+            <a:lstStyle/>
+            <a:p/>
+          </p:txBody>
+        </p:sp>
+        <p:sp>
+          <p:nvSpPr>
+            <p:cNvPr id="104" name="pl104"/>
+            <p:cNvSpPr/>
+            <p:nvPr/>
+          </p:nvSpPr>
+          <p:spPr>
+            <a:xfrm>
+              <a:off x="6518918" y="5274097"/>
+              <a:ext cx="0" cy="34794"/>
+            </a:xfrm>
+            <a:custGeom>
+              <a:avLst/>
+              <a:pathLst>
+                <a:path w="0" h="34794">
+                  <a:moveTo>
+                    <a:pt x="0" y="34794"/>
+                  </a:moveTo>
+                  <a:lnTo>
+                    <a:pt x="0" y="0"/>
+                  </a:lnTo>
+                </a:path>
+              </a:pathLst>
+            </a:custGeom>
+            <a:ln w="13550" cap="flat">
+              <a:solidFill>
+                <a:srgbClr val="333333">
+                  <a:alpha val="100000"/>
+                </a:srgbClr>
+              </a:solidFill>
+              <a:prstDash val="solid"/>
+              <a:round/>
+            </a:ln>
+          </p:spPr>
+          <p:txBody>
+            <a:bodyPr/>
+            <a:lstStyle/>
+            <a:p/>
+          </p:txBody>
+        </p:sp>
+        <p:sp>
+          <p:nvSpPr>
+            <p:cNvPr id="105" name="pl105"/>
+            <p:cNvSpPr/>
+            <p:nvPr/>
+          </p:nvSpPr>
+          <p:spPr>
+            <a:xfrm>
+              <a:off x="6923847" y="5274097"/>
+              <a:ext cx="0" cy="34794"/>
+            </a:xfrm>
+            <a:custGeom>
+              <a:avLst/>
+              <a:pathLst>
+                <a:path w="0" h="34794">
+                  <a:moveTo>
+                    <a:pt x="0" y="34794"/>
+                  </a:moveTo>
+                  <a:lnTo>
+                    <a:pt x="0" y="0"/>
+                  </a:lnTo>
+                </a:path>
+              </a:pathLst>
+            </a:custGeom>
+            <a:ln w="13550" cap="flat">
+              <a:solidFill>
+                <a:srgbClr val="333333">
+                  <a:alpha val="100000"/>
+                </a:srgbClr>
+              </a:solidFill>
+              <a:prstDash val="solid"/>
+              <a:round/>
+            </a:ln>
+          </p:spPr>
+          <p:txBody>
+            <a:bodyPr/>
+            <a:lstStyle/>
+            <a:p/>
+          </p:txBody>
+        </p:sp>
+        <p:sp>
+          <p:nvSpPr>
+            <p:cNvPr id="106" name="pl106"/>
+            <p:cNvSpPr/>
+            <p:nvPr/>
+          </p:nvSpPr>
+          <p:spPr>
+            <a:xfrm>
+              <a:off x="7328775" y="5274097"/>
+              <a:ext cx="0" cy="34794"/>
+            </a:xfrm>
+            <a:custGeom>
+              <a:avLst/>
+              <a:pathLst>
+                <a:path w="0" h="34794">
+                  <a:moveTo>
+                    <a:pt x="0" y="34794"/>
+                  </a:moveTo>
+                  <a:lnTo>
+                    <a:pt x="0" y="0"/>
+                  </a:lnTo>
+                </a:path>
+              </a:pathLst>
+            </a:custGeom>
+            <a:ln w="13550" cap="flat">
+              <a:solidFill>
+                <a:srgbClr val="333333">
+                  <a:alpha val="100000"/>
+                </a:srgbClr>
+              </a:solidFill>
+              <a:prstDash val="solid"/>
+              <a:round/>
+            </a:ln>
+          </p:spPr>
+          <p:txBody>
+            <a:bodyPr/>
+            <a:lstStyle/>
+            <a:p/>
+          </p:txBody>
+        </p:sp>
+        <p:sp>
+          <p:nvSpPr>
+            <p:cNvPr id="107" name="pl107"/>
+            <p:cNvSpPr/>
+            <p:nvPr/>
+          </p:nvSpPr>
+          <p:spPr>
+            <a:xfrm>
+              <a:off x="7884278" y="5274097"/>
+              <a:ext cx="0" cy="34794"/>
+            </a:xfrm>
+            <a:custGeom>
+              <a:avLst/>
+              <a:pathLst>
+                <a:path w="0" h="34794">
+                  <a:moveTo>
+                    <a:pt x="0" y="34794"/>
+                  </a:moveTo>
+                  <a:lnTo>
+                    <a:pt x="0" y="0"/>
+                  </a:lnTo>
+                </a:path>
+              </a:pathLst>
+            </a:custGeom>
+            <a:ln w="13550" cap="flat">
+              <a:solidFill>
+                <a:srgbClr val="333333">
+                  <a:alpha val="100000"/>
+                </a:srgbClr>
+              </a:solidFill>
+              <a:prstDash val="solid"/>
+              <a:round/>
+            </a:ln>
+          </p:spPr>
+          <p:txBody>
+            <a:bodyPr/>
+            <a:lstStyle/>
+            <a:p/>
+          </p:txBody>
+        </p:sp>
+        <p:sp>
+          <p:nvSpPr>
+            <p:cNvPr id="108" name="pl108"/>
+            <p:cNvSpPr/>
+            <p:nvPr/>
+          </p:nvSpPr>
+          <p:spPr>
+            <a:xfrm>
+              <a:off x="8289206" y="5274097"/>
+              <a:ext cx="0" cy="34794"/>
+            </a:xfrm>
+            <a:custGeom>
+              <a:avLst/>
+              <a:pathLst>
+                <a:path w="0" h="34794">
+                  <a:moveTo>
+                    <a:pt x="0" y="34794"/>
+                  </a:moveTo>
+                  <a:lnTo>
+                    <a:pt x="0" y="0"/>
+                  </a:lnTo>
+                </a:path>
+              </a:pathLst>
+            </a:custGeom>
+            <a:ln w="13550" cap="flat">
+              <a:solidFill>
+                <a:srgbClr val="333333">
+                  <a:alpha val="100000"/>
+                </a:srgbClr>
+              </a:solidFill>
+              <a:prstDash val="solid"/>
+              <a:round/>
+            </a:ln>
+          </p:spPr>
+          <p:txBody>
+            <a:bodyPr/>
+            <a:lstStyle/>
+            <a:p/>
+          </p:txBody>
+        </p:sp>
+        <p:sp>
+          <p:nvSpPr>
+            <p:cNvPr id="109" name="pl109"/>
+            <p:cNvSpPr/>
+            <p:nvPr/>
+          </p:nvSpPr>
+          <p:spPr>
+            <a:xfrm>
+              <a:off x="8694135" y="5274097"/>
+              <a:ext cx="0" cy="34794"/>
+            </a:xfrm>
+            <a:custGeom>
+              <a:avLst/>
+              <a:pathLst>
+                <a:path w="0" h="34794">
+                  <a:moveTo>
+                    <a:pt x="0" y="34794"/>
+                  </a:moveTo>
+                  <a:lnTo>
+                    <a:pt x="0" y="0"/>
+                  </a:lnTo>
+                </a:path>
+              </a:pathLst>
+            </a:custGeom>
+            <a:ln w="13550" cap="flat">
+              <a:solidFill>
+                <a:srgbClr val="333333">
+                  <a:alpha val="100000"/>
+                </a:srgbClr>
+              </a:solidFill>
+              <a:prstDash val="solid"/>
+              <a:round/>
+            </a:ln>
+          </p:spPr>
+          <p:txBody>
+            <a:bodyPr/>
+            <a:lstStyle/>
+            <a:p/>
+          </p:txBody>
+        </p:sp>
+        <p:sp>
+          <p:nvSpPr>
+            <p:cNvPr id="110" name="tx110"/>
+            <p:cNvSpPr/>
+            <p:nvPr/>
+          </p:nvSpPr>
+          <p:spPr>
+            <a:xfrm>
+              <a:off x="2055095" y="5074909"/>
               <a:ext cx="62155" cy="81691"/>
             </a:xfrm>
             <a:prstGeom prst="rect">
@@ -4754,14 +7272,14 @@
         </p:sp>
         <p:sp>
           <p:nvSpPr>
-            <p:cNvPr id="44" name="tx44"/>
-            <p:cNvSpPr/>
-            <p:nvPr/>
-          </p:nvSpPr>
-          <p:spPr>
-            <a:xfrm>
-              <a:off x="4137673" y="5699866"/>
-              <a:ext cx="248622" cy="81691"/>
+            <p:cNvPr id="111" name="tx111"/>
+            <p:cNvSpPr/>
+            <p:nvPr/>
+          </p:nvSpPr>
+          <p:spPr>
+            <a:xfrm>
+              <a:off x="1930784" y="4174928"/>
+              <a:ext cx="186466" cy="81691"/>
             </a:xfrm>
             <a:prstGeom prst="rect">
               <a:avLst/>
@@ -4793,21 +7311,21 @@
                   <a:latin typeface="Arial"/>
                   <a:cs typeface="Arial"/>
                 </a:rPr>
-                <a:t>1000</a:t>
+                <a:t>100</a:t>
               </a:r>
             </a:p>
           </p:txBody>
         </p:sp>
         <p:sp>
           <p:nvSpPr>
-            <p:cNvPr id="45" name="tx45"/>
-            <p:cNvSpPr/>
-            <p:nvPr/>
-          </p:nvSpPr>
-          <p:spPr>
-            <a:xfrm>
-              <a:off x="6376109" y="5699866"/>
-              <a:ext cx="248622" cy="81691"/>
+            <p:cNvPr id="112" name="tx112"/>
+            <p:cNvSpPr/>
+            <p:nvPr/>
+          </p:nvSpPr>
+          <p:spPr>
+            <a:xfrm>
+              <a:off x="1930784" y="3274948"/>
+              <a:ext cx="186466" cy="81691"/>
             </a:xfrm>
             <a:prstGeom prst="rect">
               <a:avLst/>
@@ -4839,21 +7357,21 @@
                   <a:latin typeface="Arial"/>
                   <a:cs typeface="Arial"/>
                 </a:rPr>
-                <a:t>2000</a:t>
+                <a:t>200</a:t>
               </a:r>
             </a:p>
           </p:txBody>
         </p:sp>
         <p:sp>
           <p:nvSpPr>
-            <p:cNvPr id="46" name="tx46"/>
-            <p:cNvSpPr/>
-            <p:nvPr/>
-          </p:nvSpPr>
-          <p:spPr>
-            <a:xfrm>
-              <a:off x="8614545" y="5699811"/>
-              <a:ext cx="248622" cy="81746"/>
+            <p:cNvPr id="113" name="tx113"/>
+            <p:cNvSpPr/>
+            <p:nvPr/>
+          </p:nvSpPr>
+          <p:spPr>
+            <a:xfrm>
+              <a:off x="1930784" y="2374913"/>
+              <a:ext cx="186466" cy="81746"/>
             </a:xfrm>
             <a:prstGeom prst="rect">
               <a:avLst/>
@@ -4885,7 +7403,487 @@
                   <a:latin typeface="Arial"/>
                   <a:cs typeface="Arial"/>
                 </a:rPr>
-                <a:t>3000</a:t>
+                <a:t>300</a:t>
+              </a:r>
+            </a:p>
+          </p:txBody>
+        </p:sp>
+        <p:sp>
+          <p:nvSpPr>
+            <p:cNvPr id="114" name="pl114"/>
+            <p:cNvSpPr/>
+            <p:nvPr/>
+          </p:nvSpPr>
+          <p:spPr>
+            <a:xfrm>
+              <a:off x="2145087" y="5116600"/>
+              <a:ext cx="34794" cy="0"/>
+            </a:xfrm>
+            <a:custGeom>
+              <a:avLst/>
+              <a:pathLst>
+                <a:path w="34794" h="0">
+                  <a:moveTo>
+                    <a:pt x="0" y="0"/>
+                  </a:moveTo>
+                  <a:lnTo>
+                    <a:pt x="34794" y="0"/>
+                  </a:lnTo>
+                </a:path>
+              </a:pathLst>
+            </a:custGeom>
+            <a:ln w="13550" cap="flat">
+              <a:solidFill>
+                <a:srgbClr val="333333">
+                  <a:alpha val="100000"/>
+                </a:srgbClr>
+              </a:solidFill>
+              <a:prstDash val="solid"/>
+              <a:round/>
+            </a:ln>
+          </p:spPr>
+          <p:txBody>
+            <a:bodyPr/>
+            <a:lstStyle/>
+            <a:p/>
+          </p:txBody>
+        </p:sp>
+        <p:sp>
+          <p:nvSpPr>
+            <p:cNvPr id="115" name="pl115"/>
+            <p:cNvSpPr/>
+            <p:nvPr/>
+          </p:nvSpPr>
+          <p:spPr>
+            <a:xfrm>
+              <a:off x="2145087" y="4216620"/>
+              <a:ext cx="34794" cy="0"/>
+            </a:xfrm>
+            <a:custGeom>
+              <a:avLst/>
+              <a:pathLst>
+                <a:path w="34794" h="0">
+                  <a:moveTo>
+                    <a:pt x="0" y="0"/>
+                  </a:moveTo>
+                  <a:lnTo>
+                    <a:pt x="34794" y="0"/>
+                  </a:lnTo>
+                </a:path>
+              </a:pathLst>
+            </a:custGeom>
+            <a:ln w="13550" cap="flat">
+              <a:solidFill>
+                <a:srgbClr val="333333">
+                  <a:alpha val="100000"/>
+                </a:srgbClr>
+              </a:solidFill>
+              <a:prstDash val="solid"/>
+              <a:round/>
+            </a:ln>
+          </p:spPr>
+          <p:txBody>
+            <a:bodyPr/>
+            <a:lstStyle/>
+            <a:p/>
+          </p:txBody>
+        </p:sp>
+        <p:sp>
+          <p:nvSpPr>
+            <p:cNvPr id="116" name="pl116"/>
+            <p:cNvSpPr/>
+            <p:nvPr/>
+          </p:nvSpPr>
+          <p:spPr>
+            <a:xfrm>
+              <a:off x="2145087" y="3316640"/>
+              <a:ext cx="34794" cy="0"/>
+            </a:xfrm>
+            <a:custGeom>
+              <a:avLst/>
+              <a:pathLst>
+                <a:path w="34794" h="0">
+                  <a:moveTo>
+                    <a:pt x="0" y="0"/>
+                  </a:moveTo>
+                  <a:lnTo>
+                    <a:pt x="34794" y="0"/>
+                  </a:lnTo>
+                </a:path>
+              </a:pathLst>
+            </a:custGeom>
+            <a:ln w="13550" cap="flat">
+              <a:solidFill>
+                <a:srgbClr val="333333">
+                  <a:alpha val="100000"/>
+                </a:srgbClr>
+              </a:solidFill>
+              <a:prstDash val="solid"/>
+              <a:round/>
+            </a:ln>
+          </p:spPr>
+          <p:txBody>
+            <a:bodyPr/>
+            <a:lstStyle/>
+            <a:p/>
+          </p:txBody>
+        </p:sp>
+        <p:sp>
+          <p:nvSpPr>
+            <p:cNvPr id="117" name="pl117"/>
+            <p:cNvSpPr/>
+            <p:nvPr/>
+          </p:nvSpPr>
+          <p:spPr>
+            <a:xfrm>
+              <a:off x="2145087" y="2416659"/>
+              <a:ext cx="34794" cy="0"/>
+            </a:xfrm>
+            <a:custGeom>
+              <a:avLst/>
+              <a:pathLst>
+                <a:path w="34794" h="0">
+                  <a:moveTo>
+                    <a:pt x="0" y="0"/>
+                  </a:moveTo>
+                  <a:lnTo>
+                    <a:pt x="34794" y="0"/>
+                  </a:lnTo>
+                </a:path>
+              </a:pathLst>
+            </a:custGeom>
+            <a:ln w="13550" cap="flat">
+              <a:solidFill>
+                <a:srgbClr val="333333">
+                  <a:alpha val="100000"/>
+                </a:srgbClr>
+              </a:solidFill>
+              <a:prstDash val="solid"/>
+              <a:round/>
+            </a:ln>
+          </p:spPr>
+          <p:txBody>
+            <a:bodyPr/>
+            <a:lstStyle/>
+            <a:p/>
+          </p:txBody>
+        </p:sp>
+        <p:sp>
+          <p:nvSpPr>
+            <p:cNvPr id="118" name="rc118"/>
+            <p:cNvSpPr/>
+            <p:nvPr/>
+          </p:nvSpPr>
+          <p:spPr>
+            <a:xfrm>
+              <a:off x="3902358" y="5613598"/>
+              <a:ext cx="3312256" cy="358634"/>
+            </a:xfrm>
+            <a:prstGeom prst="rect">
+              <a:avLst/>
+            </a:prstGeom>
+            <a:solidFill>
+              <a:srgbClr val="FFFFFF">
+                <a:alpha val="100000"/>
+              </a:srgbClr>
+            </a:solidFill>
+          </p:spPr>
+          <p:txBody>
+            <a:bodyPr/>
+            <a:lstStyle/>
+            <a:p/>
+          </p:txBody>
+        </p:sp>
+        <p:sp>
+          <p:nvSpPr>
+            <p:cNvPr id="119" name="rc119"/>
+            <p:cNvSpPr/>
+            <p:nvPr/>
+          </p:nvSpPr>
+          <p:spPr>
+            <a:xfrm>
+              <a:off x="4041536" y="5683187"/>
+              <a:ext cx="219456" cy="219455"/>
+            </a:xfrm>
+            <a:prstGeom prst="rect">
+              <a:avLst/>
+            </a:prstGeom>
+            <a:solidFill>
+              <a:srgbClr val="FFFFFF">
+                <a:alpha val="100000"/>
+              </a:srgbClr>
+            </a:solidFill>
+          </p:spPr>
+          <p:txBody>
+            <a:bodyPr/>
+            <a:lstStyle/>
+            <a:p/>
+          </p:txBody>
+        </p:sp>
+        <p:sp>
+          <p:nvSpPr>
+            <p:cNvPr id="120" name="rc120"/>
+            <p:cNvSpPr/>
+            <p:nvPr/>
+          </p:nvSpPr>
+          <p:spPr>
+            <a:xfrm>
+              <a:off x="4050536" y="5692187"/>
+              <a:ext cx="201456" cy="201456"/>
+            </a:xfrm>
+            <a:prstGeom prst="rect">
+              <a:avLst/>
+            </a:prstGeom>
+            <a:solidFill>
+              <a:srgbClr val="FEE0D2">
+                <a:alpha val="100000"/>
+              </a:srgbClr>
+            </a:solidFill>
+          </p:spPr>
+          <p:txBody>
+            <a:bodyPr/>
+            <a:lstStyle/>
+            <a:p/>
+          </p:txBody>
+        </p:sp>
+        <p:sp>
+          <p:nvSpPr>
+            <p:cNvPr id="121" name="rc121"/>
+            <p:cNvSpPr/>
+            <p:nvPr/>
+          </p:nvSpPr>
+          <p:spPr>
+            <a:xfrm>
+              <a:off x="4876801" y="5683187"/>
+              <a:ext cx="219455" cy="219455"/>
+            </a:xfrm>
+            <a:prstGeom prst="rect">
+              <a:avLst/>
+            </a:prstGeom>
+            <a:solidFill>
+              <a:srgbClr val="FFFFFF">
+                <a:alpha val="100000"/>
+              </a:srgbClr>
+            </a:solidFill>
+          </p:spPr>
+          <p:txBody>
+            <a:bodyPr/>
+            <a:lstStyle/>
+            <a:p/>
+          </p:txBody>
+        </p:sp>
+        <p:sp>
+          <p:nvSpPr>
+            <p:cNvPr id="122" name="rc122"/>
+            <p:cNvSpPr/>
+            <p:nvPr/>
+          </p:nvSpPr>
+          <p:spPr>
+            <a:xfrm>
+              <a:off x="4885801" y="5692187"/>
+              <a:ext cx="201456" cy="201456"/>
+            </a:xfrm>
+            <a:prstGeom prst="rect">
+              <a:avLst/>
+            </a:prstGeom>
+            <a:solidFill>
+              <a:srgbClr val="FC9272">
+                <a:alpha val="100000"/>
+              </a:srgbClr>
+            </a:solidFill>
+          </p:spPr>
+          <p:txBody>
+            <a:bodyPr/>
+            <a:lstStyle/>
+            <a:p/>
+          </p:txBody>
+        </p:sp>
+        <p:sp>
+          <p:nvSpPr>
+            <p:cNvPr id="123" name="rc123"/>
+            <p:cNvSpPr/>
+            <p:nvPr/>
+          </p:nvSpPr>
+          <p:spPr>
+            <a:xfrm>
+              <a:off x="6093371" y="5683187"/>
+              <a:ext cx="219455" cy="219455"/>
+            </a:xfrm>
+            <a:prstGeom prst="rect">
+              <a:avLst/>
+            </a:prstGeom>
+            <a:solidFill>
+              <a:srgbClr val="FFFFFF">
+                <a:alpha val="100000"/>
+              </a:srgbClr>
+            </a:solidFill>
+          </p:spPr>
+          <p:txBody>
+            <a:bodyPr/>
+            <a:lstStyle/>
+            <a:p/>
+          </p:txBody>
+        </p:sp>
+        <p:sp>
+          <p:nvSpPr>
+            <p:cNvPr id="124" name="rc124"/>
+            <p:cNvSpPr/>
+            <p:nvPr/>
+          </p:nvSpPr>
+          <p:spPr>
+            <a:xfrm>
+              <a:off x="6102371" y="5692187"/>
+              <a:ext cx="201456" cy="201456"/>
+            </a:xfrm>
+            <a:prstGeom prst="rect">
+              <a:avLst/>
+            </a:prstGeom>
+            <a:solidFill>
+              <a:srgbClr val="DE2D26">
+                <a:alpha val="100000"/>
+              </a:srgbClr>
+            </a:solidFill>
+          </p:spPr>
+          <p:txBody>
+            <a:bodyPr/>
+            <a:lstStyle/>
+            <a:p/>
+          </p:txBody>
+        </p:sp>
+        <p:sp>
+          <p:nvSpPr>
+            <p:cNvPr id="125" name="tx125"/>
+            <p:cNvSpPr/>
+            <p:nvPr/>
+          </p:nvSpPr>
+          <p:spPr>
+            <a:xfrm>
+              <a:off x="4330581" y="5763065"/>
+              <a:ext cx="419100" cy="69850"/>
+            </a:xfrm>
+            <a:prstGeom prst="rect">
+              <a:avLst/>
+            </a:prstGeom>
+            <a:noFill/>
+          </p:spPr>
+          <p:txBody>
+            <a:bodyPr lIns="0" rIns="0" tIns="0" bIns="0" anchorCtr="1" anchor="ctr" wrap="none"/>
+            <a:lstStyle/>
+            <a:p>
+              <a:pPr algn="l" marL="0" marR="0" indent="0">
+                <a:lnSpc>
+                  <a:spcPts val="880"/>
+                </a:lnSpc>
+                <a:spcBef>
+                  <a:spcPts val="0"/>
+                </a:spcBef>
+                <a:spcAft>
+                  <a:spcPts val="0"/>
+                </a:spcAft>
+              </a:pPr>
+              <a:r>
+                <a:rPr sz="880">
+                  <a:solidFill>
+                    <a:srgbClr val="000000">
+                      <a:alpha val="100000"/>
+                    </a:srgbClr>
+                  </a:solidFill>
+                  <a:latin typeface="Arial"/>
+                  <a:cs typeface="Arial"/>
+                </a:rPr>
+                <a:t>可以不标注</a:t>
+              </a:r>
+            </a:p>
+          </p:txBody>
+        </p:sp>
+        <p:sp>
+          <p:nvSpPr>
+            <p:cNvPr id="126" name="tx126"/>
+            <p:cNvSpPr/>
+            <p:nvPr/>
+          </p:nvSpPr>
+          <p:spPr>
+            <a:xfrm>
+              <a:off x="5165846" y="5763065"/>
+              <a:ext cx="754380" cy="69850"/>
+            </a:xfrm>
+            <a:prstGeom prst="rect">
+              <a:avLst/>
+            </a:prstGeom>
+            <a:noFill/>
+          </p:spPr>
+          <p:txBody>
+            <a:bodyPr lIns="0" rIns="0" tIns="0" bIns="0" anchorCtr="1" anchor="ctr" wrap="none"/>
+            <a:lstStyle/>
+            <a:p>
+              <a:pPr algn="l" marL="0" marR="0" indent="0">
+                <a:lnSpc>
+                  <a:spcPts val="880"/>
+                </a:lnSpc>
+                <a:spcBef>
+                  <a:spcPts val="0"/>
+                </a:spcBef>
+                <a:spcAft>
+                  <a:spcPts val="0"/>
+                </a:spcAft>
+              </a:pPr>
+              <a:r>
+                <a:rPr sz="880">
+                  <a:solidFill>
+                    <a:srgbClr val="000000">
+                      <a:alpha val="100000"/>
+                    </a:srgbClr>
+                  </a:solidFill>
+                  <a:latin typeface="Arial"/>
+                  <a:cs typeface="Arial"/>
+                </a:rPr>
+                <a:t>可以只标示核心菌株</a:t>
+              </a:r>
+            </a:p>
+          </p:txBody>
+        </p:sp>
+        <p:sp>
+          <p:nvSpPr>
+            <p:cNvPr id="127" name="tx127"/>
+            <p:cNvSpPr/>
+            <p:nvPr/>
+          </p:nvSpPr>
+          <p:spPr>
+            <a:xfrm>
+              <a:off x="6382416" y="5763065"/>
+              <a:ext cx="670560" cy="69850"/>
+            </a:xfrm>
+            <a:prstGeom prst="rect">
+              <a:avLst/>
+            </a:prstGeom>
+            <a:noFill/>
+          </p:spPr>
+          <p:txBody>
+            <a:bodyPr lIns="0" rIns="0" tIns="0" bIns="0" anchorCtr="1" anchor="ctr" wrap="none"/>
+            <a:lstStyle/>
+            <a:p>
+              <a:pPr algn="l" marL="0" marR="0" indent="0">
+                <a:lnSpc>
+                  <a:spcPts val="880"/>
+                </a:lnSpc>
+                <a:spcBef>
+                  <a:spcPts val="0"/>
+                </a:spcBef>
+                <a:spcAft>
+                  <a:spcPts val="0"/>
+                </a:spcAft>
+              </a:pPr>
+              <a:r>
+                <a:rPr sz="880">
+                  <a:solidFill>
+                    <a:srgbClr val="000000">
+                      <a:alpha val="100000"/>
+                    </a:srgbClr>
+                  </a:solidFill>
+                  <a:latin typeface="Arial"/>
+                  <a:cs typeface="Arial"/>
+                </a:rPr>
+                <a:t>应该标注全部菌株</a:t>
               </a:r>
             </a:p>
           </p:txBody>

--- a/_book/plot/unnamed-chunk-45-1.pptx
+++ b/_book/plot/unnamed-chunk-45-1.pptx
@@ -3193,7 +3193,7 @@
           <p:spPr>
             <a:xfrm>
               <a:off x="2179881" y="1809173"/>
-              <a:ext cx="1295770" cy="3464924"/>
+              <a:ext cx="1295770" cy="3245468"/>
             </a:xfrm>
             <a:prstGeom prst="rect">
               <a:avLst/>
@@ -3218,7 +3218,7 @@
           </p:nvSpPr>
           <p:spPr>
             <a:xfrm>
-              <a:off x="2179881" y="4666610"/>
+              <a:off x="2179881" y="4383995"/>
               <a:ext cx="1295770" cy="0"/>
             </a:xfrm>
             <a:custGeom>
@@ -3261,7 +3261,7 @@
           </p:nvSpPr>
           <p:spPr>
             <a:xfrm>
-              <a:off x="2179881" y="3766630"/>
+              <a:off x="2179881" y="3337744"/>
               <a:ext cx="1295770" cy="0"/>
             </a:xfrm>
             <a:custGeom>
@@ -3304,7 +3304,7 @@
           </p:nvSpPr>
           <p:spPr>
             <a:xfrm>
-              <a:off x="2179881" y="2866650"/>
+              <a:off x="2179881" y="2291494"/>
               <a:ext cx="1295770" cy="0"/>
             </a:xfrm>
             <a:custGeom>
@@ -3347,7 +3347,7 @@
           </p:nvSpPr>
           <p:spPr>
             <a:xfrm>
-              <a:off x="2179881" y="1966669"/>
+              <a:off x="2179881" y="4907120"/>
               <a:ext cx="1295770" cy="0"/>
             </a:xfrm>
             <a:custGeom>
@@ -3366,7 +3366,7 @@
                 </a:path>
               </a:pathLst>
             </a:custGeom>
-            <a:ln w="6775" cap="flat">
+            <a:ln w="13550" cap="flat">
               <a:solidFill>
                 <a:srgbClr val="EBEBEB">
                   <a:alpha val="100000"/>
@@ -3390,7 +3390,7 @@
           </p:nvSpPr>
           <p:spPr>
             <a:xfrm>
-              <a:off x="2179881" y="5116600"/>
+              <a:off x="2179881" y="3860869"/>
               <a:ext cx="1295770" cy="0"/>
             </a:xfrm>
             <a:custGeom>
@@ -3433,7 +3433,7 @@
           </p:nvSpPr>
           <p:spPr>
             <a:xfrm>
-              <a:off x="2179881" y="4216620"/>
+              <a:off x="2179881" y="2814619"/>
               <a:ext cx="1295770" cy="0"/>
             </a:xfrm>
             <a:custGeom>
@@ -3476,21 +3476,21 @@
           </p:nvSpPr>
           <p:spPr>
             <a:xfrm>
-              <a:off x="2179881" y="3316640"/>
-              <a:ext cx="1295770" cy="0"/>
-            </a:xfrm>
-            <a:custGeom>
-              <a:avLst/>
-              <a:pathLst>
-                <a:path w="1295770" h="0">
-                  <a:moveTo>
-                    <a:pt x="0" y="0"/>
-                  </a:moveTo>
-                  <a:lnTo>
-                    <a:pt x="1295770" y="0"/>
-                  </a:lnTo>
-                  <a:lnTo>
-                    <a:pt x="1295770" y="0"/>
+              <a:off x="2274694" y="1809173"/>
+              <a:ext cx="0" cy="3245468"/>
+            </a:xfrm>
+            <a:custGeom>
+              <a:avLst/>
+              <a:pathLst>
+                <a:path w="0" h="3245468">
+                  <a:moveTo>
+                    <a:pt x="0" y="3245468"/>
+                  </a:moveTo>
+                  <a:lnTo>
+                    <a:pt x="0" y="0"/>
+                  </a:lnTo>
+                  <a:lnTo>
+                    <a:pt x="0" y="0"/>
                   </a:lnTo>
                 </a:path>
               </a:pathLst>
@@ -3519,21 +3519,21 @@
           </p:nvSpPr>
           <p:spPr>
             <a:xfrm>
-              <a:off x="2179881" y="2416659"/>
-              <a:ext cx="1295770" cy="0"/>
-            </a:xfrm>
-            <a:custGeom>
-              <a:avLst/>
-              <a:pathLst>
-                <a:path w="1295770" h="0">
-                  <a:moveTo>
-                    <a:pt x="0" y="0"/>
-                  </a:moveTo>
-                  <a:lnTo>
-                    <a:pt x="1295770" y="0"/>
-                  </a:lnTo>
-                  <a:lnTo>
-                    <a:pt x="1295770" y="0"/>
+              <a:off x="2432715" y="1809173"/>
+              <a:ext cx="0" cy="3245468"/>
+            </a:xfrm>
+            <a:custGeom>
+              <a:avLst/>
+              <a:pathLst>
+                <a:path w="0" h="3245468">
+                  <a:moveTo>
+                    <a:pt x="0" y="3245468"/>
+                  </a:moveTo>
+                  <a:lnTo>
+                    <a:pt x="0" y="0"/>
+                  </a:lnTo>
+                  <a:lnTo>
+                    <a:pt x="0" y="0"/>
                   </a:lnTo>
                 </a:path>
               </a:pathLst>
@@ -3562,15 +3562,15 @@
           </p:nvSpPr>
           <p:spPr>
             <a:xfrm>
-              <a:off x="2422838" y="1809173"/>
-              <a:ext cx="0" cy="3464924"/>
-            </a:xfrm>
-            <a:custGeom>
-              <a:avLst/>
-              <a:pathLst>
-                <a:path w="0" h="3464924">
-                  <a:moveTo>
-                    <a:pt x="0" y="3464924"/>
+              <a:off x="2590735" y="1809173"/>
+              <a:ext cx="0" cy="3245468"/>
+            </a:xfrm>
+            <a:custGeom>
+              <a:avLst/>
+              <a:pathLst>
+                <a:path w="0" h="3245468">
+                  <a:moveTo>
+                    <a:pt x="0" y="3245468"/>
                   </a:moveTo>
                   <a:lnTo>
                     <a:pt x="0" y="0"/>
@@ -3605,15 +3605,15 @@
           </p:nvSpPr>
           <p:spPr>
             <a:xfrm>
-              <a:off x="2827767" y="1809173"/>
-              <a:ext cx="0" cy="3464924"/>
-            </a:xfrm>
-            <a:custGeom>
-              <a:avLst/>
-              <a:pathLst>
-                <a:path w="0" h="3464924">
-                  <a:moveTo>
-                    <a:pt x="0" y="3464924"/>
+              <a:off x="2748756" y="1809173"/>
+              <a:ext cx="0" cy="3245468"/>
+            </a:xfrm>
+            <a:custGeom>
+              <a:avLst/>
+              <a:pathLst>
+                <a:path w="0" h="3245468">
+                  <a:moveTo>
+                    <a:pt x="0" y="3245468"/>
                   </a:moveTo>
                   <a:lnTo>
                     <a:pt x="0" y="0"/>
@@ -3648,15 +3648,15 @@
           </p:nvSpPr>
           <p:spPr>
             <a:xfrm>
-              <a:off x="3232695" y="1809173"/>
-              <a:ext cx="0" cy="3464924"/>
-            </a:xfrm>
-            <a:custGeom>
-              <a:avLst/>
-              <a:pathLst>
-                <a:path w="0" h="3464924">
-                  <a:moveTo>
-                    <a:pt x="0" y="3464924"/>
+              <a:off x="2906777" y="1809173"/>
+              <a:ext cx="0" cy="3245468"/>
+            </a:xfrm>
+            <a:custGeom>
+              <a:avLst/>
+              <a:pathLst>
+                <a:path w="0" h="3245468">
+                  <a:moveTo>
+                    <a:pt x="0" y="3245468"/>
                   </a:moveTo>
                   <a:lnTo>
                     <a:pt x="0" y="0"/>
@@ -3685,14 +3685,169 @@
         </p:sp>
         <p:sp>
           <p:nvSpPr>
-            <p:cNvPr id="17" name="rc17"/>
-            <p:cNvSpPr/>
-            <p:nvPr/>
-          </p:nvSpPr>
-          <p:spPr>
-            <a:xfrm>
-              <a:off x="2240620" y="5035602"/>
-              <a:ext cx="364435" cy="80998"/>
+            <p:cNvPr id="17" name="pl17"/>
+            <p:cNvSpPr/>
+            <p:nvPr/>
+          </p:nvSpPr>
+          <p:spPr>
+            <a:xfrm>
+              <a:off x="3064798" y="1809173"/>
+              <a:ext cx="0" cy="3245468"/>
+            </a:xfrm>
+            <a:custGeom>
+              <a:avLst/>
+              <a:pathLst>
+                <a:path w="0" h="3245468">
+                  <a:moveTo>
+                    <a:pt x="0" y="3245468"/>
+                  </a:moveTo>
+                  <a:lnTo>
+                    <a:pt x="0" y="0"/>
+                  </a:lnTo>
+                  <a:lnTo>
+                    <a:pt x="0" y="0"/>
+                  </a:lnTo>
+                </a:path>
+              </a:pathLst>
+            </a:custGeom>
+            <a:ln w="13550" cap="flat">
+              <a:solidFill>
+                <a:srgbClr val="EBEBEB">
+                  <a:alpha val="100000"/>
+                </a:srgbClr>
+              </a:solidFill>
+              <a:prstDash val="solid"/>
+              <a:round/>
+            </a:ln>
+          </p:spPr>
+          <p:txBody>
+            <a:bodyPr/>
+            <a:lstStyle/>
+            <a:p/>
+          </p:txBody>
+        </p:sp>
+        <p:sp>
+          <p:nvSpPr>
+            <p:cNvPr id="18" name="pl18"/>
+            <p:cNvSpPr/>
+            <p:nvPr/>
+          </p:nvSpPr>
+          <p:spPr>
+            <a:xfrm>
+              <a:off x="3222819" y="1809173"/>
+              <a:ext cx="0" cy="3245468"/>
+            </a:xfrm>
+            <a:custGeom>
+              <a:avLst/>
+              <a:pathLst>
+                <a:path w="0" h="3245468">
+                  <a:moveTo>
+                    <a:pt x="0" y="3245468"/>
+                  </a:moveTo>
+                  <a:lnTo>
+                    <a:pt x="0" y="0"/>
+                  </a:lnTo>
+                  <a:lnTo>
+                    <a:pt x="0" y="0"/>
+                  </a:lnTo>
+                </a:path>
+              </a:pathLst>
+            </a:custGeom>
+            <a:ln w="13550" cap="flat">
+              <a:solidFill>
+                <a:srgbClr val="EBEBEB">
+                  <a:alpha val="100000"/>
+                </a:srgbClr>
+              </a:solidFill>
+              <a:prstDash val="solid"/>
+              <a:round/>
+            </a:ln>
+          </p:spPr>
+          <p:txBody>
+            <a:bodyPr/>
+            <a:lstStyle/>
+            <a:p/>
+          </p:txBody>
+        </p:sp>
+        <p:sp>
+          <p:nvSpPr>
+            <p:cNvPr id="19" name="pl19"/>
+            <p:cNvSpPr/>
+            <p:nvPr/>
+          </p:nvSpPr>
+          <p:spPr>
+            <a:xfrm>
+              <a:off x="3380840" y="1809173"/>
+              <a:ext cx="0" cy="3245468"/>
+            </a:xfrm>
+            <a:custGeom>
+              <a:avLst/>
+              <a:pathLst>
+                <a:path w="0" h="3245468">
+                  <a:moveTo>
+                    <a:pt x="0" y="3245468"/>
+                  </a:moveTo>
+                  <a:lnTo>
+                    <a:pt x="0" y="0"/>
+                  </a:lnTo>
+                  <a:lnTo>
+                    <a:pt x="0" y="0"/>
+                  </a:lnTo>
+                </a:path>
+              </a:pathLst>
+            </a:custGeom>
+            <a:ln w="13550" cap="flat">
+              <a:solidFill>
+                <a:srgbClr val="EBEBEB">
+                  <a:alpha val="100000"/>
+                </a:srgbClr>
+              </a:solidFill>
+              <a:prstDash val="solid"/>
+              <a:round/>
+            </a:ln>
+          </p:spPr>
+          <p:txBody>
+            <a:bodyPr/>
+            <a:lstStyle/>
+            <a:p/>
+          </p:txBody>
+        </p:sp>
+        <p:sp>
+          <p:nvSpPr>
+            <p:cNvPr id="20" name="rc20"/>
+            <p:cNvSpPr/>
+            <p:nvPr/>
+          </p:nvSpPr>
+          <p:spPr>
+            <a:xfrm>
+              <a:off x="2203584" y="1956694"/>
+              <a:ext cx="142218" cy="2950425"/>
+            </a:xfrm>
+            <a:prstGeom prst="rect">
+              <a:avLst/>
+            </a:prstGeom>
+            <a:solidFill>
+              <a:srgbClr val="FFF5F0">
+                <a:alpha val="100000"/>
+              </a:srgbClr>
+            </a:solidFill>
+          </p:spPr>
+          <p:txBody>
+            <a:bodyPr/>
+            <a:lstStyle/>
+            <a:p/>
+          </p:txBody>
+        </p:sp>
+        <p:sp>
+          <p:nvSpPr>
+            <p:cNvPr id="21" name="rc21"/>
+            <p:cNvSpPr/>
+            <p:nvPr/>
+          </p:nvSpPr>
+          <p:spPr>
+            <a:xfrm>
+              <a:off x="2361605" y="4823420"/>
+              <a:ext cx="142218" cy="83700"/>
             </a:xfrm>
             <a:prstGeom prst="rect">
               <a:avLst/>
@@ -3711,14 +3866,40 @@
         </p:sp>
         <p:sp>
           <p:nvSpPr>
-            <p:cNvPr id="18" name="rc18"/>
-            <p:cNvSpPr/>
-            <p:nvPr/>
-          </p:nvSpPr>
-          <p:spPr>
-            <a:xfrm>
-              <a:off x="2645549" y="4387616"/>
-              <a:ext cx="364435" cy="728984"/>
+            <p:cNvPr id="22" name="rc22"/>
+            <p:cNvSpPr/>
+            <p:nvPr/>
+          </p:nvSpPr>
+          <p:spPr>
+            <a:xfrm>
+              <a:off x="2519626" y="2563519"/>
+              <a:ext cx="142218" cy="2343600"/>
+            </a:xfrm>
+            <a:prstGeom prst="rect">
+              <a:avLst/>
+            </a:prstGeom>
+            <a:solidFill>
+              <a:srgbClr val="FCBBA1">
+                <a:alpha val="100000"/>
+              </a:srgbClr>
+            </a:solidFill>
+          </p:spPr>
+          <p:txBody>
+            <a:bodyPr/>
+            <a:lstStyle/>
+            <a:p/>
+          </p:txBody>
+        </p:sp>
+        <p:sp>
+          <p:nvSpPr>
+            <p:cNvPr id="23" name="rc23"/>
+            <p:cNvSpPr/>
+            <p:nvPr/>
+          </p:nvSpPr>
+          <p:spPr>
+            <a:xfrm>
+              <a:off x="2677647" y="4216594"/>
+              <a:ext cx="142218" cy="690525"/>
             </a:xfrm>
             <a:prstGeom prst="rect">
               <a:avLst/>
@@ -3737,20 +3918,20 @@
         </p:sp>
         <p:sp>
           <p:nvSpPr>
-            <p:cNvPr id="19" name="rc19"/>
-            <p:cNvSpPr/>
-            <p:nvPr/>
-          </p:nvSpPr>
-          <p:spPr>
-            <a:xfrm>
-              <a:off x="3050477" y="1966669"/>
-              <a:ext cx="364435" cy="3149931"/>
+            <p:cNvPr id="24" name="rc24"/>
+            <p:cNvSpPr/>
+            <p:nvPr/>
+          </p:nvSpPr>
+          <p:spPr>
+            <a:xfrm>
+              <a:off x="2835668" y="4739720"/>
+              <a:ext cx="142218" cy="167400"/>
             </a:xfrm>
             <a:prstGeom prst="rect">
               <a:avLst/>
             </a:prstGeom>
             <a:solidFill>
-              <a:srgbClr val="DE2D26">
+              <a:srgbClr val="FB6A4A">
                 <a:alpha val="100000"/>
               </a:srgbClr>
             </a:solidFill>
@@ -3763,14 +3944,92 @@
         </p:sp>
         <p:sp>
           <p:nvSpPr>
-            <p:cNvPr id="20" name="rc20"/>
+            <p:cNvPr id="25" name="rc25"/>
+            <p:cNvSpPr/>
+            <p:nvPr/>
+          </p:nvSpPr>
+          <p:spPr>
+            <a:xfrm>
+              <a:off x="2993689" y="3714394"/>
+              <a:ext cx="142218" cy="1192725"/>
+            </a:xfrm>
+            <a:prstGeom prst="rect">
+              <a:avLst/>
+            </a:prstGeom>
+            <a:solidFill>
+              <a:srgbClr val="EF3B2C">
+                <a:alpha val="100000"/>
+              </a:srgbClr>
+            </a:solidFill>
+          </p:spPr>
+          <p:txBody>
+            <a:bodyPr/>
+            <a:lstStyle/>
+            <a:p/>
+          </p:txBody>
+        </p:sp>
+        <p:sp>
+          <p:nvSpPr>
+            <p:cNvPr id="26" name="rc26"/>
+            <p:cNvSpPr/>
+            <p:nvPr/>
+          </p:nvSpPr>
+          <p:spPr>
+            <a:xfrm>
+              <a:off x="3151709" y="4823420"/>
+              <a:ext cx="142218" cy="83700"/>
+            </a:xfrm>
+            <a:prstGeom prst="rect">
+              <a:avLst/>
+            </a:prstGeom>
+            <a:solidFill>
+              <a:srgbClr val="CB181D">
+                <a:alpha val="100000"/>
+              </a:srgbClr>
+            </a:solidFill>
+          </p:spPr>
+          <p:txBody>
+            <a:bodyPr/>
+            <a:lstStyle/>
+            <a:p/>
+          </p:txBody>
+        </p:sp>
+        <p:sp>
+          <p:nvSpPr>
+            <p:cNvPr id="27" name="rc27"/>
+            <p:cNvSpPr/>
+            <p:nvPr/>
+          </p:nvSpPr>
+          <p:spPr>
+            <a:xfrm>
+              <a:off x="3309730" y="3212194"/>
+              <a:ext cx="142218" cy="1694925"/>
+            </a:xfrm>
+            <a:prstGeom prst="rect">
+              <a:avLst/>
+            </a:prstGeom>
+            <a:solidFill>
+              <a:srgbClr val="99000D">
+                <a:alpha val="100000"/>
+              </a:srgbClr>
+            </a:solidFill>
+          </p:spPr>
+          <p:txBody>
+            <a:bodyPr/>
+            <a:lstStyle/>
+            <a:p/>
+          </p:txBody>
+        </p:sp>
+        <p:sp>
+          <p:nvSpPr>
+            <p:cNvPr id="28" name="rc28"/>
             <p:cNvSpPr/>
             <p:nvPr/>
           </p:nvSpPr>
           <p:spPr>
             <a:xfrm>
               <a:off x="2179881" y="1809173"/>
-              <a:ext cx="1295770" cy="3464924"/>
+              <a:ext cx="1295770" cy="3245468"/>
             </a:xfrm>
             <a:prstGeom prst="rect">
               <a:avLst/>
@@ -3793,14 +4052,14 @@
         </p:sp>
         <p:sp>
           <p:nvSpPr>
-            <p:cNvPr id="21" name="rc21"/>
+            <p:cNvPr id="29" name="rc29"/>
             <p:cNvSpPr/>
             <p:nvPr/>
           </p:nvSpPr>
           <p:spPr>
             <a:xfrm>
               <a:off x="3545241" y="1809173"/>
-              <a:ext cx="1295770" cy="3464924"/>
+              <a:ext cx="1295770" cy="3245468"/>
             </a:xfrm>
             <a:prstGeom prst="rect">
               <a:avLst/>
@@ -3819,13 +4078,13 @@
         </p:sp>
         <p:sp>
           <p:nvSpPr>
-            <p:cNvPr id="22" name="pl22"/>
-            <p:cNvSpPr/>
-            <p:nvPr/>
-          </p:nvSpPr>
-          <p:spPr>
-            <a:xfrm>
-              <a:off x="3545241" y="4666610"/>
+            <p:cNvPr id="30" name="pl30"/>
+            <p:cNvSpPr/>
+            <p:nvPr/>
+          </p:nvSpPr>
+          <p:spPr>
+            <a:xfrm>
+              <a:off x="3545241" y="4383995"/>
               <a:ext cx="1295770" cy="0"/>
             </a:xfrm>
             <a:custGeom>
@@ -3862,13 +4121,13 @@
         </p:sp>
         <p:sp>
           <p:nvSpPr>
-            <p:cNvPr id="23" name="pl23"/>
-            <p:cNvSpPr/>
-            <p:nvPr/>
-          </p:nvSpPr>
-          <p:spPr>
-            <a:xfrm>
-              <a:off x="3545241" y="3766630"/>
+            <p:cNvPr id="31" name="pl31"/>
+            <p:cNvSpPr/>
+            <p:nvPr/>
+          </p:nvSpPr>
+          <p:spPr>
+            <a:xfrm>
+              <a:off x="3545241" y="3337744"/>
               <a:ext cx="1295770" cy="0"/>
             </a:xfrm>
             <a:custGeom>
@@ -3905,13 +4164,13 @@
         </p:sp>
         <p:sp>
           <p:nvSpPr>
-            <p:cNvPr id="24" name="pl24"/>
-            <p:cNvSpPr/>
-            <p:nvPr/>
-          </p:nvSpPr>
-          <p:spPr>
-            <a:xfrm>
-              <a:off x="3545241" y="2866650"/>
+            <p:cNvPr id="32" name="pl32"/>
+            <p:cNvSpPr/>
+            <p:nvPr/>
+          </p:nvSpPr>
+          <p:spPr>
+            <a:xfrm>
+              <a:off x="3545241" y="2291494"/>
               <a:ext cx="1295770" cy="0"/>
             </a:xfrm>
             <a:custGeom>
@@ -3948,13 +4207,13 @@
         </p:sp>
         <p:sp>
           <p:nvSpPr>
-            <p:cNvPr id="25" name="pl25"/>
-            <p:cNvSpPr/>
-            <p:nvPr/>
-          </p:nvSpPr>
-          <p:spPr>
-            <a:xfrm>
-              <a:off x="3545241" y="1966669"/>
+            <p:cNvPr id="33" name="pl33"/>
+            <p:cNvSpPr/>
+            <p:nvPr/>
+          </p:nvSpPr>
+          <p:spPr>
+            <a:xfrm>
+              <a:off x="3545241" y="4907120"/>
               <a:ext cx="1295770" cy="0"/>
             </a:xfrm>
             <a:custGeom>
@@ -3973,7 +4232,7 @@
                 </a:path>
               </a:pathLst>
             </a:custGeom>
-            <a:ln w="6775" cap="flat">
+            <a:ln w="13550" cap="flat">
               <a:solidFill>
                 <a:srgbClr val="EBEBEB">
                   <a:alpha val="100000"/>
@@ -3991,13 +4250,13 @@
         </p:sp>
         <p:sp>
           <p:nvSpPr>
-            <p:cNvPr id="26" name="pl26"/>
-            <p:cNvSpPr/>
-            <p:nvPr/>
-          </p:nvSpPr>
-          <p:spPr>
-            <a:xfrm>
-              <a:off x="3545241" y="5116600"/>
+            <p:cNvPr id="34" name="pl34"/>
+            <p:cNvSpPr/>
+            <p:nvPr/>
+          </p:nvSpPr>
+          <p:spPr>
+            <a:xfrm>
+              <a:off x="3545241" y="3860869"/>
               <a:ext cx="1295770" cy="0"/>
             </a:xfrm>
             <a:custGeom>
@@ -4034,13 +4293,13 @@
         </p:sp>
         <p:sp>
           <p:nvSpPr>
-            <p:cNvPr id="27" name="pl27"/>
-            <p:cNvSpPr/>
-            <p:nvPr/>
-          </p:nvSpPr>
-          <p:spPr>
-            <a:xfrm>
-              <a:off x="3545241" y="4216620"/>
+            <p:cNvPr id="35" name="pl35"/>
+            <p:cNvSpPr/>
+            <p:nvPr/>
+          </p:nvSpPr>
+          <p:spPr>
+            <a:xfrm>
+              <a:off x="3545241" y="2814619"/>
               <a:ext cx="1295770" cy="0"/>
             </a:xfrm>
             <a:custGeom>
@@ -4077,27 +4336,27 @@
         </p:sp>
         <p:sp>
           <p:nvSpPr>
-            <p:cNvPr id="28" name="pl28"/>
-            <p:cNvSpPr/>
-            <p:nvPr/>
-          </p:nvSpPr>
-          <p:spPr>
-            <a:xfrm>
-              <a:off x="3545241" y="3316640"/>
-              <a:ext cx="1295770" cy="0"/>
-            </a:xfrm>
-            <a:custGeom>
-              <a:avLst/>
-              <a:pathLst>
-                <a:path w="1295770" h="0">
-                  <a:moveTo>
-                    <a:pt x="0" y="0"/>
-                  </a:moveTo>
-                  <a:lnTo>
-                    <a:pt x="1295770" y="0"/>
-                  </a:lnTo>
-                  <a:lnTo>
-                    <a:pt x="1295770" y="0"/>
+            <p:cNvPr id="36" name="pl36"/>
+            <p:cNvSpPr/>
+            <p:nvPr/>
+          </p:nvSpPr>
+          <p:spPr>
+            <a:xfrm>
+              <a:off x="3640054" y="1809173"/>
+              <a:ext cx="0" cy="3245468"/>
+            </a:xfrm>
+            <a:custGeom>
+              <a:avLst/>
+              <a:pathLst>
+                <a:path w="0" h="3245468">
+                  <a:moveTo>
+                    <a:pt x="0" y="3245468"/>
+                  </a:moveTo>
+                  <a:lnTo>
+                    <a:pt x="0" y="0"/>
+                  </a:lnTo>
+                  <a:lnTo>
+                    <a:pt x="0" y="0"/>
                   </a:lnTo>
                 </a:path>
               </a:pathLst>
@@ -4120,27 +4379,27 @@
         </p:sp>
         <p:sp>
           <p:nvSpPr>
-            <p:cNvPr id="29" name="pl29"/>
-            <p:cNvSpPr/>
-            <p:nvPr/>
-          </p:nvSpPr>
-          <p:spPr>
-            <a:xfrm>
-              <a:off x="3545241" y="2416659"/>
-              <a:ext cx="1295770" cy="0"/>
-            </a:xfrm>
-            <a:custGeom>
-              <a:avLst/>
-              <a:pathLst>
-                <a:path w="1295770" h="0">
-                  <a:moveTo>
-                    <a:pt x="0" y="0"/>
-                  </a:moveTo>
-                  <a:lnTo>
-                    <a:pt x="1295770" y="0"/>
-                  </a:lnTo>
-                  <a:lnTo>
-                    <a:pt x="1295770" y="0"/>
+            <p:cNvPr id="37" name="pl37"/>
+            <p:cNvSpPr/>
+            <p:nvPr/>
+          </p:nvSpPr>
+          <p:spPr>
+            <a:xfrm>
+              <a:off x="3798075" y="1809173"/>
+              <a:ext cx="0" cy="3245468"/>
+            </a:xfrm>
+            <a:custGeom>
+              <a:avLst/>
+              <a:pathLst>
+                <a:path w="0" h="3245468">
+                  <a:moveTo>
+                    <a:pt x="0" y="3245468"/>
+                  </a:moveTo>
+                  <a:lnTo>
+                    <a:pt x="0" y="0"/>
+                  </a:lnTo>
+                  <a:lnTo>
+                    <a:pt x="0" y="0"/>
                   </a:lnTo>
                 </a:path>
               </a:pathLst>
@@ -4163,21 +4422,21 @@
         </p:sp>
         <p:sp>
           <p:nvSpPr>
-            <p:cNvPr id="30" name="pl30"/>
-            <p:cNvSpPr/>
-            <p:nvPr/>
-          </p:nvSpPr>
-          <p:spPr>
-            <a:xfrm>
-              <a:off x="3788198" y="1809173"/>
-              <a:ext cx="0" cy="3464924"/>
-            </a:xfrm>
-            <a:custGeom>
-              <a:avLst/>
-              <a:pathLst>
-                <a:path w="0" h="3464924">
-                  <a:moveTo>
-                    <a:pt x="0" y="3464924"/>
+            <p:cNvPr id="38" name="pl38"/>
+            <p:cNvSpPr/>
+            <p:nvPr/>
+          </p:nvSpPr>
+          <p:spPr>
+            <a:xfrm>
+              <a:off x="3956095" y="1809173"/>
+              <a:ext cx="0" cy="3245468"/>
+            </a:xfrm>
+            <a:custGeom>
+              <a:avLst/>
+              <a:pathLst>
+                <a:path w="0" h="3245468">
+                  <a:moveTo>
+                    <a:pt x="0" y="3245468"/>
                   </a:moveTo>
                   <a:lnTo>
                     <a:pt x="0" y="0"/>
@@ -4206,21 +4465,21 @@
         </p:sp>
         <p:sp>
           <p:nvSpPr>
-            <p:cNvPr id="31" name="pl31"/>
-            <p:cNvSpPr/>
-            <p:nvPr/>
-          </p:nvSpPr>
-          <p:spPr>
-            <a:xfrm>
-              <a:off x="4193127" y="1809173"/>
-              <a:ext cx="0" cy="3464924"/>
-            </a:xfrm>
-            <a:custGeom>
-              <a:avLst/>
-              <a:pathLst>
-                <a:path w="0" h="3464924">
-                  <a:moveTo>
-                    <a:pt x="0" y="3464924"/>
+            <p:cNvPr id="39" name="pl39"/>
+            <p:cNvSpPr/>
+            <p:nvPr/>
+          </p:nvSpPr>
+          <p:spPr>
+            <a:xfrm>
+              <a:off x="4114116" y="1809173"/>
+              <a:ext cx="0" cy="3245468"/>
+            </a:xfrm>
+            <a:custGeom>
+              <a:avLst/>
+              <a:pathLst>
+                <a:path w="0" h="3245468">
+                  <a:moveTo>
+                    <a:pt x="0" y="3245468"/>
                   </a:moveTo>
                   <a:lnTo>
                     <a:pt x="0" y="0"/>
@@ -4249,21 +4508,21 @@
         </p:sp>
         <p:sp>
           <p:nvSpPr>
-            <p:cNvPr id="32" name="pl32"/>
-            <p:cNvSpPr/>
-            <p:nvPr/>
-          </p:nvSpPr>
-          <p:spPr>
-            <a:xfrm>
-              <a:off x="4598055" y="1809173"/>
-              <a:ext cx="0" cy="3464924"/>
-            </a:xfrm>
-            <a:custGeom>
-              <a:avLst/>
-              <a:pathLst>
-                <a:path w="0" h="3464924">
-                  <a:moveTo>
-                    <a:pt x="0" y="3464924"/>
+            <p:cNvPr id="40" name="pl40"/>
+            <p:cNvSpPr/>
+            <p:nvPr/>
+          </p:nvSpPr>
+          <p:spPr>
+            <a:xfrm>
+              <a:off x="4272137" y="1809173"/>
+              <a:ext cx="0" cy="3245468"/>
+            </a:xfrm>
+            <a:custGeom>
+              <a:avLst/>
+              <a:pathLst>
+                <a:path w="0" h="3245468">
+                  <a:moveTo>
+                    <a:pt x="0" y="3245468"/>
                   </a:moveTo>
                   <a:lnTo>
                     <a:pt x="0" y="0"/>
@@ -4292,14 +4551,169 @@
         </p:sp>
         <p:sp>
           <p:nvSpPr>
-            <p:cNvPr id="33" name="rc33"/>
-            <p:cNvSpPr/>
-            <p:nvPr/>
-          </p:nvSpPr>
-          <p:spPr>
-            <a:xfrm>
-              <a:off x="3605980" y="5071601"/>
-              <a:ext cx="364435" cy="44999"/>
+            <p:cNvPr id="41" name="pl41"/>
+            <p:cNvSpPr/>
+            <p:nvPr/>
+          </p:nvSpPr>
+          <p:spPr>
+            <a:xfrm>
+              <a:off x="4430158" y="1809173"/>
+              <a:ext cx="0" cy="3245468"/>
+            </a:xfrm>
+            <a:custGeom>
+              <a:avLst/>
+              <a:pathLst>
+                <a:path w="0" h="3245468">
+                  <a:moveTo>
+                    <a:pt x="0" y="3245468"/>
+                  </a:moveTo>
+                  <a:lnTo>
+                    <a:pt x="0" y="0"/>
+                  </a:lnTo>
+                  <a:lnTo>
+                    <a:pt x="0" y="0"/>
+                  </a:lnTo>
+                </a:path>
+              </a:pathLst>
+            </a:custGeom>
+            <a:ln w="13550" cap="flat">
+              <a:solidFill>
+                <a:srgbClr val="EBEBEB">
+                  <a:alpha val="100000"/>
+                </a:srgbClr>
+              </a:solidFill>
+              <a:prstDash val="solid"/>
+              <a:round/>
+            </a:ln>
+          </p:spPr>
+          <p:txBody>
+            <a:bodyPr/>
+            <a:lstStyle/>
+            <a:p/>
+          </p:txBody>
+        </p:sp>
+        <p:sp>
+          <p:nvSpPr>
+            <p:cNvPr id="42" name="pl42"/>
+            <p:cNvSpPr/>
+            <p:nvPr/>
+          </p:nvSpPr>
+          <p:spPr>
+            <a:xfrm>
+              <a:off x="4588179" y="1809173"/>
+              <a:ext cx="0" cy="3245468"/>
+            </a:xfrm>
+            <a:custGeom>
+              <a:avLst/>
+              <a:pathLst>
+                <a:path w="0" h="3245468">
+                  <a:moveTo>
+                    <a:pt x="0" y="3245468"/>
+                  </a:moveTo>
+                  <a:lnTo>
+                    <a:pt x="0" y="0"/>
+                  </a:lnTo>
+                  <a:lnTo>
+                    <a:pt x="0" y="0"/>
+                  </a:lnTo>
+                </a:path>
+              </a:pathLst>
+            </a:custGeom>
+            <a:ln w="13550" cap="flat">
+              <a:solidFill>
+                <a:srgbClr val="EBEBEB">
+                  <a:alpha val="100000"/>
+                </a:srgbClr>
+              </a:solidFill>
+              <a:prstDash val="solid"/>
+              <a:round/>
+            </a:ln>
+          </p:spPr>
+          <p:txBody>
+            <a:bodyPr/>
+            <a:lstStyle/>
+            <a:p/>
+          </p:txBody>
+        </p:sp>
+        <p:sp>
+          <p:nvSpPr>
+            <p:cNvPr id="43" name="pl43"/>
+            <p:cNvSpPr/>
+            <p:nvPr/>
+          </p:nvSpPr>
+          <p:spPr>
+            <a:xfrm>
+              <a:off x="4746200" y="1809173"/>
+              <a:ext cx="0" cy="3245468"/>
+            </a:xfrm>
+            <a:custGeom>
+              <a:avLst/>
+              <a:pathLst>
+                <a:path w="0" h="3245468">
+                  <a:moveTo>
+                    <a:pt x="0" y="3245468"/>
+                  </a:moveTo>
+                  <a:lnTo>
+                    <a:pt x="0" y="0"/>
+                  </a:lnTo>
+                  <a:lnTo>
+                    <a:pt x="0" y="0"/>
+                  </a:lnTo>
+                </a:path>
+              </a:pathLst>
+            </a:custGeom>
+            <a:ln w="13550" cap="flat">
+              <a:solidFill>
+                <a:srgbClr val="EBEBEB">
+                  <a:alpha val="100000"/>
+                </a:srgbClr>
+              </a:solidFill>
+              <a:prstDash val="solid"/>
+              <a:round/>
+            </a:ln>
+          </p:spPr>
+          <p:txBody>
+            <a:bodyPr/>
+            <a:lstStyle/>
+            <a:p/>
+          </p:txBody>
+        </p:sp>
+        <p:sp>
+          <p:nvSpPr>
+            <p:cNvPr id="44" name="rc44"/>
+            <p:cNvSpPr/>
+            <p:nvPr/>
+          </p:nvSpPr>
+          <p:spPr>
+            <a:xfrm>
+              <a:off x="3568944" y="3546994"/>
+              <a:ext cx="142218" cy="1360125"/>
+            </a:xfrm>
+            <a:prstGeom prst="rect">
+              <a:avLst/>
+            </a:prstGeom>
+            <a:solidFill>
+              <a:srgbClr val="FFF5F0">
+                <a:alpha val="100000"/>
+              </a:srgbClr>
+            </a:solidFill>
+          </p:spPr>
+          <p:txBody>
+            <a:bodyPr/>
+            <a:lstStyle/>
+            <a:p/>
+          </p:txBody>
+        </p:sp>
+        <p:sp>
+          <p:nvSpPr>
+            <p:cNvPr id="45" name="rc45"/>
+            <p:cNvSpPr/>
+            <p:nvPr/>
+          </p:nvSpPr>
+          <p:spPr>
+            <a:xfrm>
+              <a:off x="3726965" y="4823420"/>
+              <a:ext cx="142218" cy="83700"/>
             </a:xfrm>
             <a:prstGeom prst="rect">
               <a:avLst/>
@@ -4318,14 +4732,40 @@
         </p:sp>
         <p:sp>
           <p:nvSpPr>
-            <p:cNvPr id="34" name="rc34"/>
-            <p:cNvSpPr/>
-            <p:nvPr/>
-          </p:nvSpPr>
-          <p:spPr>
-            <a:xfrm>
-              <a:off x="4010909" y="4747608"/>
-              <a:ext cx="364435" cy="368991"/>
+            <p:cNvPr id="46" name="rc46"/>
+            <p:cNvSpPr/>
+            <p:nvPr/>
+          </p:nvSpPr>
+          <p:spPr>
+            <a:xfrm>
+              <a:off x="3884986" y="3588844"/>
+              <a:ext cx="142218" cy="1318275"/>
+            </a:xfrm>
+            <a:prstGeom prst="rect">
+              <a:avLst/>
+            </a:prstGeom>
+            <a:solidFill>
+              <a:srgbClr val="FCBBA1">
+                <a:alpha val="100000"/>
+              </a:srgbClr>
+            </a:solidFill>
+          </p:spPr>
+          <p:txBody>
+            <a:bodyPr/>
+            <a:lstStyle/>
+            <a:p/>
+          </p:txBody>
+        </p:sp>
+        <p:sp>
+          <p:nvSpPr>
+            <p:cNvPr id="47" name="rc47"/>
+            <p:cNvSpPr/>
+            <p:nvPr/>
+          </p:nvSpPr>
+          <p:spPr>
+            <a:xfrm>
+              <a:off x="4043007" y="4467695"/>
+              <a:ext cx="142218" cy="439425"/>
             </a:xfrm>
             <a:prstGeom prst="rect">
               <a:avLst/>
@@ -4344,20 +4784,20 @@
         </p:sp>
         <p:sp>
           <p:nvSpPr>
-            <p:cNvPr id="35" name="rc35"/>
-            <p:cNvSpPr/>
-            <p:nvPr/>
-          </p:nvSpPr>
-          <p:spPr>
-            <a:xfrm>
-              <a:off x="4415837" y="3199642"/>
-              <a:ext cx="364435" cy="1916958"/>
+            <p:cNvPr id="48" name="rc48"/>
+            <p:cNvSpPr/>
+            <p:nvPr/>
+          </p:nvSpPr>
+          <p:spPr>
+            <a:xfrm>
+              <a:off x="4201028" y="4781570"/>
+              <a:ext cx="142218" cy="125550"/>
             </a:xfrm>
             <a:prstGeom prst="rect">
               <a:avLst/>
             </a:prstGeom>
             <a:solidFill>
-              <a:srgbClr val="DE2D26">
+              <a:srgbClr val="FB6A4A">
                 <a:alpha val="100000"/>
               </a:srgbClr>
             </a:solidFill>
@@ -4370,14 +4810,92 @@
         </p:sp>
         <p:sp>
           <p:nvSpPr>
-            <p:cNvPr id="36" name="rc36"/>
+            <p:cNvPr id="49" name="rc49"/>
+            <p:cNvSpPr/>
+            <p:nvPr/>
+          </p:nvSpPr>
+          <p:spPr>
+            <a:xfrm>
+              <a:off x="4359049" y="3944569"/>
+              <a:ext cx="142218" cy="962550"/>
+            </a:xfrm>
+            <a:prstGeom prst="rect">
+              <a:avLst/>
+            </a:prstGeom>
+            <a:solidFill>
+              <a:srgbClr val="EF3B2C">
+                <a:alpha val="100000"/>
+              </a:srgbClr>
+            </a:solidFill>
+          </p:spPr>
+          <p:txBody>
+            <a:bodyPr/>
+            <a:lstStyle/>
+            <a:p/>
+          </p:txBody>
+        </p:sp>
+        <p:sp>
+          <p:nvSpPr>
+            <p:cNvPr id="50" name="rc50"/>
+            <p:cNvSpPr/>
+            <p:nvPr/>
+          </p:nvSpPr>
+          <p:spPr>
+            <a:xfrm>
+              <a:off x="4517069" y="4697870"/>
+              <a:ext cx="142218" cy="209250"/>
+            </a:xfrm>
+            <a:prstGeom prst="rect">
+              <a:avLst/>
+            </a:prstGeom>
+            <a:solidFill>
+              <a:srgbClr val="CB181D">
+                <a:alpha val="100000"/>
+              </a:srgbClr>
+            </a:solidFill>
+          </p:spPr>
+          <p:txBody>
+            <a:bodyPr/>
+            <a:lstStyle/>
+            <a:p/>
+          </p:txBody>
+        </p:sp>
+        <p:sp>
+          <p:nvSpPr>
+            <p:cNvPr id="51" name="rc51"/>
+            <p:cNvSpPr/>
+            <p:nvPr/>
+          </p:nvSpPr>
+          <p:spPr>
+            <a:xfrm>
+              <a:off x="4675090" y="3986419"/>
+              <a:ext cx="142218" cy="920700"/>
+            </a:xfrm>
+            <a:prstGeom prst="rect">
+              <a:avLst/>
+            </a:prstGeom>
+            <a:solidFill>
+              <a:srgbClr val="99000D">
+                <a:alpha val="100000"/>
+              </a:srgbClr>
+            </a:solidFill>
+          </p:spPr>
+          <p:txBody>
+            <a:bodyPr/>
+            <a:lstStyle/>
+            <a:p/>
+          </p:txBody>
+        </p:sp>
+        <p:sp>
+          <p:nvSpPr>
+            <p:cNvPr id="52" name="rc52"/>
             <p:cNvSpPr/>
             <p:nvPr/>
           </p:nvSpPr>
           <p:spPr>
             <a:xfrm>
               <a:off x="3545241" y="1809173"/>
-              <a:ext cx="1295770" cy="3464924"/>
+              <a:ext cx="1295770" cy="3245468"/>
             </a:xfrm>
             <a:prstGeom prst="rect">
               <a:avLst/>
@@ -4400,14 +4918,14 @@
         </p:sp>
         <p:sp>
           <p:nvSpPr>
-            <p:cNvPr id="37" name="rc37"/>
+            <p:cNvPr id="53" name="rc53"/>
             <p:cNvSpPr/>
             <p:nvPr/>
           </p:nvSpPr>
           <p:spPr>
             <a:xfrm>
               <a:off x="4910601" y="1809173"/>
-              <a:ext cx="1295770" cy="3464924"/>
+              <a:ext cx="1295770" cy="3245468"/>
             </a:xfrm>
             <a:prstGeom prst="rect">
               <a:avLst/>
@@ -4426,13 +4944,13 @@
         </p:sp>
         <p:sp>
           <p:nvSpPr>
-            <p:cNvPr id="38" name="pl38"/>
-            <p:cNvSpPr/>
-            <p:nvPr/>
-          </p:nvSpPr>
-          <p:spPr>
-            <a:xfrm>
-              <a:off x="4910601" y="4666610"/>
+            <p:cNvPr id="54" name="pl54"/>
+            <p:cNvSpPr/>
+            <p:nvPr/>
+          </p:nvSpPr>
+          <p:spPr>
+            <a:xfrm>
+              <a:off x="4910601" y="4383995"/>
               <a:ext cx="1295770" cy="0"/>
             </a:xfrm>
             <a:custGeom>
@@ -4469,13 +4987,13 @@
         </p:sp>
         <p:sp>
           <p:nvSpPr>
-            <p:cNvPr id="39" name="pl39"/>
-            <p:cNvSpPr/>
-            <p:nvPr/>
-          </p:nvSpPr>
-          <p:spPr>
-            <a:xfrm>
-              <a:off x="4910601" y="3766630"/>
+            <p:cNvPr id="55" name="pl55"/>
+            <p:cNvSpPr/>
+            <p:nvPr/>
+          </p:nvSpPr>
+          <p:spPr>
+            <a:xfrm>
+              <a:off x="4910601" y="3337744"/>
               <a:ext cx="1295770" cy="0"/>
             </a:xfrm>
             <a:custGeom>
@@ -4512,13 +5030,13 @@
         </p:sp>
         <p:sp>
           <p:nvSpPr>
-            <p:cNvPr id="40" name="pl40"/>
-            <p:cNvSpPr/>
-            <p:nvPr/>
-          </p:nvSpPr>
-          <p:spPr>
-            <a:xfrm>
-              <a:off x="4910601" y="2866650"/>
+            <p:cNvPr id="56" name="pl56"/>
+            <p:cNvSpPr/>
+            <p:nvPr/>
+          </p:nvSpPr>
+          <p:spPr>
+            <a:xfrm>
+              <a:off x="4910601" y="2291494"/>
               <a:ext cx="1295770" cy="0"/>
             </a:xfrm>
             <a:custGeom>
@@ -4555,13 +5073,13 @@
         </p:sp>
         <p:sp>
           <p:nvSpPr>
-            <p:cNvPr id="41" name="pl41"/>
-            <p:cNvSpPr/>
-            <p:nvPr/>
-          </p:nvSpPr>
-          <p:spPr>
-            <a:xfrm>
-              <a:off x="4910601" y="1966669"/>
+            <p:cNvPr id="57" name="pl57"/>
+            <p:cNvSpPr/>
+            <p:nvPr/>
+          </p:nvSpPr>
+          <p:spPr>
+            <a:xfrm>
+              <a:off x="4910601" y="4907120"/>
               <a:ext cx="1295770" cy="0"/>
             </a:xfrm>
             <a:custGeom>
@@ -4580,7 +5098,7 @@
                 </a:path>
               </a:pathLst>
             </a:custGeom>
-            <a:ln w="6775" cap="flat">
+            <a:ln w="13550" cap="flat">
               <a:solidFill>
                 <a:srgbClr val="EBEBEB">
                   <a:alpha val="100000"/>
@@ -4598,13 +5116,13 @@
         </p:sp>
         <p:sp>
           <p:nvSpPr>
-            <p:cNvPr id="42" name="pl42"/>
-            <p:cNvSpPr/>
-            <p:nvPr/>
-          </p:nvSpPr>
-          <p:spPr>
-            <a:xfrm>
-              <a:off x="4910601" y="5116600"/>
+            <p:cNvPr id="58" name="pl58"/>
+            <p:cNvSpPr/>
+            <p:nvPr/>
+          </p:nvSpPr>
+          <p:spPr>
+            <a:xfrm>
+              <a:off x="4910601" y="3860869"/>
               <a:ext cx="1295770" cy="0"/>
             </a:xfrm>
             <a:custGeom>
@@ -4641,13 +5159,13 @@
         </p:sp>
         <p:sp>
           <p:nvSpPr>
-            <p:cNvPr id="43" name="pl43"/>
-            <p:cNvSpPr/>
-            <p:nvPr/>
-          </p:nvSpPr>
-          <p:spPr>
-            <a:xfrm>
-              <a:off x="4910601" y="4216620"/>
+            <p:cNvPr id="59" name="pl59"/>
+            <p:cNvSpPr/>
+            <p:nvPr/>
+          </p:nvSpPr>
+          <p:spPr>
+            <a:xfrm>
+              <a:off x="4910601" y="2814619"/>
               <a:ext cx="1295770" cy="0"/>
             </a:xfrm>
             <a:custGeom>
@@ -4684,27 +5202,27 @@
         </p:sp>
         <p:sp>
           <p:nvSpPr>
-            <p:cNvPr id="44" name="pl44"/>
-            <p:cNvSpPr/>
-            <p:nvPr/>
-          </p:nvSpPr>
-          <p:spPr>
-            <a:xfrm>
-              <a:off x="4910601" y="3316640"/>
-              <a:ext cx="1295770" cy="0"/>
-            </a:xfrm>
-            <a:custGeom>
-              <a:avLst/>
-              <a:pathLst>
-                <a:path w="1295770" h="0">
-                  <a:moveTo>
-                    <a:pt x="0" y="0"/>
-                  </a:moveTo>
-                  <a:lnTo>
-                    <a:pt x="1295770" y="0"/>
-                  </a:lnTo>
-                  <a:lnTo>
-                    <a:pt x="1295770" y="0"/>
+            <p:cNvPr id="60" name="pl60"/>
+            <p:cNvSpPr/>
+            <p:nvPr/>
+          </p:nvSpPr>
+          <p:spPr>
+            <a:xfrm>
+              <a:off x="5005414" y="1809173"/>
+              <a:ext cx="0" cy="3245468"/>
+            </a:xfrm>
+            <a:custGeom>
+              <a:avLst/>
+              <a:pathLst>
+                <a:path w="0" h="3245468">
+                  <a:moveTo>
+                    <a:pt x="0" y="3245468"/>
+                  </a:moveTo>
+                  <a:lnTo>
+                    <a:pt x="0" y="0"/>
+                  </a:lnTo>
+                  <a:lnTo>
+                    <a:pt x="0" y="0"/>
                   </a:lnTo>
                 </a:path>
               </a:pathLst>
@@ -4727,27 +5245,27 @@
         </p:sp>
         <p:sp>
           <p:nvSpPr>
-            <p:cNvPr id="45" name="pl45"/>
-            <p:cNvSpPr/>
-            <p:nvPr/>
-          </p:nvSpPr>
-          <p:spPr>
-            <a:xfrm>
-              <a:off x="4910601" y="2416659"/>
-              <a:ext cx="1295770" cy="0"/>
-            </a:xfrm>
-            <a:custGeom>
-              <a:avLst/>
-              <a:pathLst>
-                <a:path w="1295770" h="0">
-                  <a:moveTo>
-                    <a:pt x="0" y="0"/>
-                  </a:moveTo>
-                  <a:lnTo>
-                    <a:pt x="1295770" y="0"/>
-                  </a:lnTo>
-                  <a:lnTo>
-                    <a:pt x="1295770" y="0"/>
+            <p:cNvPr id="61" name="pl61"/>
+            <p:cNvSpPr/>
+            <p:nvPr/>
+          </p:nvSpPr>
+          <p:spPr>
+            <a:xfrm>
+              <a:off x="5163434" y="1809173"/>
+              <a:ext cx="0" cy="3245468"/>
+            </a:xfrm>
+            <a:custGeom>
+              <a:avLst/>
+              <a:pathLst>
+                <a:path w="0" h="3245468">
+                  <a:moveTo>
+                    <a:pt x="0" y="3245468"/>
+                  </a:moveTo>
+                  <a:lnTo>
+                    <a:pt x="0" y="0"/>
+                  </a:lnTo>
+                  <a:lnTo>
+                    <a:pt x="0" y="0"/>
                   </a:lnTo>
                 </a:path>
               </a:pathLst>
@@ -4770,21 +5288,21 @@
         </p:sp>
         <p:sp>
           <p:nvSpPr>
-            <p:cNvPr id="46" name="pl46"/>
-            <p:cNvSpPr/>
-            <p:nvPr/>
-          </p:nvSpPr>
-          <p:spPr>
-            <a:xfrm>
-              <a:off x="5153558" y="1809173"/>
-              <a:ext cx="0" cy="3464924"/>
-            </a:xfrm>
-            <a:custGeom>
-              <a:avLst/>
-              <a:pathLst>
-                <a:path w="0" h="3464924">
-                  <a:moveTo>
-                    <a:pt x="0" y="3464924"/>
+            <p:cNvPr id="62" name="pl62"/>
+            <p:cNvSpPr/>
+            <p:nvPr/>
+          </p:nvSpPr>
+          <p:spPr>
+            <a:xfrm>
+              <a:off x="5321455" y="1809173"/>
+              <a:ext cx="0" cy="3245468"/>
+            </a:xfrm>
+            <a:custGeom>
+              <a:avLst/>
+              <a:pathLst>
+                <a:path w="0" h="3245468">
+                  <a:moveTo>
+                    <a:pt x="0" y="3245468"/>
                   </a:moveTo>
                   <a:lnTo>
                     <a:pt x="0" y="0"/>
@@ -4813,21 +5331,21 @@
         </p:sp>
         <p:sp>
           <p:nvSpPr>
-            <p:cNvPr id="47" name="pl47"/>
-            <p:cNvSpPr/>
-            <p:nvPr/>
-          </p:nvSpPr>
-          <p:spPr>
-            <a:xfrm>
-              <a:off x="5558487" y="1809173"/>
-              <a:ext cx="0" cy="3464924"/>
-            </a:xfrm>
-            <a:custGeom>
-              <a:avLst/>
-              <a:pathLst>
-                <a:path w="0" h="3464924">
-                  <a:moveTo>
-                    <a:pt x="0" y="3464924"/>
+            <p:cNvPr id="63" name="pl63"/>
+            <p:cNvSpPr/>
+            <p:nvPr/>
+          </p:nvSpPr>
+          <p:spPr>
+            <a:xfrm>
+              <a:off x="5479476" y="1809173"/>
+              <a:ext cx="0" cy="3245468"/>
+            </a:xfrm>
+            <a:custGeom>
+              <a:avLst/>
+              <a:pathLst>
+                <a:path w="0" h="3245468">
+                  <a:moveTo>
+                    <a:pt x="0" y="3245468"/>
                   </a:moveTo>
                   <a:lnTo>
                     <a:pt x="0" y="0"/>
@@ -4856,21 +5374,21 @@
         </p:sp>
         <p:sp>
           <p:nvSpPr>
-            <p:cNvPr id="48" name="pl48"/>
-            <p:cNvSpPr/>
-            <p:nvPr/>
-          </p:nvSpPr>
-          <p:spPr>
-            <a:xfrm>
-              <a:off x="5963415" y="1809173"/>
-              <a:ext cx="0" cy="3464924"/>
-            </a:xfrm>
-            <a:custGeom>
-              <a:avLst/>
-              <a:pathLst>
-                <a:path w="0" h="3464924">
-                  <a:moveTo>
-                    <a:pt x="0" y="3464924"/>
+            <p:cNvPr id="64" name="pl64"/>
+            <p:cNvSpPr/>
+            <p:nvPr/>
+          </p:nvSpPr>
+          <p:spPr>
+            <a:xfrm>
+              <a:off x="5637497" y="1809173"/>
+              <a:ext cx="0" cy="3245468"/>
+            </a:xfrm>
+            <a:custGeom>
+              <a:avLst/>
+              <a:pathLst>
+                <a:path w="0" h="3245468">
+                  <a:moveTo>
+                    <a:pt x="0" y="3245468"/>
                   </a:moveTo>
                   <a:lnTo>
                     <a:pt x="0" y="0"/>
@@ -4899,14 +5417,169 @@
         </p:sp>
         <p:sp>
           <p:nvSpPr>
-            <p:cNvPr id="49" name="rc49"/>
-            <p:cNvSpPr/>
-            <p:nvPr/>
-          </p:nvSpPr>
-          <p:spPr>
-            <a:xfrm>
-              <a:off x="4971340" y="5107601"/>
-              <a:ext cx="364435" cy="8999"/>
+            <p:cNvPr id="65" name="pl65"/>
+            <p:cNvSpPr/>
+            <p:nvPr/>
+          </p:nvSpPr>
+          <p:spPr>
+            <a:xfrm>
+              <a:off x="5795518" y="1809173"/>
+              <a:ext cx="0" cy="3245468"/>
+            </a:xfrm>
+            <a:custGeom>
+              <a:avLst/>
+              <a:pathLst>
+                <a:path w="0" h="3245468">
+                  <a:moveTo>
+                    <a:pt x="0" y="3245468"/>
+                  </a:moveTo>
+                  <a:lnTo>
+                    <a:pt x="0" y="0"/>
+                  </a:lnTo>
+                  <a:lnTo>
+                    <a:pt x="0" y="0"/>
+                  </a:lnTo>
+                </a:path>
+              </a:pathLst>
+            </a:custGeom>
+            <a:ln w="13550" cap="flat">
+              <a:solidFill>
+                <a:srgbClr val="EBEBEB">
+                  <a:alpha val="100000"/>
+                </a:srgbClr>
+              </a:solidFill>
+              <a:prstDash val="solid"/>
+              <a:round/>
+            </a:ln>
+          </p:spPr>
+          <p:txBody>
+            <a:bodyPr/>
+            <a:lstStyle/>
+            <a:p/>
+          </p:txBody>
+        </p:sp>
+        <p:sp>
+          <p:nvSpPr>
+            <p:cNvPr id="66" name="pl66"/>
+            <p:cNvSpPr/>
+            <p:nvPr/>
+          </p:nvSpPr>
+          <p:spPr>
+            <a:xfrm>
+              <a:off x="5953539" y="1809173"/>
+              <a:ext cx="0" cy="3245468"/>
+            </a:xfrm>
+            <a:custGeom>
+              <a:avLst/>
+              <a:pathLst>
+                <a:path w="0" h="3245468">
+                  <a:moveTo>
+                    <a:pt x="0" y="3245468"/>
+                  </a:moveTo>
+                  <a:lnTo>
+                    <a:pt x="0" y="0"/>
+                  </a:lnTo>
+                  <a:lnTo>
+                    <a:pt x="0" y="0"/>
+                  </a:lnTo>
+                </a:path>
+              </a:pathLst>
+            </a:custGeom>
+            <a:ln w="13550" cap="flat">
+              <a:solidFill>
+                <a:srgbClr val="EBEBEB">
+                  <a:alpha val="100000"/>
+                </a:srgbClr>
+              </a:solidFill>
+              <a:prstDash val="solid"/>
+              <a:round/>
+            </a:ln>
+          </p:spPr>
+          <p:txBody>
+            <a:bodyPr/>
+            <a:lstStyle/>
+            <a:p/>
+          </p:txBody>
+        </p:sp>
+        <p:sp>
+          <p:nvSpPr>
+            <p:cNvPr id="67" name="pl67"/>
+            <p:cNvSpPr/>
+            <p:nvPr/>
+          </p:nvSpPr>
+          <p:spPr>
+            <a:xfrm>
+              <a:off x="6111560" y="1809173"/>
+              <a:ext cx="0" cy="3245468"/>
+            </a:xfrm>
+            <a:custGeom>
+              <a:avLst/>
+              <a:pathLst>
+                <a:path w="0" h="3245468">
+                  <a:moveTo>
+                    <a:pt x="0" y="3245468"/>
+                  </a:moveTo>
+                  <a:lnTo>
+                    <a:pt x="0" y="0"/>
+                  </a:lnTo>
+                  <a:lnTo>
+                    <a:pt x="0" y="0"/>
+                  </a:lnTo>
+                </a:path>
+              </a:pathLst>
+            </a:custGeom>
+            <a:ln w="13550" cap="flat">
+              <a:solidFill>
+                <a:srgbClr val="EBEBEB">
+                  <a:alpha val="100000"/>
+                </a:srgbClr>
+              </a:solidFill>
+              <a:prstDash val="solid"/>
+              <a:round/>
+            </a:ln>
+          </p:spPr>
+          <p:txBody>
+            <a:bodyPr/>
+            <a:lstStyle/>
+            <a:p/>
+          </p:txBody>
+        </p:sp>
+        <p:sp>
+          <p:nvSpPr>
+            <p:cNvPr id="68" name="rc68"/>
+            <p:cNvSpPr/>
+            <p:nvPr/>
+          </p:nvSpPr>
+          <p:spPr>
+            <a:xfrm>
+              <a:off x="4934304" y="4530470"/>
+              <a:ext cx="142218" cy="376650"/>
+            </a:xfrm>
+            <a:prstGeom prst="rect">
+              <a:avLst/>
+            </a:prstGeom>
+            <a:solidFill>
+              <a:srgbClr val="FFF5F0">
+                <a:alpha val="100000"/>
+              </a:srgbClr>
+            </a:solidFill>
+          </p:spPr>
+          <p:txBody>
+            <a:bodyPr/>
+            <a:lstStyle/>
+            <a:p/>
+          </p:txBody>
+        </p:sp>
+        <p:sp>
+          <p:nvSpPr>
+            <p:cNvPr id="69" name="rc69"/>
+            <p:cNvSpPr/>
+            <p:nvPr/>
+          </p:nvSpPr>
+          <p:spPr>
+            <a:xfrm>
+              <a:off x="5092325" y="4865270"/>
+              <a:ext cx="142218" cy="41850"/>
             </a:xfrm>
             <a:prstGeom prst="rect">
               <a:avLst/>
@@ -4925,14 +5598,40 @@
         </p:sp>
         <p:sp>
           <p:nvSpPr>
-            <p:cNvPr id="50" name="rc50"/>
-            <p:cNvSpPr/>
-            <p:nvPr/>
-          </p:nvSpPr>
-          <p:spPr>
-            <a:xfrm>
-              <a:off x="5376269" y="4936604"/>
-              <a:ext cx="364435" cy="179996"/>
+            <p:cNvPr id="70" name="rc70"/>
+            <p:cNvSpPr/>
+            <p:nvPr/>
+          </p:nvSpPr>
+          <p:spPr>
+            <a:xfrm>
+              <a:off x="5250346" y="4551395"/>
+              <a:ext cx="142218" cy="355725"/>
+            </a:xfrm>
+            <a:prstGeom prst="rect">
+              <a:avLst/>
+            </a:prstGeom>
+            <a:solidFill>
+              <a:srgbClr val="FCBBA1">
+                <a:alpha val="100000"/>
+              </a:srgbClr>
+            </a:solidFill>
+          </p:spPr>
+          <p:txBody>
+            <a:bodyPr/>
+            <a:lstStyle/>
+            <a:p/>
+          </p:txBody>
+        </p:sp>
+        <p:sp>
+          <p:nvSpPr>
+            <p:cNvPr id="71" name="rc71"/>
+            <p:cNvSpPr/>
+            <p:nvPr/>
+          </p:nvSpPr>
+          <p:spPr>
+            <a:xfrm>
+              <a:off x="5408367" y="4718795"/>
+              <a:ext cx="142218" cy="188325"/>
             </a:xfrm>
             <a:prstGeom prst="rect">
               <a:avLst/>
@@ -4951,20 +5650,20 @@
         </p:sp>
         <p:sp>
           <p:nvSpPr>
-            <p:cNvPr id="51" name="rc51"/>
-            <p:cNvSpPr/>
-            <p:nvPr/>
-          </p:nvSpPr>
-          <p:spPr>
-            <a:xfrm>
-              <a:off x="5781197" y="4531613"/>
-              <a:ext cx="364435" cy="584987"/>
+            <p:cNvPr id="72" name="rc72"/>
+            <p:cNvSpPr/>
+            <p:nvPr/>
+          </p:nvSpPr>
+          <p:spPr>
+            <a:xfrm>
+              <a:off x="5566388" y="4781570"/>
+              <a:ext cx="142218" cy="125550"/>
             </a:xfrm>
             <a:prstGeom prst="rect">
               <a:avLst/>
             </a:prstGeom>
             <a:solidFill>
-              <a:srgbClr val="DE2D26">
+              <a:srgbClr val="FB6A4A">
                 <a:alpha val="100000"/>
               </a:srgbClr>
             </a:solidFill>
@@ -4977,14 +5676,92 @@
         </p:sp>
         <p:sp>
           <p:nvSpPr>
-            <p:cNvPr id="52" name="rc52"/>
+            <p:cNvPr id="73" name="rc73"/>
+            <p:cNvSpPr/>
+            <p:nvPr/>
+          </p:nvSpPr>
+          <p:spPr>
+            <a:xfrm>
+              <a:off x="5724408" y="4342145"/>
+              <a:ext cx="142218" cy="564975"/>
+            </a:xfrm>
+            <a:prstGeom prst="rect">
+              <a:avLst/>
+            </a:prstGeom>
+            <a:solidFill>
+              <a:srgbClr val="EF3B2C">
+                <a:alpha val="100000"/>
+              </a:srgbClr>
+            </a:solidFill>
+          </p:spPr>
+          <p:txBody>
+            <a:bodyPr/>
+            <a:lstStyle/>
+            <a:p/>
+          </p:txBody>
+        </p:sp>
+        <p:sp>
+          <p:nvSpPr>
+            <p:cNvPr id="74" name="rc74"/>
+            <p:cNvSpPr/>
+            <p:nvPr/>
+          </p:nvSpPr>
+          <p:spPr>
+            <a:xfrm>
+              <a:off x="5882429" y="4865270"/>
+              <a:ext cx="142218" cy="41850"/>
+            </a:xfrm>
+            <a:prstGeom prst="rect">
+              <a:avLst/>
+            </a:prstGeom>
+            <a:solidFill>
+              <a:srgbClr val="CB181D">
+                <a:alpha val="100000"/>
+              </a:srgbClr>
+            </a:solidFill>
+          </p:spPr>
+          <p:txBody>
+            <a:bodyPr/>
+            <a:lstStyle/>
+            <a:p/>
+          </p:txBody>
+        </p:sp>
+        <p:sp>
+          <p:nvSpPr>
+            <p:cNvPr id="75" name="rc75"/>
+            <p:cNvSpPr/>
+            <p:nvPr/>
+          </p:nvSpPr>
+          <p:spPr>
+            <a:xfrm>
+              <a:off x="6040450" y="4802495"/>
+              <a:ext cx="142218" cy="104625"/>
+            </a:xfrm>
+            <a:prstGeom prst="rect">
+              <a:avLst/>
+            </a:prstGeom>
+            <a:solidFill>
+              <a:srgbClr val="99000D">
+                <a:alpha val="100000"/>
+              </a:srgbClr>
+            </a:solidFill>
+          </p:spPr>
+          <p:txBody>
+            <a:bodyPr/>
+            <a:lstStyle/>
+            <a:p/>
+          </p:txBody>
+        </p:sp>
+        <p:sp>
+          <p:nvSpPr>
+            <p:cNvPr id="76" name="rc76"/>
             <p:cNvSpPr/>
             <p:nvPr/>
           </p:nvSpPr>
           <p:spPr>
             <a:xfrm>
               <a:off x="4910601" y="1809173"/>
-              <a:ext cx="1295770" cy="3464924"/>
+              <a:ext cx="1295770" cy="3245468"/>
             </a:xfrm>
             <a:prstGeom prst="rect">
               <a:avLst/>
@@ -5007,14 +5784,14 @@
         </p:sp>
         <p:sp>
           <p:nvSpPr>
-            <p:cNvPr id="53" name="rc53"/>
+            <p:cNvPr id="77" name="rc77"/>
             <p:cNvSpPr/>
             <p:nvPr/>
           </p:nvSpPr>
           <p:spPr>
             <a:xfrm>
               <a:off x="6275961" y="1809173"/>
-              <a:ext cx="1295770" cy="3464924"/>
+              <a:ext cx="1295770" cy="3245468"/>
             </a:xfrm>
             <a:prstGeom prst="rect">
               <a:avLst/>
@@ -5033,13 +5810,13 @@
         </p:sp>
         <p:sp>
           <p:nvSpPr>
-            <p:cNvPr id="54" name="pl54"/>
-            <p:cNvSpPr/>
-            <p:nvPr/>
-          </p:nvSpPr>
-          <p:spPr>
-            <a:xfrm>
-              <a:off x="6275961" y="4666610"/>
+            <p:cNvPr id="78" name="pl78"/>
+            <p:cNvSpPr/>
+            <p:nvPr/>
+          </p:nvSpPr>
+          <p:spPr>
+            <a:xfrm>
+              <a:off x="6275961" y="4383995"/>
               <a:ext cx="1295770" cy="0"/>
             </a:xfrm>
             <a:custGeom>
@@ -5076,13 +5853,13 @@
         </p:sp>
         <p:sp>
           <p:nvSpPr>
-            <p:cNvPr id="55" name="pl55"/>
-            <p:cNvSpPr/>
-            <p:nvPr/>
-          </p:nvSpPr>
-          <p:spPr>
-            <a:xfrm>
-              <a:off x="6275961" y="3766630"/>
+            <p:cNvPr id="79" name="pl79"/>
+            <p:cNvSpPr/>
+            <p:nvPr/>
+          </p:nvSpPr>
+          <p:spPr>
+            <a:xfrm>
+              <a:off x="6275961" y="3337744"/>
               <a:ext cx="1295770" cy="0"/>
             </a:xfrm>
             <a:custGeom>
@@ -5119,13 +5896,13 @@
         </p:sp>
         <p:sp>
           <p:nvSpPr>
-            <p:cNvPr id="56" name="pl56"/>
-            <p:cNvSpPr/>
-            <p:nvPr/>
-          </p:nvSpPr>
-          <p:spPr>
-            <a:xfrm>
-              <a:off x="6275961" y="2866650"/>
+            <p:cNvPr id="80" name="pl80"/>
+            <p:cNvSpPr/>
+            <p:nvPr/>
+          </p:nvSpPr>
+          <p:spPr>
+            <a:xfrm>
+              <a:off x="6275961" y="2291494"/>
               <a:ext cx="1295770" cy="0"/>
             </a:xfrm>
             <a:custGeom>
@@ -5162,13 +5939,13 @@
         </p:sp>
         <p:sp>
           <p:nvSpPr>
-            <p:cNvPr id="57" name="pl57"/>
-            <p:cNvSpPr/>
-            <p:nvPr/>
-          </p:nvSpPr>
-          <p:spPr>
-            <a:xfrm>
-              <a:off x="6275961" y="1966669"/>
+            <p:cNvPr id="81" name="pl81"/>
+            <p:cNvSpPr/>
+            <p:nvPr/>
+          </p:nvSpPr>
+          <p:spPr>
+            <a:xfrm>
+              <a:off x="6275961" y="4907120"/>
               <a:ext cx="1295770" cy="0"/>
             </a:xfrm>
             <a:custGeom>
@@ -5187,7 +5964,7 @@
                 </a:path>
               </a:pathLst>
             </a:custGeom>
-            <a:ln w="6775" cap="flat">
+            <a:ln w="13550" cap="flat">
               <a:solidFill>
                 <a:srgbClr val="EBEBEB">
                   <a:alpha val="100000"/>
@@ -5205,13 +5982,13 @@
         </p:sp>
         <p:sp>
           <p:nvSpPr>
-            <p:cNvPr id="58" name="pl58"/>
-            <p:cNvSpPr/>
-            <p:nvPr/>
-          </p:nvSpPr>
-          <p:spPr>
-            <a:xfrm>
-              <a:off x="6275961" y="5116600"/>
+            <p:cNvPr id="82" name="pl82"/>
+            <p:cNvSpPr/>
+            <p:nvPr/>
+          </p:nvSpPr>
+          <p:spPr>
+            <a:xfrm>
+              <a:off x="6275961" y="3860869"/>
               <a:ext cx="1295770" cy="0"/>
             </a:xfrm>
             <a:custGeom>
@@ -5248,13 +6025,13 @@
         </p:sp>
         <p:sp>
           <p:nvSpPr>
-            <p:cNvPr id="59" name="pl59"/>
-            <p:cNvSpPr/>
-            <p:nvPr/>
-          </p:nvSpPr>
-          <p:spPr>
-            <a:xfrm>
-              <a:off x="6275961" y="4216620"/>
+            <p:cNvPr id="83" name="pl83"/>
+            <p:cNvSpPr/>
+            <p:nvPr/>
+          </p:nvSpPr>
+          <p:spPr>
+            <a:xfrm>
+              <a:off x="6275961" y="2814619"/>
               <a:ext cx="1295770" cy="0"/>
             </a:xfrm>
             <a:custGeom>
@@ -5291,27 +6068,27 @@
         </p:sp>
         <p:sp>
           <p:nvSpPr>
-            <p:cNvPr id="60" name="pl60"/>
-            <p:cNvSpPr/>
-            <p:nvPr/>
-          </p:nvSpPr>
-          <p:spPr>
-            <a:xfrm>
-              <a:off x="6275961" y="3316640"/>
-              <a:ext cx="1295770" cy="0"/>
-            </a:xfrm>
-            <a:custGeom>
-              <a:avLst/>
-              <a:pathLst>
-                <a:path w="1295770" h="0">
-                  <a:moveTo>
-                    <a:pt x="0" y="0"/>
-                  </a:moveTo>
-                  <a:lnTo>
-                    <a:pt x="1295770" y="0"/>
-                  </a:lnTo>
-                  <a:lnTo>
-                    <a:pt x="1295770" y="0"/>
+            <p:cNvPr id="84" name="pl84"/>
+            <p:cNvSpPr/>
+            <p:nvPr/>
+          </p:nvSpPr>
+          <p:spPr>
+            <a:xfrm>
+              <a:off x="6370774" y="1809173"/>
+              <a:ext cx="0" cy="3245468"/>
+            </a:xfrm>
+            <a:custGeom>
+              <a:avLst/>
+              <a:pathLst>
+                <a:path w="0" h="3245468">
+                  <a:moveTo>
+                    <a:pt x="0" y="3245468"/>
+                  </a:moveTo>
+                  <a:lnTo>
+                    <a:pt x="0" y="0"/>
+                  </a:lnTo>
+                  <a:lnTo>
+                    <a:pt x="0" y="0"/>
                   </a:lnTo>
                 </a:path>
               </a:pathLst>
@@ -5334,27 +6111,27 @@
         </p:sp>
         <p:sp>
           <p:nvSpPr>
-            <p:cNvPr id="61" name="pl61"/>
-            <p:cNvSpPr/>
-            <p:nvPr/>
-          </p:nvSpPr>
-          <p:spPr>
-            <a:xfrm>
-              <a:off x="6275961" y="2416659"/>
-              <a:ext cx="1295770" cy="0"/>
-            </a:xfrm>
-            <a:custGeom>
-              <a:avLst/>
-              <a:pathLst>
-                <a:path w="1295770" h="0">
-                  <a:moveTo>
-                    <a:pt x="0" y="0"/>
-                  </a:moveTo>
-                  <a:lnTo>
-                    <a:pt x="1295770" y="0"/>
-                  </a:lnTo>
-                  <a:lnTo>
-                    <a:pt x="1295770" y="0"/>
+            <p:cNvPr id="85" name="pl85"/>
+            <p:cNvSpPr/>
+            <p:nvPr/>
+          </p:nvSpPr>
+          <p:spPr>
+            <a:xfrm>
+              <a:off x="6528794" y="1809173"/>
+              <a:ext cx="0" cy="3245468"/>
+            </a:xfrm>
+            <a:custGeom>
+              <a:avLst/>
+              <a:pathLst>
+                <a:path w="0" h="3245468">
+                  <a:moveTo>
+                    <a:pt x="0" y="3245468"/>
+                  </a:moveTo>
+                  <a:lnTo>
+                    <a:pt x="0" y="0"/>
+                  </a:lnTo>
+                  <a:lnTo>
+                    <a:pt x="0" y="0"/>
                   </a:lnTo>
                 </a:path>
               </a:pathLst>
@@ -5377,21 +6154,21 @@
         </p:sp>
         <p:sp>
           <p:nvSpPr>
-            <p:cNvPr id="62" name="pl62"/>
-            <p:cNvSpPr/>
-            <p:nvPr/>
-          </p:nvSpPr>
-          <p:spPr>
-            <a:xfrm>
-              <a:off x="6518918" y="1809173"/>
-              <a:ext cx="0" cy="3464924"/>
-            </a:xfrm>
-            <a:custGeom>
-              <a:avLst/>
-              <a:pathLst>
-                <a:path w="0" h="3464924">
-                  <a:moveTo>
-                    <a:pt x="0" y="3464924"/>
+            <p:cNvPr id="86" name="pl86"/>
+            <p:cNvSpPr/>
+            <p:nvPr/>
+          </p:nvSpPr>
+          <p:spPr>
+            <a:xfrm>
+              <a:off x="6686815" y="1809173"/>
+              <a:ext cx="0" cy="3245468"/>
+            </a:xfrm>
+            <a:custGeom>
+              <a:avLst/>
+              <a:pathLst>
+                <a:path w="0" h="3245468">
+                  <a:moveTo>
+                    <a:pt x="0" y="3245468"/>
                   </a:moveTo>
                   <a:lnTo>
                     <a:pt x="0" y="0"/>
@@ -5420,21 +6197,21 @@
         </p:sp>
         <p:sp>
           <p:nvSpPr>
-            <p:cNvPr id="63" name="pl63"/>
-            <p:cNvSpPr/>
-            <p:nvPr/>
-          </p:nvSpPr>
-          <p:spPr>
-            <a:xfrm>
-              <a:off x="6923847" y="1809173"/>
-              <a:ext cx="0" cy="3464924"/>
-            </a:xfrm>
-            <a:custGeom>
-              <a:avLst/>
-              <a:pathLst>
-                <a:path w="0" h="3464924">
-                  <a:moveTo>
-                    <a:pt x="0" y="3464924"/>
+            <p:cNvPr id="87" name="pl87"/>
+            <p:cNvSpPr/>
+            <p:nvPr/>
+          </p:nvSpPr>
+          <p:spPr>
+            <a:xfrm>
+              <a:off x="6844836" y="1809173"/>
+              <a:ext cx="0" cy="3245468"/>
+            </a:xfrm>
+            <a:custGeom>
+              <a:avLst/>
+              <a:pathLst>
+                <a:path w="0" h="3245468">
+                  <a:moveTo>
+                    <a:pt x="0" y="3245468"/>
                   </a:moveTo>
                   <a:lnTo>
                     <a:pt x="0" y="0"/>
@@ -5463,21 +6240,21 @@
         </p:sp>
         <p:sp>
           <p:nvSpPr>
-            <p:cNvPr id="64" name="pl64"/>
-            <p:cNvSpPr/>
-            <p:nvPr/>
-          </p:nvSpPr>
-          <p:spPr>
-            <a:xfrm>
-              <a:off x="7328775" y="1809173"/>
-              <a:ext cx="0" cy="3464924"/>
-            </a:xfrm>
-            <a:custGeom>
-              <a:avLst/>
-              <a:pathLst>
-                <a:path w="0" h="3464924">
-                  <a:moveTo>
-                    <a:pt x="0" y="3464924"/>
+            <p:cNvPr id="88" name="pl88"/>
+            <p:cNvSpPr/>
+            <p:nvPr/>
+          </p:nvSpPr>
+          <p:spPr>
+            <a:xfrm>
+              <a:off x="7002857" y="1809173"/>
+              <a:ext cx="0" cy="3245468"/>
+            </a:xfrm>
+            <a:custGeom>
+              <a:avLst/>
+              <a:pathLst>
+                <a:path w="0" h="3245468">
+                  <a:moveTo>
+                    <a:pt x="0" y="3245468"/>
                   </a:moveTo>
                   <a:lnTo>
                     <a:pt x="0" y="0"/>
@@ -5506,14 +6283,169 @@
         </p:sp>
         <p:sp>
           <p:nvSpPr>
-            <p:cNvPr id="65" name="rc65"/>
-            <p:cNvSpPr/>
-            <p:nvPr/>
-          </p:nvSpPr>
-          <p:spPr>
-            <a:xfrm>
-              <a:off x="6336700" y="5098601"/>
-              <a:ext cx="364435" cy="17999"/>
+            <p:cNvPr id="89" name="pl89"/>
+            <p:cNvSpPr/>
+            <p:nvPr/>
+          </p:nvSpPr>
+          <p:spPr>
+            <a:xfrm>
+              <a:off x="7160878" y="1809173"/>
+              <a:ext cx="0" cy="3245468"/>
+            </a:xfrm>
+            <a:custGeom>
+              <a:avLst/>
+              <a:pathLst>
+                <a:path w="0" h="3245468">
+                  <a:moveTo>
+                    <a:pt x="0" y="3245468"/>
+                  </a:moveTo>
+                  <a:lnTo>
+                    <a:pt x="0" y="0"/>
+                  </a:lnTo>
+                  <a:lnTo>
+                    <a:pt x="0" y="0"/>
+                  </a:lnTo>
+                </a:path>
+              </a:pathLst>
+            </a:custGeom>
+            <a:ln w="13550" cap="flat">
+              <a:solidFill>
+                <a:srgbClr val="EBEBEB">
+                  <a:alpha val="100000"/>
+                </a:srgbClr>
+              </a:solidFill>
+              <a:prstDash val="solid"/>
+              <a:round/>
+            </a:ln>
+          </p:spPr>
+          <p:txBody>
+            <a:bodyPr/>
+            <a:lstStyle/>
+            <a:p/>
+          </p:txBody>
+        </p:sp>
+        <p:sp>
+          <p:nvSpPr>
+            <p:cNvPr id="90" name="pl90"/>
+            <p:cNvSpPr/>
+            <p:nvPr/>
+          </p:nvSpPr>
+          <p:spPr>
+            <a:xfrm>
+              <a:off x="7318899" y="1809173"/>
+              <a:ext cx="0" cy="3245468"/>
+            </a:xfrm>
+            <a:custGeom>
+              <a:avLst/>
+              <a:pathLst>
+                <a:path w="0" h="3245468">
+                  <a:moveTo>
+                    <a:pt x="0" y="3245468"/>
+                  </a:moveTo>
+                  <a:lnTo>
+                    <a:pt x="0" y="0"/>
+                  </a:lnTo>
+                  <a:lnTo>
+                    <a:pt x="0" y="0"/>
+                  </a:lnTo>
+                </a:path>
+              </a:pathLst>
+            </a:custGeom>
+            <a:ln w="13550" cap="flat">
+              <a:solidFill>
+                <a:srgbClr val="EBEBEB">
+                  <a:alpha val="100000"/>
+                </a:srgbClr>
+              </a:solidFill>
+              <a:prstDash val="solid"/>
+              <a:round/>
+            </a:ln>
+          </p:spPr>
+          <p:txBody>
+            <a:bodyPr/>
+            <a:lstStyle/>
+            <a:p/>
+          </p:txBody>
+        </p:sp>
+        <p:sp>
+          <p:nvSpPr>
+            <p:cNvPr id="91" name="pl91"/>
+            <p:cNvSpPr/>
+            <p:nvPr/>
+          </p:nvSpPr>
+          <p:spPr>
+            <a:xfrm>
+              <a:off x="7476919" y="1809173"/>
+              <a:ext cx="0" cy="3245468"/>
+            </a:xfrm>
+            <a:custGeom>
+              <a:avLst/>
+              <a:pathLst>
+                <a:path w="0" h="3245468">
+                  <a:moveTo>
+                    <a:pt x="0" y="3245468"/>
+                  </a:moveTo>
+                  <a:lnTo>
+                    <a:pt x="0" y="0"/>
+                  </a:lnTo>
+                  <a:lnTo>
+                    <a:pt x="0" y="0"/>
+                  </a:lnTo>
+                </a:path>
+              </a:pathLst>
+            </a:custGeom>
+            <a:ln w="13550" cap="flat">
+              <a:solidFill>
+                <a:srgbClr val="EBEBEB">
+                  <a:alpha val="100000"/>
+                </a:srgbClr>
+              </a:solidFill>
+              <a:prstDash val="solid"/>
+              <a:round/>
+            </a:ln>
+          </p:spPr>
+          <p:txBody>
+            <a:bodyPr/>
+            <a:lstStyle/>
+            <a:p/>
+          </p:txBody>
+        </p:sp>
+        <p:sp>
+          <p:nvSpPr>
+            <p:cNvPr id="92" name="rc92"/>
+            <p:cNvSpPr/>
+            <p:nvPr/>
+          </p:nvSpPr>
+          <p:spPr>
+            <a:xfrm>
+              <a:off x="6299664" y="4572320"/>
+              <a:ext cx="142218" cy="334800"/>
+            </a:xfrm>
+            <a:prstGeom prst="rect">
+              <a:avLst/>
+            </a:prstGeom>
+            <a:solidFill>
+              <a:srgbClr val="FFF5F0">
+                <a:alpha val="100000"/>
+              </a:srgbClr>
+            </a:solidFill>
+          </p:spPr>
+          <p:txBody>
+            <a:bodyPr/>
+            <a:lstStyle/>
+            <a:p/>
+          </p:txBody>
+        </p:sp>
+        <p:sp>
+          <p:nvSpPr>
+            <p:cNvPr id="93" name="rc93"/>
+            <p:cNvSpPr/>
+            <p:nvPr/>
+          </p:nvSpPr>
+          <p:spPr>
+            <a:xfrm>
+              <a:off x="6457685" y="4886195"/>
+              <a:ext cx="142218" cy="20925"/>
             </a:xfrm>
             <a:prstGeom prst="rect">
               <a:avLst/>
@@ -5532,14 +6464,40 @@
         </p:sp>
         <p:sp>
           <p:nvSpPr>
-            <p:cNvPr id="66" name="rc66"/>
-            <p:cNvSpPr/>
-            <p:nvPr/>
-          </p:nvSpPr>
-          <p:spPr>
-            <a:xfrm>
-              <a:off x="6741629" y="5008603"/>
-              <a:ext cx="364435" cy="107997"/>
+            <p:cNvPr id="94" name="rc94"/>
+            <p:cNvSpPr/>
+            <p:nvPr/>
+          </p:nvSpPr>
+          <p:spPr>
+            <a:xfrm>
+              <a:off x="6615706" y="4635095"/>
+              <a:ext cx="142218" cy="272025"/>
+            </a:xfrm>
+            <a:prstGeom prst="rect">
+              <a:avLst/>
+            </a:prstGeom>
+            <a:solidFill>
+              <a:srgbClr val="FCBBA1">
+                <a:alpha val="100000"/>
+              </a:srgbClr>
+            </a:solidFill>
+          </p:spPr>
+          <p:txBody>
+            <a:bodyPr/>
+            <a:lstStyle/>
+            <a:p/>
+          </p:txBody>
+        </p:sp>
+        <p:sp>
+          <p:nvSpPr>
+            <p:cNvPr id="95" name="rc95"/>
+            <p:cNvSpPr/>
+            <p:nvPr/>
+          </p:nvSpPr>
+          <p:spPr>
+            <a:xfrm>
+              <a:off x="6773727" y="4656020"/>
+              <a:ext cx="142218" cy="251100"/>
             </a:xfrm>
             <a:prstGeom prst="rect">
               <a:avLst/>
@@ -5558,20 +6516,20 @@
         </p:sp>
         <p:sp>
           <p:nvSpPr>
-            <p:cNvPr id="67" name="rc67"/>
-            <p:cNvSpPr/>
-            <p:nvPr/>
-          </p:nvSpPr>
-          <p:spPr>
-            <a:xfrm>
-              <a:off x="7146557" y="4612611"/>
-              <a:ext cx="364435" cy="503988"/>
+            <p:cNvPr id="96" name="rc96"/>
+            <p:cNvSpPr/>
+            <p:nvPr/>
+          </p:nvSpPr>
+          <p:spPr>
+            <a:xfrm>
+              <a:off x="6931748" y="4865270"/>
+              <a:ext cx="142218" cy="41850"/>
             </a:xfrm>
             <a:prstGeom prst="rect">
               <a:avLst/>
             </a:prstGeom>
             <a:solidFill>
-              <a:srgbClr val="DE2D26">
+              <a:srgbClr val="FB6A4A">
                 <a:alpha val="100000"/>
               </a:srgbClr>
             </a:solidFill>
@@ -5584,14 +6542,66 @@
         </p:sp>
         <p:sp>
           <p:nvSpPr>
-            <p:cNvPr id="68" name="rc68"/>
+            <p:cNvPr id="97" name="rc97"/>
+            <p:cNvSpPr/>
+            <p:nvPr/>
+          </p:nvSpPr>
+          <p:spPr>
+            <a:xfrm>
+              <a:off x="7089768" y="4572320"/>
+              <a:ext cx="142218" cy="334800"/>
+            </a:xfrm>
+            <a:prstGeom prst="rect">
+              <a:avLst/>
+            </a:prstGeom>
+            <a:solidFill>
+              <a:srgbClr val="EF3B2C">
+                <a:alpha val="100000"/>
+              </a:srgbClr>
+            </a:solidFill>
+          </p:spPr>
+          <p:txBody>
+            <a:bodyPr/>
+            <a:lstStyle/>
+            <a:p/>
+          </p:txBody>
+        </p:sp>
+        <p:sp>
+          <p:nvSpPr>
+            <p:cNvPr id="98" name="rc98"/>
+            <p:cNvSpPr/>
+            <p:nvPr/>
+          </p:nvSpPr>
+          <p:spPr>
+            <a:xfrm>
+              <a:off x="7405810" y="4697870"/>
+              <a:ext cx="142218" cy="209250"/>
+            </a:xfrm>
+            <a:prstGeom prst="rect">
+              <a:avLst/>
+            </a:prstGeom>
+            <a:solidFill>
+              <a:srgbClr val="99000D">
+                <a:alpha val="100000"/>
+              </a:srgbClr>
+            </a:solidFill>
+          </p:spPr>
+          <p:txBody>
+            <a:bodyPr/>
+            <a:lstStyle/>
+            <a:p/>
+          </p:txBody>
+        </p:sp>
+        <p:sp>
+          <p:nvSpPr>
+            <p:cNvPr id="99" name="rc99"/>
             <p:cNvSpPr/>
             <p:nvPr/>
           </p:nvSpPr>
           <p:spPr>
             <a:xfrm>
               <a:off x="6275961" y="1809173"/>
-              <a:ext cx="1295770" cy="3464924"/>
+              <a:ext cx="1295770" cy="3245468"/>
             </a:xfrm>
             <a:prstGeom prst="rect">
               <a:avLst/>
@@ -5614,14 +6624,14 @@
         </p:sp>
         <p:sp>
           <p:nvSpPr>
-            <p:cNvPr id="69" name="rc69"/>
+            <p:cNvPr id="100" name="rc100"/>
             <p:cNvSpPr/>
             <p:nvPr/>
           </p:nvSpPr>
           <p:spPr>
             <a:xfrm>
               <a:off x="7641321" y="1809173"/>
-              <a:ext cx="1295770" cy="3464924"/>
+              <a:ext cx="1295770" cy="3245468"/>
             </a:xfrm>
             <a:prstGeom prst="rect">
               <a:avLst/>
@@ -5640,13 +6650,13 @@
         </p:sp>
         <p:sp>
           <p:nvSpPr>
-            <p:cNvPr id="70" name="pl70"/>
-            <p:cNvSpPr/>
-            <p:nvPr/>
-          </p:nvSpPr>
-          <p:spPr>
-            <a:xfrm>
-              <a:off x="7641321" y="4666610"/>
+            <p:cNvPr id="101" name="pl101"/>
+            <p:cNvSpPr/>
+            <p:nvPr/>
+          </p:nvSpPr>
+          <p:spPr>
+            <a:xfrm>
+              <a:off x="7641321" y="4383995"/>
               <a:ext cx="1295770" cy="0"/>
             </a:xfrm>
             <a:custGeom>
@@ -5683,13 +6693,13 @@
         </p:sp>
         <p:sp>
           <p:nvSpPr>
-            <p:cNvPr id="71" name="pl71"/>
-            <p:cNvSpPr/>
-            <p:nvPr/>
-          </p:nvSpPr>
-          <p:spPr>
-            <a:xfrm>
-              <a:off x="7641321" y="3766630"/>
+            <p:cNvPr id="102" name="pl102"/>
+            <p:cNvSpPr/>
+            <p:nvPr/>
+          </p:nvSpPr>
+          <p:spPr>
+            <a:xfrm>
+              <a:off x="7641321" y="3337744"/>
               <a:ext cx="1295770" cy="0"/>
             </a:xfrm>
             <a:custGeom>
@@ -5726,13 +6736,13 @@
         </p:sp>
         <p:sp>
           <p:nvSpPr>
-            <p:cNvPr id="72" name="pl72"/>
-            <p:cNvSpPr/>
-            <p:nvPr/>
-          </p:nvSpPr>
-          <p:spPr>
-            <a:xfrm>
-              <a:off x="7641321" y="2866650"/>
+            <p:cNvPr id="103" name="pl103"/>
+            <p:cNvSpPr/>
+            <p:nvPr/>
+          </p:nvSpPr>
+          <p:spPr>
+            <a:xfrm>
+              <a:off x="7641321" y="2291494"/>
               <a:ext cx="1295770" cy="0"/>
             </a:xfrm>
             <a:custGeom>
@@ -5769,13 +6779,13 @@
         </p:sp>
         <p:sp>
           <p:nvSpPr>
-            <p:cNvPr id="73" name="pl73"/>
-            <p:cNvSpPr/>
-            <p:nvPr/>
-          </p:nvSpPr>
-          <p:spPr>
-            <a:xfrm>
-              <a:off x="7641321" y="1966669"/>
+            <p:cNvPr id="104" name="pl104"/>
+            <p:cNvSpPr/>
+            <p:nvPr/>
+          </p:nvSpPr>
+          <p:spPr>
+            <a:xfrm>
+              <a:off x="7641321" y="4907120"/>
               <a:ext cx="1295770" cy="0"/>
             </a:xfrm>
             <a:custGeom>
@@ -5794,7 +6804,7 @@
                 </a:path>
               </a:pathLst>
             </a:custGeom>
-            <a:ln w="6775" cap="flat">
+            <a:ln w="13550" cap="flat">
               <a:solidFill>
                 <a:srgbClr val="EBEBEB">
                   <a:alpha val="100000"/>
@@ -5812,13 +6822,13 @@
         </p:sp>
         <p:sp>
           <p:nvSpPr>
-            <p:cNvPr id="74" name="pl74"/>
-            <p:cNvSpPr/>
-            <p:nvPr/>
-          </p:nvSpPr>
-          <p:spPr>
-            <a:xfrm>
-              <a:off x="7641321" y="5116600"/>
+            <p:cNvPr id="105" name="pl105"/>
+            <p:cNvSpPr/>
+            <p:nvPr/>
+          </p:nvSpPr>
+          <p:spPr>
+            <a:xfrm>
+              <a:off x="7641321" y="3860869"/>
               <a:ext cx="1295770" cy="0"/>
             </a:xfrm>
             <a:custGeom>
@@ -5855,13 +6865,13 @@
         </p:sp>
         <p:sp>
           <p:nvSpPr>
-            <p:cNvPr id="75" name="pl75"/>
-            <p:cNvSpPr/>
-            <p:nvPr/>
-          </p:nvSpPr>
-          <p:spPr>
-            <a:xfrm>
-              <a:off x="7641321" y="4216620"/>
+            <p:cNvPr id="106" name="pl106"/>
+            <p:cNvSpPr/>
+            <p:nvPr/>
+          </p:nvSpPr>
+          <p:spPr>
+            <a:xfrm>
+              <a:off x="7641321" y="2814619"/>
               <a:ext cx="1295770" cy="0"/>
             </a:xfrm>
             <a:custGeom>
@@ -5898,27 +6908,27 @@
         </p:sp>
         <p:sp>
           <p:nvSpPr>
-            <p:cNvPr id="76" name="pl76"/>
-            <p:cNvSpPr/>
-            <p:nvPr/>
-          </p:nvSpPr>
-          <p:spPr>
-            <a:xfrm>
-              <a:off x="7641321" y="3316640"/>
-              <a:ext cx="1295770" cy="0"/>
-            </a:xfrm>
-            <a:custGeom>
-              <a:avLst/>
-              <a:pathLst>
-                <a:path w="1295770" h="0">
-                  <a:moveTo>
-                    <a:pt x="0" y="0"/>
-                  </a:moveTo>
-                  <a:lnTo>
-                    <a:pt x="1295770" y="0"/>
-                  </a:lnTo>
-                  <a:lnTo>
-                    <a:pt x="1295770" y="0"/>
+            <p:cNvPr id="107" name="pl107"/>
+            <p:cNvSpPr/>
+            <p:nvPr/>
+          </p:nvSpPr>
+          <p:spPr>
+            <a:xfrm>
+              <a:off x="7736134" y="1809173"/>
+              <a:ext cx="0" cy="3245468"/>
+            </a:xfrm>
+            <a:custGeom>
+              <a:avLst/>
+              <a:pathLst>
+                <a:path w="0" h="3245468">
+                  <a:moveTo>
+                    <a:pt x="0" y="3245468"/>
+                  </a:moveTo>
+                  <a:lnTo>
+                    <a:pt x="0" y="0"/>
+                  </a:lnTo>
+                  <a:lnTo>
+                    <a:pt x="0" y="0"/>
                   </a:lnTo>
                 </a:path>
               </a:pathLst>
@@ -5941,27 +6951,27 @@
         </p:sp>
         <p:sp>
           <p:nvSpPr>
-            <p:cNvPr id="77" name="pl77"/>
-            <p:cNvSpPr/>
-            <p:nvPr/>
-          </p:nvSpPr>
-          <p:spPr>
-            <a:xfrm>
-              <a:off x="7641321" y="2416659"/>
-              <a:ext cx="1295770" cy="0"/>
-            </a:xfrm>
-            <a:custGeom>
-              <a:avLst/>
-              <a:pathLst>
-                <a:path w="1295770" h="0">
-                  <a:moveTo>
-                    <a:pt x="0" y="0"/>
-                  </a:moveTo>
-                  <a:lnTo>
-                    <a:pt x="1295770" y="0"/>
-                  </a:lnTo>
-                  <a:lnTo>
-                    <a:pt x="1295770" y="0"/>
+            <p:cNvPr id="108" name="pl108"/>
+            <p:cNvSpPr/>
+            <p:nvPr/>
+          </p:nvSpPr>
+          <p:spPr>
+            <a:xfrm>
+              <a:off x="7894154" y="1809173"/>
+              <a:ext cx="0" cy="3245468"/>
+            </a:xfrm>
+            <a:custGeom>
+              <a:avLst/>
+              <a:pathLst>
+                <a:path w="0" h="3245468">
+                  <a:moveTo>
+                    <a:pt x="0" y="3245468"/>
+                  </a:moveTo>
+                  <a:lnTo>
+                    <a:pt x="0" y="0"/>
+                  </a:lnTo>
+                  <a:lnTo>
+                    <a:pt x="0" y="0"/>
                   </a:lnTo>
                 </a:path>
               </a:pathLst>
@@ -5984,21 +6994,21 @@
         </p:sp>
         <p:sp>
           <p:nvSpPr>
-            <p:cNvPr id="78" name="pl78"/>
-            <p:cNvSpPr/>
-            <p:nvPr/>
-          </p:nvSpPr>
-          <p:spPr>
-            <a:xfrm>
-              <a:off x="7884278" y="1809173"/>
-              <a:ext cx="0" cy="3464924"/>
-            </a:xfrm>
-            <a:custGeom>
-              <a:avLst/>
-              <a:pathLst>
-                <a:path w="0" h="3464924">
-                  <a:moveTo>
-                    <a:pt x="0" y="3464924"/>
+            <p:cNvPr id="109" name="pl109"/>
+            <p:cNvSpPr/>
+            <p:nvPr/>
+          </p:nvSpPr>
+          <p:spPr>
+            <a:xfrm>
+              <a:off x="8052175" y="1809173"/>
+              <a:ext cx="0" cy="3245468"/>
+            </a:xfrm>
+            <a:custGeom>
+              <a:avLst/>
+              <a:pathLst>
+                <a:path w="0" h="3245468">
+                  <a:moveTo>
+                    <a:pt x="0" y="3245468"/>
                   </a:moveTo>
                   <a:lnTo>
                     <a:pt x="0" y="0"/>
@@ -6027,21 +7037,21 @@
         </p:sp>
         <p:sp>
           <p:nvSpPr>
-            <p:cNvPr id="79" name="pl79"/>
-            <p:cNvSpPr/>
-            <p:nvPr/>
-          </p:nvSpPr>
-          <p:spPr>
-            <a:xfrm>
-              <a:off x="8289206" y="1809173"/>
-              <a:ext cx="0" cy="3464924"/>
-            </a:xfrm>
-            <a:custGeom>
-              <a:avLst/>
-              <a:pathLst>
-                <a:path w="0" h="3464924">
-                  <a:moveTo>
-                    <a:pt x="0" y="3464924"/>
+            <p:cNvPr id="110" name="pl110"/>
+            <p:cNvSpPr/>
+            <p:nvPr/>
+          </p:nvSpPr>
+          <p:spPr>
+            <a:xfrm>
+              <a:off x="8210196" y="1809173"/>
+              <a:ext cx="0" cy="3245468"/>
+            </a:xfrm>
+            <a:custGeom>
+              <a:avLst/>
+              <a:pathLst>
+                <a:path w="0" h="3245468">
+                  <a:moveTo>
+                    <a:pt x="0" y="3245468"/>
                   </a:moveTo>
                   <a:lnTo>
                     <a:pt x="0" y="0"/>
@@ -6070,21 +7080,21 @@
         </p:sp>
         <p:sp>
           <p:nvSpPr>
-            <p:cNvPr id="80" name="pl80"/>
-            <p:cNvSpPr/>
-            <p:nvPr/>
-          </p:nvSpPr>
-          <p:spPr>
-            <a:xfrm>
-              <a:off x="8694135" y="1809173"/>
-              <a:ext cx="0" cy="3464924"/>
-            </a:xfrm>
-            <a:custGeom>
-              <a:avLst/>
-              <a:pathLst>
-                <a:path w="0" h="3464924">
-                  <a:moveTo>
-                    <a:pt x="0" y="3464924"/>
+            <p:cNvPr id="111" name="pl111"/>
+            <p:cNvSpPr/>
+            <p:nvPr/>
+          </p:nvSpPr>
+          <p:spPr>
+            <a:xfrm>
+              <a:off x="8368217" y="1809173"/>
+              <a:ext cx="0" cy="3245468"/>
+            </a:xfrm>
+            <a:custGeom>
+              <a:avLst/>
+              <a:pathLst>
+                <a:path w="0" h="3245468">
+                  <a:moveTo>
+                    <a:pt x="0" y="3245468"/>
                   </a:moveTo>
                   <a:lnTo>
                     <a:pt x="0" y="0"/>
@@ -6113,20 +7123,149 @@
         </p:sp>
         <p:sp>
           <p:nvSpPr>
-            <p:cNvPr id="81" name="rc81"/>
-            <p:cNvSpPr/>
-            <p:nvPr/>
-          </p:nvSpPr>
-          <p:spPr>
-            <a:xfrm>
-              <a:off x="7702060" y="5098601"/>
-              <a:ext cx="364435" cy="17999"/>
+            <p:cNvPr id="112" name="pl112"/>
+            <p:cNvSpPr/>
+            <p:nvPr/>
+          </p:nvSpPr>
+          <p:spPr>
+            <a:xfrm>
+              <a:off x="8526238" y="1809173"/>
+              <a:ext cx="0" cy="3245468"/>
+            </a:xfrm>
+            <a:custGeom>
+              <a:avLst/>
+              <a:pathLst>
+                <a:path w="0" h="3245468">
+                  <a:moveTo>
+                    <a:pt x="0" y="3245468"/>
+                  </a:moveTo>
+                  <a:lnTo>
+                    <a:pt x="0" y="0"/>
+                  </a:lnTo>
+                  <a:lnTo>
+                    <a:pt x="0" y="0"/>
+                  </a:lnTo>
+                </a:path>
+              </a:pathLst>
+            </a:custGeom>
+            <a:ln w="13550" cap="flat">
+              <a:solidFill>
+                <a:srgbClr val="EBEBEB">
+                  <a:alpha val="100000"/>
+                </a:srgbClr>
+              </a:solidFill>
+              <a:prstDash val="solid"/>
+              <a:round/>
+            </a:ln>
+          </p:spPr>
+          <p:txBody>
+            <a:bodyPr/>
+            <a:lstStyle/>
+            <a:p/>
+          </p:txBody>
+        </p:sp>
+        <p:sp>
+          <p:nvSpPr>
+            <p:cNvPr id="113" name="pl113"/>
+            <p:cNvSpPr/>
+            <p:nvPr/>
+          </p:nvSpPr>
+          <p:spPr>
+            <a:xfrm>
+              <a:off x="8684259" y="1809173"/>
+              <a:ext cx="0" cy="3245468"/>
+            </a:xfrm>
+            <a:custGeom>
+              <a:avLst/>
+              <a:pathLst>
+                <a:path w="0" h="3245468">
+                  <a:moveTo>
+                    <a:pt x="0" y="3245468"/>
+                  </a:moveTo>
+                  <a:lnTo>
+                    <a:pt x="0" y="0"/>
+                  </a:lnTo>
+                  <a:lnTo>
+                    <a:pt x="0" y="0"/>
+                  </a:lnTo>
+                </a:path>
+              </a:pathLst>
+            </a:custGeom>
+            <a:ln w="13550" cap="flat">
+              <a:solidFill>
+                <a:srgbClr val="EBEBEB">
+                  <a:alpha val="100000"/>
+                </a:srgbClr>
+              </a:solidFill>
+              <a:prstDash val="solid"/>
+              <a:round/>
+            </a:ln>
+          </p:spPr>
+          <p:txBody>
+            <a:bodyPr/>
+            <a:lstStyle/>
+            <a:p/>
+          </p:txBody>
+        </p:sp>
+        <p:sp>
+          <p:nvSpPr>
+            <p:cNvPr id="114" name="pl114"/>
+            <p:cNvSpPr/>
+            <p:nvPr/>
+          </p:nvSpPr>
+          <p:spPr>
+            <a:xfrm>
+              <a:off x="8842279" y="1809173"/>
+              <a:ext cx="0" cy="3245468"/>
+            </a:xfrm>
+            <a:custGeom>
+              <a:avLst/>
+              <a:pathLst>
+                <a:path w="0" h="3245468">
+                  <a:moveTo>
+                    <a:pt x="0" y="3245468"/>
+                  </a:moveTo>
+                  <a:lnTo>
+                    <a:pt x="0" y="0"/>
+                  </a:lnTo>
+                  <a:lnTo>
+                    <a:pt x="0" y="0"/>
+                  </a:lnTo>
+                </a:path>
+              </a:pathLst>
+            </a:custGeom>
+            <a:ln w="13550" cap="flat">
+              <a:solidFill>
+                <a:srgbClr val="EBEBEB">
+                  <a:alpha val="100000"/>
+                </a:srgbClr>
+              </a:solidFill>
+              <a:prstDash val="solid"/>
+              <a:round/>
+            </a:ln>
+          </p:spPr>
+          <p:txBody>
+            <a:bodyPr/>
+            <a:lstStyle/>
+            <a:p/>
+          </p:txBody>
+        </p:sp>
+        <p:sp>
+          <p:nvSpPr>
+            <p:cNvPr id="115" name="rc115"/>
+            <p:cNvSpPr/>
+            <p:nvPr/>
+          </p:nvSpPr>
+          <p:spPr>
+            <a:xfrm>
+              <a:off x="7665024" y="4237519"/>
+              <a:ext cx="142218" cy="669600"/>
             </a:xfrm>
             <a:prstGeom prst="rect">
               <a:avLst/>
             </a:prstGeom>
             <a:solidFill>
-              <a:srgbClr val="FEE0D2">
+              <a:srgbClr val="FFF5F0">
                 <a:alpha val="100000"/>
               </a:srgbClr>
             </a:solidFill>
@@ -6139,14 +7278,40 @@
         </p:sp>
         <p:sp>
           <p:nvSpPr>
-            <p:cNvPr id="82" name="rc82"/>
-            <p:cNvSpPr/>
-            <p:nvPr/>
-          </p:nvSpPr>
-          <p:spPr>
-            <a:xfrm>
-              <a:off x="8106989" y="4963604"/>
-              <a:ext cx="364435" cy="152996"/>
+            <p:cNvPr id="116" name="rc116"/>
+            <p:cNvSpPr/>
+            <p:nvPr/>
+          </p:nvSpPr>
+          <p:spPr>
+            <a:xfrm>
+              <a:off x="7981066" y="4258444"/>
+              <a:ext cx="142218" cy="648675"/>
+            </a:xfrm>
+            <a:prstGeom prst="rect">
+              <a:avLst/>
+            </a:prstGeom>
+            <a:solidFill>
+              <a:srgbClr val="FCBBA1">
+                <a:alpha val="100000"/>
+              </a:srgbClr>
+            </a:solidFill>
+          </p:spPr>
+          <p:txBody>
+            <a:bodyPr/>
+            <a:lstStyle/>
+            <a:p/>
+          </p:txBody>
+        </p:sp>
+        <p:sp>
+          <p:nvSpPr>
+            <p:cNvPr id="117" name="rc117"/>
+            <p:cNvSpPr/>
+            <p:nvPr/>
+          </p:nvSpPr>
+          <p:spPr>
+            <a:xfrm>
+              <a:off x="8139087" y="4593245"/>
+              <a:ext cx="142218" cy="313875"/>
             </a:xfrm>
             <a:prstGeom prst="rect">
               <a:avLst/>
@@ -6165,20 +7330,20 @@
         </p:sp>
         <p:sp>
           <p:nvSpPr>
-            <p:cNvPr id="83" name="rc83"/>
-            <p:cNvSpPr/>
-            <p:nvPr/>
-          </p:nvSpPr>
-          <p:spPr>
-            <a:xfrm>
-              <a:off x="8511917" y="4405616"/>
-              <a:ext cx="364435" cy="710984"/>
+            <p:cNvPr id="118" name="rc118"/>
+            <p:cNvSpPr/>
+            <p:nvPr/>
+          </p:nvSpPr>
+          <p:spPr>
+            <a:xfrm>
+              <a:off x="8297108" y="4865270"/>
+              <a:ext cx="142218" cy="41850"/>
             </a:xfrm>
             <a:prstGeom prst="rect">
               <a:avLst/>
             </a:prstGeom>
             <a:solidFill>
-              <a:srgbClr val="DE2D26">
+              <a:srgbClr val="FB6A4A">
                 <a:alpha val="100000"/>
               </a:srgbClr>
             </a:solidFill>
@@ -6191,14 +7356,92 @@
         </p:sp>
         <p:sp>
           <p:nvSpPr>
-            <p:cNvPr id="84" name="rc84"/>
+            <p:cNvPr id="119" name="rc119"/>
+            <p:cNvSpPr/>
+            <p:nvPr/>
+          </p:nvSpPr>
+          <p:spPr>
+            <a:xfrm>
+              <a:off x="8455128" y="4760645"/>
+              <a:ext cx="142218" cy="146475"/>
+            </a:xfrm>
+            <a:prstGeom prst="rect">
+              <a:avLst/>
+            </a:prstGeom>
+            <a:solidFill>
+              <a:srgbClr val="EF3B2C">
+                <a:alpha val="100000"/>
+              </a:srgbClr>
+            </a:solidFill>
+          </p:spPr>
+          <p:txBody>
+            <a:bodyPr/>
+            <a:lstStyle/>
+            <a:p/>
+          </p:txBody>
+        </p:sp>
+        <p:sp>
+          <p:nvSpPr>
+            <p:cNvPr id="120" name="rc120"/>
+            <p:cNvSpPr/>
+            <p:nvPr/>
+          </p:nvSpPr>
+          <p:spPr>
+            <a:xfrm>
+              <a:off x="8613149" y="4865270"/>
+              <a:ext cx="142218" cy="41850"/>
+            </a:xfrm>
+            <a:prstGeom prst="rect">
+              <a:avLst/>
+            </a:prstGeom>
+            <a:solidFill>
+              <a:srgbClr val="CB181D">
+                <a:alpha val="100000"/>
+              </a:srgbClr>
+            </a:solidFill>
+          </p:spPr>
+          <p:txBody>
+            <a:bodyPr/>
+            <a:lstStyle/>
+            <a:p/>
+          </p:txBody>
+        </p:sp>
+        <p:sp>
+          <p:nvSpPr>
+            <p:cNvPr id="121" name="rc121"/>
+            <p:cNvSpPr/>
+            <p:nvPr/>
+          </p:nvSpPr>
+          <p:spPr>
+            <a:xfrm>
+              <a:off x="8771170" y="4718795"/>
+              <a:ext cx="142218" cy="188325"/>
+            </a:xfrm>
+            <a:prstGeom prst="rect">
+              <a:avLst/>
+            </a:prstGeom>
+            <a:solidFill>
+              <a:srgbClr val="99000D">
+                <a:alpha val="100000"/>
+              </a:srgbClr>
+            </a:solidFill>
+          </p:spPr>
+          <p:txBody>
+            <a:bodyPr/>
+            <a:lstStyle/>
+            <a:p/>
+          </p:txBody>
+        </p:sp>
+        <p:sp>
+          <p:nvSpPr>
+            <p:cNvPr id="122" name="rc122"/>
             <p:cNvSpPr/>
             <p:nvPr/>
           </p:nvSpPr>
           <p:spPr>
             <a:xfrm>
               <a:off x="7641321" y="1809173"/>
-              <a:ext cx="1295770" cy="3464924"/>
+              <a:ext cx="1295770" cy="3245468"/>
             </a:xfrm>
             <a:prstGeom prst="rect">
               <a:avLst/>
@@ -6221,7 +7464,7 @@
         </p:sp>
         <p:sp>
           <p:nvSpPr>
-            <p:cNvPr id="85" name="rc85"/>
+            <p:cNvPr id="123" name="rc123"/>
             <p:cNvSpPr/>
             <p:nvPr/>
           </p:nvSpPr>
@@ -6256,7 +7499,7 @@
         </p:sp>
         <p:sp>
           <p:nvSpPr>
-            <p:cNvPr id="86" name="tx86"/>
+            <p:cNvPr id="124" name="tx124"/>
             <p:cNvSpPr/>
             <p:nvPr/>
           </p:nvSpPr>
@@ -6302,7 +7545,7 @@
         </p:sp>
         <p:sp>
           <p:nvSpPr>
-            <p:cNvPr id="87" name="rc87"/>
+            <p:cNvPr id="125" name="rc125"/>
             <p:cNvSpPr/>
             <p:nvPr/>
           </p:nvSpPr>
@@ -6337,7 +7580,7 @@
         </p:sp>
         <p:sp>
           <p:nvSpPr>
-            <p:cNvPr id="88" name="tx88"/>
+            <p:cNvPr id="126" name="tx126"/>
             <p:cNvSpPr/>
             <p:nvPr/>
           </p:nvSpPr>
@@ -6383,7 +7626,7 @@
         </p:sp>
         <p:sp>
           <p:nvSpPr>
-            <p:cNvPr id="89" name="rc89"/>
+            <p:cNvPr id="127" name="rc127"/>
             <p:cNvSpPr/>
             <p:nvPr/>
           </p:nvSpPr>
@@ -6418,7 +7661,7 @@
         </p:sp>
         <p:sp>
           <p:nvSpPr>
-            <p:cNvPr id="90" name="tx90"/>
+            <p:cNvPr id="128" name="tx128"/>
             <p:cNvSpPr/>
             <p:nvPr/>
           </p:nvSpPr>
@@ -6464,7 +7707,7 @@
         </p:sp>
         <p:sp>
           <p:nvSpPr>
-            <p:cNvPr id="91" name="rc91"/>
+            <p:cNvPr id="129" name="rc129"/>
             <p:cNvSpPr/>
             <p:nvPr/>
           </p:nvSpPr>
@@ -6499,7 +7742,7 @@
         </p:sp>
         <p:sp>
           <p:nvSpPr>
-            <p:cNvPr id="92" name="tx92"/>
+            <p:cNvPr id="130" name="tx130"/>
             <p:cNvSpPr/>
             <p:nvPr/>
           </p:nvSpPr>
@@ -6545,7 +7788,7 @@
         </p:sp>
         <p:sp>
           <p:nvSpPr>
-            <p:cNvPr id="93" name="rc93"/>
+            <p:cNvPr id="131" name="rc131"/>
             <p:cNvSpPr/>
             <p:nvPr/>
           </p:nvSpPr>
@@ -6580,7 +7823,7 @@
         </p:sp>
         <p:sp>
           <p:nvSpPr>
-            <p:cNvPr id="94" name="tx94"/>
+            <p:cNvPr id="132" name="tx132"/>
             <p:cNvSpPr/>
             <p:nvPr/>
           </p:nvSpPr>
@@ -6626,13 +7869,13 @@
         </p:sp>
         <p:sp>
           <p:nvSpPr>
-            <p:cNvPr id="95" name="pl95"/>
-            <p:cNvSpPr/>
-            <p:nvPr/>
-          </p:nvSpPr>
-          <p:spPr>
-            <a:xfrm>
-              <a:off x="2422838" y="5274097"/>
+            <p:cNvPr id="133" name="pl133"/>
+            <p:cNvSpPr/>
+            <p:nvPr/>
+          </p:nvSpPr>
+          <p:spPr>
+            <a:xfrm>
+              <a:off x="2274694" y="5054641"/>
               <a:ext cx="0" cy="34794"/>
             </a:xfrm>
             <a:custGeom>
@@ -6666,13 +7909,13 @@
         </p:sp>
         <p:sp>
           <p:nvSpPr>
-            <p:cNvPr id="96" name="pl96"/>
-            <p:cNvSpPr/>
-            <p:nvPr/>
-          </p:nvSpPr>
-          <p:spPr>
-            <a:xfrm>
-              <a:off x="2827767" y="5274097"/>
+            <p:cNvPr id="134" name="pl134"/>
+            <p:cNvSpPr/>
+            <p:nvPr/>
+          </p:nvSpPr>
+          <p:spPr>
+            <a:xfrm>
+              <a:off x="2432715" y="5054641"/>
               <a:ext cx="0" cy="34794"/>
             </a:xfrm>
             <a:custGeom>
@@ -6706,13 +7949,13 @@
         </p:sp>
         <p:sp>
           <p:nvSpPr>
-            <p:cNvPr id="97" name="pl97"/>
-            <p:cNvSpPr/>
-            <p:nvPr/>
-          </p:nvSpPr>
-          <p:spPr>
-            <a:xfrm>
-              <a:off x="3232695" y="5274097"/>
+            <p:cNvPr id="135" name="pl135"/>
+            <p:cNvSpPr/>
+            <p:nvPr/>
+          </p:nvSpPr>
+          <p:spPr>
+            <a:xfrm>
+              <a:off x="2590735" y="5054641"/>
               <a:ext cx="0" cy="34794"/>
             </a:xfrm>
             <a:custGeom>
@@ -6746,13 +7989,13 @@
         </p:sp>
         <p:sp>
           <p:nvSpPr>
-            <p:cNvPr id="98" name="pl98"/>
-            <p:cNvSpPr/>
-            <p:nvPr/>
-          </p:nvSpPr>
-          <p:spPr>
-            <a:xfrm>
-              <a:off x="3788198" y="5274097"/>
+            <p:cNvPr id="136" name="pl136"/>
+            <p:cNvSpPr/>
+            <p:nvPr/>
+          </p:nvSpPr>
+          <p:spPr>
+            <a:xfrm>
+              <a:off x="2748756" y="5054641"/>
               <a:ext cx="0" cy="34794"/>
             </a:xfrm>
             <a:custGeom>
@@ -6786,13 +8029,13 @@
         </p:sp>
         <p:sp>
           <p:nvSpPr>
-            <p:cNvPr id="99" name="pl99"/>
-            <p:cNvSpPr/>
-            <p:nvPr/>
-          </p:nvSpPr>
-          <p:spPr>
-            <a:xfrm>
-              <a:off x="4193127" y="5274097"/>
+            <p:cNvPr id="137" name="pl137"/>
+            <p:cNvSpPr/>
+            <p:nvPr/>
+          </p:nvSpPr>
+          <p:spPr>
+            <a:xfrm>
+              <a:off x="2906777" y="5054641"/>
               <a:ext cx="0" cy="34794"/>
             </a:xfrm>
             <a:custGeom>
@@ -6826,13 +8069,13 @@
         </p:sp>
         <p:sp>
           <p:nvSpPr>
-            <p:cNvPr id="100" name="pl100"/>
-            <p:cNvSpPr/>
-            <p:nvPr/>
-          </p:nvSpPr>
-          <p:spPr>
-            <a:xfrm>
-              <a:off x="4598055" y="5274097"/>
+            <p:cNvPr id="138" name="pl138"/>
+            <p:cNvSpPr/>
+            <p:nvPr/>
+          </p:nvSpPr>
+          <p:spPr>
+            <a:xfrm>
+              <a:off x="3064798" y="5054641"/>
               <a:ext cx="0" cy="34794"/>
             </a:xfrm>
             <a:custGeom>
@@ -6866,13 +8109,13 @@
         </p:sp>
         <p:sp>
           <p:nvSpPr>
-            <p:cNvPr id="101" name="pl101"/>
-            <p:cNvSpPr/>
-            <p:nvPr/>
-          </p:nvSpPr>
-          <p:spPr>
-            <a:xfrm>
-              <a:off x="5153558" y="5274097"/>
+            <p:cNvPr id="139" name="pl139"/>
+            <p:cNvSpPr/>
+            <p:nvPr/>
+          </p:nvSpPr>
+          <p:spPr>
+            <a:xfrm>
+              <a:off x="3222819" y="5054641"/>
               <a:ext cx="0" cy="34794"/>
             </a:xfrm>
             <a:custGeom>
@@ -6906,13 +8149,13 @@
         </p:sp>
         <p:sp>
           <p:nvSpPr>
-            <p:cNvPr id="102" name="pl102"/>
-            <p:cNvSpPr/>
-            <p:nvPr/>
-          </p:nvSpPr>
-          <p:spPr>
-            <a:xfrm>
-              <a:off x="5558487" y="5274097"/>
+            <p:cNvPr id="140" name="pl140"/>
+            <p:cNvSpPr/>
+            <p:nvPr/>
+          </p:nvSpPr>
+          <p:spPr>
+            <a:xfrm>
+              <a:off x="3380840" y="5054641"/>
               <a:ext cx="0" cy="34794"/>
             </a:xfrm>
             <a:custGeom>
@@ -6946,13 +8189,13 @@
         </p:sp>
         <p:sp>
           <p:nvSpPr>
-            <p:cNvPr id="103" name="pl103"/>
-            <p:cNvSpPr/>
-            <p:nvPr/>
-          </p:nvSpPr>
-          <p:spPr>
-            <a:xfrm>
-              <a:off x="5963415" y="5274097"/>
+            <p:cNvPr id="141" name="pl141"/>
+            <p:cNvSpPr/>
+            <p:nvPr/>
+          </p:nvSpPr>
+          <p:spPr>
+            <a:xfrm>
+              <a:off x="3640054" y="5054641"/>
               <a:ext cx="0" cy="34794"/>
             </a:xfrm>
             <a:custGeom>
@@ -6986,13 +8229,13 @@
         </p:sp>
         <p:sp>
           <p:nvSpPr>
-            <p:cNvPr id="104" name="pl104"/>
-            <p:cNvSpPr/>
-            <p:nvPr/>
-          </p:nvSpPr>
-          <p:spPr>
-            <a:xfrm>
-              <a:off x="6518918" y="5274097"/>
+            <p:cNvPr id="142" name="pl142"/>
+            <p:cNvSpPr/>
+            <p:nvPr/>
+          </p:nvSpPr>
+          <p:spPr>
+            <a:xfrm>
+              <a:off x="3798075" y="5054641"/>
               <a:ext cx="0" cy="34794"/>
             </a:xfrm>
             <a:custGeom>
@@ -7026,13 +8269,13 @@
         </p:sp>
         <p:sp>
           <p:nvSpPr>
-            <p:cNvPr id="105" name="pl105"/>
-            <p:cNvSpPr/>
-            <p:nvPr/>
-          </p:nvSpPr>
-          <p:spPr>
-            <a:xfrm>
-              <a:off x="6923847" y="5274097"/>
+            <p:cNvPr id="143" name="pl143"/>
+            <p:cNvSpPr/>
+            <p:nvPr/>
+          </p:nvSpPr>
+          <p:spPr>
+            <a:xfrm>
+              <a:off x="3956095" y="5054641"/>
               <a:ext cx="0" cy="34794"/>
             </a:xfrm>
             <a:custGeom>
@@ -7066,13 +8309,13 @@
         </p:sp>
         <p:sp>
           <p:nvSpPr>
-            <p:cNvPr id="106" name="pl106"/>
-            <p:cNvSpPr/>
-            <p:nvPr/>
-          </p:nvSpPr>
-          <p:spPr>
-            <a:xfrm>
-              <a:off x="7328775" y="5274097"/>
+            <p:cNvPr id="144" name="pl144"/>
+            <p:cNvSpPr/>
+            <p:nvPr/>
+          </p:nvSpPr>
+          <p:spPr>
+            <a:xfrm>
+              <a:off x="4114116" y="5054641"/>
               <a:ext cx="0" cy="34794"/>
             </a:xfrm>
             <a:custGeom>
@@ -7106,13 +8349,13 @@
         </p:sp>
         <p:sp>
           <p:nvSpPr>
-            <p:cNvPr id="107" name="pl107"/>
-            <p:cNvSpPr/>
-            <p:nvPr/>
-          </p:nvSpPr>
-          <p:spPr>
-            <a:xfrm>
-              <a:off x="7884278" y="5274097"/>
+            <p:cNvPr id="145" name="pl145"/>
+            <p:cNvSpPr/>
+            <p:nvPr/>
+          </p:nvSpPr>
+          <p:spPr>
+            <a:xfrm>
+              <a:off x="4272137" y="5054641"/>
               <a:ext cx="0" cy="34794"/>
             </a:xfrm>
             <a:custGeom>
@@ -7146,13 +8389,13 @@
         </p:sp>
         <p:sp>
           <p:nvSpPr>
-            <p:cNvPr id="108" name="pl108"/>
-            <p:cNvSpPr/>
-            <p:nvPr/>
-          </p:nvSpPr>
-          <p:spPr>
-            <a:xfrm>
-              <a:off x="8289206" y="5274097"/>
+            <p:cNvPr id="146" name="pl146"/>
+            <p:cNvSpPr/>
+            <p:nvPr/>
+          </p:nvSpPr>
+          <p:spPr>
+            <a:xfrm>
+              <a:off x="4430158" y="5054641"/>
               <a:ext cx="0" cy="34794"/>
             </a:xfrm>
             <a:custGeom>
@@ -7186,13 +8429,13 @@
         </p:sp>
         <p:sp>
           <p:nvSpPr>
-            <p:cNvPr id="109" name="pl109"/>
-            <p:cNvSpPr/>
-            <p:nvPr/>
-          </p:nvSpPr>
-          <p:spPr>
-            <a:xfrm>
-              <a:off x="8694135" y="5274097"/>
+            <p:cNvPr id="147" name="pl147"/>
+            <p:cNvSpPr/>
+            <p:nvPr/>
+          </p:nvSpPr>
+          <p:spPr>
+            <a:xfrm>
+              <a:off x="4588179" y="5054641"/>
               <a:ext cx="0" cy="34794"/>
             </a:xfrm>
             <a:custGeom>
@@ -7226,13 +8469,1013 @@
         </p:sp>
         <p:sp>
           <p:nvSpPr>
-            <p:cNvPr id="110" name="tx110"/>
-            <p:cNvSpPr/>
-            <p:nvPr/>
-          </p:nvSpPr>
-          <p:spPr>
-            <a:xfrm>
-              <a:off x="2055095" y="5074909"/>
+            <p:cNvPr id="148" name="pl148"/>
+            <p:cNvSpPr/>
+            <p:nvPr/>
+          </p:nvSpPr>
+          <p:spPr>
+            <a:xfrm>
+              <a:off x="4746200" y="5054641"/>
+              <a:ext cx="0" cy="34794"/>
+            </a:xfrm>
+            <a:custGeom>
+              <a:avLst/>
+              <a:pathLst>
+                <a:path w="0" h="34794">
+                  <a:moveTo>
+                    <a:pt x="0" y="34794"/>
+                  </a:moveTo>
+                  <a:lnTo>
+                    <a:pt x="0" y="0"/>
+                  </a:lnTo>
+                </a:path>
+              </a:pathLst>
+            </a:custGeom>
+            <a:ln w="13550" cap="flat">
+              <a:solidFill>
+                <a:srgbClr val="333333">
+                  <a:alpha val="100000"/>
+                </a:srgbClr>
+              </a:solidFill>
+              <a:prstDash val="solid"/>
+              <a:round/>
+            </a:ln>
+          </p:spPr>
+          <p:txBody>
+            <a:bodyPr/>
+            <a:lstStyle/>
+            <a:p/>
+          </p:txBody>
+        </p:sp>
+        <p:sp>
+          <p:nvSpPr>
+            <p:cNvPr id="149" name="pl149"/>
+            <p:cNvSpPr/>
+            <p:nvPr/>
+          </p:nvSpPr>
+          <p:spPr>
+            <a:xfrm>
+              <a:off x="5005414" y="5054641"/>
+              <a:ext cx="0" cy="34794"/>
+            </a:xfrm>
+            <a:custGeom>
+              <a:avLst/>
+              <a:pathLst>
+                <a:path w="0" h="34794">
+                  <a:moveTo>
+                    <a:pt x="0" y="34794"/>
+                  </a:moveTo>
+                  <a:lnTo>
+                    <a:pt x="0" y="0"/>
+                  </a:lnTo>
+                </a:path>
+              </a:pathLst>
+            </a:custGeom>
+            <a:ln w="13550" cap="flat">
+              <a:solidFill>
+                <a:srgbClr val="333333">
+                  <a:alpha val="100000"/>
+                </a:srgbClr>
+              </a:solidFill>
+              <a:prstDash val="solid"/>
+              <a:round/>
+            </a:ln>
+          </p:spPr>
+          <p:txBody>
+            <a:bodyPr/>
+            <a:lstStyle/>
+            <a:p/>
+          </p:txBody>
+        </p:sp>
+        <p:sp>
+          <p:nvSpPr>
+            <p:cNvPr id="150" name="pl150"/>
+            <p:cNvSpPr/>
+            <p:nvPr/>
+          </p:nvSpPr>
+          <p:spPr>
+            <a:xfrm>
+              <a:off x="5163434" y="5054641"/>
+              <a:ext cx="0" cy="34794"/>
+            </a:xfrm>
+            <a:custGeom>
+              <a:avLst/>
+              <a:pathLst>
+                <a:path w="0" h="34794">
+                  <a:moveTo>
+                    <a:pt x="0" y="34794"/>
+                  </a:moveTo>
+                  <a:lnTo>
+                    <a:pt x="0" y="0"/>
+                  </a:lnTo>
+                </a:path>
+              </a:pathLst>
+            </a:custGeom>
+            <a:ln w="13550" cap="flat">
+              <a:solidFill>
+                <a:srgbClr val="333333">
+                  <a:alpha val="100000"/>
+                </a:srgbClr>
+              </a:solidFill>
+              <a:prstDash val="solid"/>
+              <a:round/>
+            </a:ln>
+          </p:spPr>
+          <p:txBody>
+            <a:bodyPr/>
+            <a:lstStyle/>
+            <a:p/>
+          </p:txBody>
+        </p:sp>
+        <p:sp>
+          <p:nvSpPr>
+            <p:cNvPr id="151" name="pl151"/>
+            <p:cNvSpPr/>
+            <p:nvPr/>
+          </p:nvSpPr>
+          <p:spPr>
+            <a:xfrm>
+              <a:off x="5321455" y="5054641"/>
+              <a:ext cx="0" cy="34794"/>
+            </a:xfrm>
+            <a:custGeom>
+              <a:avLst/>
+              <a:pathLst>
+                <a:path w="0" h="34794">
+                  <a:moveTo>
+                    <a:pt x="0" y="34794"/>
+                  </a:moveTo>
+                  <a:lnTo>
+                    <a:pt x="0" y="0"/>
+                  </a:lnTo>
+                </a:path>
+              </a:pathLst>
+            </a:custGeom>
+            <a:ln w="13550" cap="flat">
+              <a:solidFill>
+                <a:srgbClr val="333333">
+                  <a:alpha val="100000"/>
+                </a:srgbClr>
+              </a:solidFill>
+              <a:prstDash val="solid"/>
+              <a:round/>
+            </a:ln>
+          </p:spPr>
+          <p:txBody>
+            <a:bodyPr/>
+            <a:lstStyle/>
+            <a:p/>
+          </p:txBody>
+        </p:sp>
+        <p:sp>
+          <p:nvSpPr>
+            <p:cNvPr id="152" name="pl152"/>
+            <p:cNvSpPr/>
+            <p:nvPr/>
+          </p:nvSpPr>
+          <p:spPr>
+            <a:xfrm>
+              <a:off x="5479476" y="5054641"/>
+              <a:ext cx="0" cy="34794"/>
+            </a:xfrm>
+            <a:custGeom>
+              <a:avLst/>
+              <a:pathLst>
+                <a:path w="0" h="34794">
+                  <a:moveTo>
+                    <a:pt x="0" y="34794"/>
+                  </a:moveTo>
+                  <a:lnTo>
+                    <a:pt x="0" y="0"/>
+                  </a:lnTo>
+                </a:path>
+              </a:pathLst>
+            </a:custGeom>
+            <a:ln w="13550" cap="flat">
+              <a:solidFill>
+                <a:srgbClr val="333333">
+                  <a:alpha val="100000"/>
+                </a:srgbClr>
+              </a:solidFill>
+              <a:prstDash val="solid"/>
+              <a:round/>
+            </a:ln>
+          </p:spPr>
+          <p:txBody>
+            <a:bodyPr/>
+            <a:lstStyle/>
+            <a:p/>
+          </p:txBody>
+        </p:sp>
+        <p:sp>
+          <p:nvSpPr>
+            <p:cNvPr id="153" name="pl153"/>
+            <p:cNvSpPr/>
+            <p:nvPr/>
+          </p:nvSpPr>
+          <p:spPr>
+            <a:xfrm>
+              <a:off x="5637497" y="5054641"/>
+              <a:ext cx="0" cy="34794"/>
+            </a:xfrm>
+            <a:custGeom>
+              <a:avLst/>
+              <a:pathLst>
+                <a:path w="0" h="34794">
+                  <a:moveTo>
+                    <a:pt x="0" y="34794"/>
+                  </a:moveTo>
+                  <a:lnTo>
+                    <a:pt x="0" y="0"/>
+                  </a:lnTo>
+                </a:path>
+              </a:pathLst>
+            </a:custGeom>
+            <a:ln w="13550" cap="flat">
+              <a:solidFill>
+                <a:srgbClr val="333333">
+                  <a:alpha val="100000"/>
+                </a:srgbClr>
+              </a:solidFill>
+              <a:prstDash val="solid"/>
+              <a:round/>
+            </a:ln>
+          </p:spPr>
+          <p:txBody>
+            <a:bodyPr/>
+            <a:lstStyle/>
+            <a:p/>
+          </p:txBody>
+        </p:sp>
+        <p:sp>
+          <p:nvSpPr>
+            <p:cNvPr id="154" name="pl154"/>
+            <p:cNvSpPr/>
+            <p:nvPr/>
+          </p:nvSpPr>
+          <p:spPr>
+            <a:xfrm>
+              <a:off x="5795518" y="5054641"/>
+              <a:ext cx="0" cy="34794"/>
+            </a:xfrm>
+            <a:custGeom>
+              <a:avLst/>
+              <a:pathLst>
+                <a:path w="0" h="34794">
+                  <a:moveTo>
+                    <a:pt x="0" y="34794"/>
+                  </a:moveTo>
+                  <a:lnTo>
+                    <a:pt x="0" y="0"/>
+                  </a:lnTo>
+                </a:path>
+              </a:pathLst>
+            </a:custGeom>
+            <a:ln w="13550" cap="flat">
+              <a:solidFill>
+                <a:srgbClr val="333333">
+                  <a:alpha val="100000"/>
+                </a:srgbClr>
+              </a:solidFill>
+              <a:prstDash val="solid"/>
+              <a:round/>
+            </a:ln>
+          </p:spPr>
+          <p:txBody>
+            <a:bodyPr/>
+            <a:lstStyle/>
+            <a:p/>
+          </p:txBody>
+        </p:sp>
+        <p:sp>
+          <p:nvSpPr>
+            <p:cNvPr id="155" name="pl155"/>
+            <p:cNvSpPr/>
+            <p:nvPr/>
+          </p:nvSpPr>
+          <p:spPr>
+            <a:xfrm>
+              <a:off x="5953539" y="5054641"/>
+              <a:ext cx="0" cy="34794"/>
+            </a:xfrm>
+            <a:custGeom>
+              <a:avLst/>
+              <a:pathLst>
+                <a:path w="0" h="34794">
+                  <a:moveTo>
+                    <a:pt x="0" y="34794"/>
+                  </a:moveTo>
+                  <a:lnTo>
+                    <a:pt x="0" y="0"/>
+                  </a:lnTo>
+                </a:path>
+              </a:pathLst>
+            </a:custGeom>
+            <a:ln w="13550" cap="flat">
+              <a:solidFill>
+                <a:srgbClr val="333333">
+                  <a:alpha val="100000"/>
+                </a:srgbClr>
+              </a:solidFill>
+              <a:prstDash val="solid"/>
+              <a:round/>
+            </a:ln>
+          </p:spPr>
+          <p:txBody>
+            <a:bodyPr/>
+            <a:lstStyle/>
+            <a:p/>
+          </p:txBody>
+        </p:sp>
+        <p:sp>
+          <p:nvSpPr>
+            <p:cNvPr id="156" name="pl156"/>
+            <p:cNvSpPr/>
+            <p:nvPr/>
+          </p:nvSpPr>
+          <p:spPr>
+            <a:xfrm>
+              <a:off x="6111560" y="5054641"/>
+              <a:ext cx="0" cy="34794"/>
+            </a:xfrm>
+            <a:custGeom>
+              <a:avLst/>
+              <a:pathLst>
+                <a:path w="0" h="34794">
+                  <a:moveTo>
+                    <a:pt x="0" y="34794"/>
+                  </a:moveTo>
+                  <a:lnTo>
+                    <a:pt x="0" y="0"/>
+                  </a:lnTo>
+                </a:path>
+              </a:pathLst>
+            </a:custGeom>
+            <a:ln w="13550" cap="flat">
+              <a:solidFill>
+                <a:srgbClr val="333333">
+                  <a:alpha val="100000"/>
+                </a:srgbClr>
+              </a:solidFill>
+              <a:prstDash val="solid"/>
+              <a:round/>
+            </a:ln>
+          </p:spPr>
+          <p:txBody>
+            <a:bodyPr/>
+            <a:lstStyle/>
+            <a:p/>
+          </p:txBody>
+        </p:sp>
+        <p:sp>
+          <p:nvSpPr>
+            <p:cNvPr id="157" name="pl157"/>
+            <p:cNvSpPr/>
+            <p:nvPr/>
+          </p:nvSpPr>
+          <p:spPr>
+            <a:xfrm>
+              <a:off x="6370774" y="5054641"/>
+              <a:ext cx="0" cy="34794"/>
+            </a:xfrm>
+            <a:custGeom>
+              <a:avLst/>
+              <a:pathLst>
+                <a:path w="0" h="34794">
+                  <a:moveTo>
+                    <a:pt x="0" y="34794"/>
+                  </a:moveTo>
+                  <a:lnTo>
+                    <a:pt x="0" y="0"/>
+                  </a:lnTo>
+                </a:path>
+              </a:pathLst>
+            </a:custGeom>
+            <a:ln w="13550" cap="flat">
+              <a:solidFill>
+                <a:srgbClr val="333333">
+                  <a:alpha val="100000"/>
+                </a:srgbClr>
+              </a:solidFill>
+              <a:prstDash val="solid"/>
+              <a:round/>
+            </a:ln>
+          </p:spPr>
+          <p:txBody>
+            <a:bodyPr/>
+            <a:lstStyle/>
+            <a:p/>
+          </p:txBody>
+        </p:sp>
+        <p:sp>
+          <p:nvSpPr>
+            <p:cNvPr id="158" name="pl158"/>
+            <p:cNvSpPr/>
+            <p:nvPr/>
+          </p:nvSpPr>
+          <p:spPr>
+            <a:xfrm>
+              <a:off x="6528794" y="5054641"/>
+              <a:ext cx="0" cy="34794"/>
+            </a:xfrm>
+            <a:custGeom>
+              <a:avLst/>
+              <a:pathLst>
+                <a:path w="0" h="34794">
+                  <a:moveTo>
+                    <a:pt x="0" y="34794"/>
+                  </a:moveTo>
+                  <a:lnTo>
+                    <a:pt x="0" y="0"/>
+                  </a:lnTo>
+                </a:path>
+              </a:pathLst>
+            </a:custGeom>
+            <a:ln w="13550" cap="flat">
+              <a:solidFill>
+                <a:srgbClr val="333333">
+                  <a:alpha val="100000"/>
+                </a:srgbClr>
+              </a:solidFill>
+              <a:prstDash val="solid"/>
+              <a:round/>
+            </a:ln>
+          </p:spPr>
+          <p:txBody>
+            <a:bodyPr/>
+            <a:lstStyle/>
+            <a:p/>
+          </p:txBody>
+        </p:sp>
+        <p:sp>
+          <p:nvSpPr>
+            <p:cNvPr id="159" name="pl159"/>
+            <p:cNvSpPr/>
+            <p:nvPr/>
+          </p:nvSpPr>
+          <p:spPr>
+            <a:xfrm>
+              <a:off x="6686815" y="5054641"/>
+              <a:ext cx="0" cy="34794"/>
+            </a:xfrm>
+            <a:custGeom>
+              <a:avLst/>
+              <a:pathLst>
+                <a:path w="0" h="34794">
+                  <a:moveTo>
+                    <a:pt x="0" y="34794"/>
+                  </a:moveTo>
+                  <a:lnTo>
+                    <a:pt x="0" y="0"/>
+                  </a:lnTo>
+                </a:path>
+              </a:pathLst>
+            </a:custGeom>
+            <a:ln w="13550" cap="flat">
+              <a:solidFill>
+                <a:srgbClr val="333333">
+                  <a:alpha val="100000"/>
+                </a:srgbClr>
+              </a:solidFill>
+              <a:prstDash val="solid"/>
+              <a:round/>
+            </a:ln>
+          </p:spPr>
+          <p:txBody>
+            <a:bodyPr/>
+            <a:lstStyle/>
+            <a:p/>
+          </p:txBody>
+        </p:sp>
+        <p:sp>
+          <p:nvSpPr>
+            <p:cNvPr id="160" name="pl160"/>
+            <p:cNvSpPr/>
+            <p:nvPr/>
+          </p:nvSpPr>
+          <p:spPr>
+            <a:xfrm>
+              <a:off x="6844836" y="5054641"/>
+              <a:ext cx="0" cy="34794"/>
+            </a:xfrm>
+            <a:custGeom>
+              <a:avLst/>
+              <a:pathLst>
+                <a:path w="0" h="34794">
+                  <a:moveTo>
+                    <a:pt x="0" y="34794"/>
+                  </a:moveTo>
+                  <a:lnTo>
+                    <a:pt x="0" y="0"/>
+                  </a:lnTo>
+                </a:path>
+              </a:pathLst>
+            </a:custGeom>
+            <a:ln w="13550" cap="flat">
+              <a:solidFill>
+                <a:srgbClr val="333333">
+                  <a:alpha val="100000"/>
+                </a:srgbClr>
+              </a:solidFill>
+              <a:prstDash val="solid"/>
+              <a:round/>
+            </a:ln>
+          </p:spPr>
+          <p:txBody>
+            <a:bodyPr/>
+            <a:lstStyle/>
+            <a:p/>
+          </p:txBody>
+        </p:sp>
+        <p:sp>
+          <p:nvSpPr>
+            <p:cNvPr id="161" name="pl161"/>
+            <p:cNvSpPr/>
+            <p:nvPr/>
+          </p:nvSpPr>
+          <p:spPr>
+            <a:xfrm>
+              <a:off x="7002857" y="5054641"/>
+              <a:ext cx="0" cy="34794"/>
+            </a:xfrm>
+            <a:custGeom>
+              <a:avLst/>
+              <a:pathLst>
+                <a:path w="0" h="34794">
+                  <a:moveTo>
+                    <a:pt x="0" y="34794"/>
+                  </a:moveTo>
+                  <a:lnTo>
+                    <a:pt x="0" y="0"/>
+                  </a:lnTo>
+                </a:path>
+              </a:pathLst>
+            </a:custGeom>
+            <a:ln w="13550" cap="flat">
+              <a:solidFill>
+                <a:srgbClr val="333333">
+                  <a:alpha val="100000"/>
+                </a:srgbClr>
+              </a:solidFill>
+              <a:prstDash val="solid"/>
+              <a:round/>
+            </a:ln>
+          </p:spPr>
+          <p:txBody>
+            <a:bodyPr/>
+            <a:lstStyle/>
+            <a:p/>
+          </p:txBody>
+        </p:sp>
+        <p:sp>
+          <p:nvSpPr>
+            <p:cNvPr id="162" name="pl162"/>
+            <p:cNvSpPr/>
+            <p:nvPr/>
+          </p:nvSpPr>
+          <p:spPr>
+            <a:xfrm>
+              <a:off x="7160878" y="5054641"/>
+              <a:ext cx="0" cy="34794"/>
+            </a:xfrm>
+            <a:custGeom>
+              <a:avLst/>
+              <a:pathLst>
+                <a:path w="0" h="34794">
+                  <a:moveTo>
+                    <a:pt x="0" y="34794"/>
+                  </a:moveTo>
+                  <a:lnTo>
+                    <a:pt x="0" y="0"/>
+                  </a:lnTo>
+                </a:path>
+              </a:pathLst>
+            </a:custGeom>
+            <a:ln w="13550" cap="flat">
+              <a:solidFill>
+                <a:srgbClr val="333333">
+                  <a:alpha val="100000"/>
+                </a:srgbClr>
+              </a:solidFill>
+              <a:prstDash val="solid"/>
+              <a:round/>
+            </a:ln>
+          </p:spPr>
+          <p:txBody>
+            <a:bodyPr/>
+            <a:lstStyle/>
+            <a:p/>
+          </p:txBody>
+        </p:sp>
+        <p:sp>
+          <p:nvSpPr>
+            <p:cNvPr id="163" name="pl163"/>
+            <p:cNvSpPr/>
+            <p:nvPr/>
+          </p:nvSpPr>
+          <p:spPr>
+            <a:xfrm>
+              <a:off x="7318899" y="5054641"/>
+              <a:ext cx="0" cy="34794"/>
+            </a:xfrm>
+            <a:custGeom>
+              <a:avLst/>
+              <a:pathLst>
+                <a:path w="0" h="34794">
+                  <a:moveTo>
+                    <a:pt x="0" y="34794"/>
+                  </a:moveTo>
+                  <a:lnTo>
+                    <a:pt x="0" y="0"/>
+                  </a:lnTo>
+                </a:path>
+              </a:pathLst>
+            </a:custGeom>
+            <a:ln w="13550" cap="flat">
+              <a:solidFill>
+                <a:srgbClr val="333333">
+                  <a:alpha val="100000"/>
+                </a:srgbClr>
+              </a:solidFill>
+              <a:prstDash val="solid"/>
+              <a:round/>
+            </a:ln>
+          </p:spPr>
+          <p:txBody>
+            <a:bodyPr/>
+            <a:lstStyle/>
+            <a:p/>
+          </p:txBody>
+        </p:sp>
+        <p:sp>
+          <p:nvSpPr>
+            <p:cNvPr id="164" name="pl164"/>
+            <p:cNvSpPr/>
+            <p:nvPr/>
+          </p:nvSpPr>
+          <p:spPr>
+            <a:xfrm>
+              <a:off x="7476919" y="5054641"/>
+              <a:ext cx="0" cy="34794"/>
+            </a:xfrm>
+            <a:custGeom>
+              <a:avLst/>
+              <a:pathLst>
+                <a:path w="0" h="34794">
+                  <a:moveTo>
+                    <a:pt x="0" y="34794"/>
+                  </a:moveTo>
+                  <a:lnTo>
+                    <a:pt x="0" y="0"/>
+                  </a:lnTo>
+                </a:path>
+              </a:pathLst>
+            </a:custGeom>
+            <a:ln w="13550" cap="flat">
+              <a:solidFill>
+                <a:srgbClr val="333333">
+                  <a:alpha val="100000"/>
+                </a:srgbClr>
+              </a:solidFill>
+              <a:prstDash val="solid"/>
+              <a:round/>
+            </a:ln>
+          </p:spPr>
+          <p:txBody>
+            <a:bodyPr/>
+            <a:lstStyle/>
+            <a:p/>
+          </p:txBody>
+        </p:sp>
+        <p:sp>
+          <p:nvSpPr>
+            <p:cNvPr id="165" name="pl165"/>
+            <p:cNvSpPr/>
+            <p:nvPr/>
+          </p:nvSpPr>
+          <p:spPr>
+            <a:xfrm>
+              <a:off x="7736134" y="5054641"/>
+              <a:ext cx="0" cy="34794"/>
+            </a:xfrm>
+            <a:custGeom>
+              <a:avLst/>
+              <a:pathLst>
+                <a:path w="0" h="34794">
+                  <a:moveTo>
+                    <a:pt x="0" y="34794"/>
+                  </a:moveTo>
+                  <a:lnTo>
+                    <a:pt x="0" y="0"/>
+                  </a:lnTo>
+                </a:path>
+              </a:pathLst>
+            </a:custGeom>
+            <a:ln w="13550" cap="flat">
+              <a:solidFill>
+                <a:srgbClr val="333333">
+                  <a:alpha val="100000"/>
+                </a:srgbClr>
+              </a:solidFill>
+              <a:prstDash val="solid"/>
+              <a:round/>
+            </a:ln>
+          </p:spPr>
+          <p:txBody>
+            <a:bodyPr/>
+            <a:lstStyle/>
+            <a:p/>
+          </p:txBody>
+        </p:sp>
+        <p:sp>
+          <p:nvSpPr>
+            <p:cNvPr id="166" name="pl166"/>
+            <p:cNvSpPr/>
+            <p:nvPr/>
+          </p:nvSpPr>
+          <p:spPr>
+            <a:xfrm>
+              <a:off x="7894154" y="5054641"/>
+              <a:ext cx="0" cy="34794"/>
+            </a:xfrm>
+            <a:custGeom>
+              <a:avLst/>
+              <a:pathLst>
+                <a:path w="0" h="34794">
+                  <a:moveTo>
+                    <a:pt x="0" y="34794"/>
+                  </a:moveTo>
+                  <a:lnTo>
+                    <a:pt x="0" y="0"/>
+                  </a:lnTo>
+                </a:path>
+              </a:pathLst>
+            </a:custGeom>
+            <a:ln w="13550" cap="flat">
+              <a:solidFill>
+                <a:srgbClr val="333333">
+                  <a:alpha val="100000"/>
+                </a:srgbClr>
+              </a:solidFill>
+              <a:prstDash val="solid"/>
+              <a:round/>
+            </a:ln>
+          </p:spPr>
+          <p:txBody>
+            <a:bodyPr/>
+            <a:lstStyle/>
+            <a:p/>
+          </p:txBody>
+        </p:sp>
+        <p:sp>
+          <p:nvSpPr>
+            <p:cNvPr id="167" name="pl167"/>
+            <p:cNvSpPr/>
+            <p:nvPr/>
+          </p:nvSpPr>
+          <p:spPr>
+            <a:xfrm>
+              <a:off x="8052175" y="5054641"/>
+              <a:ext cx="0" cy="34794"/>
+            </a:xfrm>
+            <a:custGeom>
+              <a:avLst/>
+              <a:pathLst>
+                <a:path w="0" h="34794">
+                  <a:moveTo>
+                    <a:pt x="0" y="34794"/>
+                  </a:moveTo>
+                  <a:lnTo>
+                    <a:pt x="0" y="0"/>
+                  </a:lnTo>
+                </a:path>
+              </a:pathLst>
+            </a:custGeom>
+            <a:ln w="13550" cap="flat">
+              <a:solidFill>
+                <a:srgbClr val="333333">
+                  <a:alpha val="100000"/>
+                </a:srgbClr>
+              </a:solidFill>
+              <a:prstDash val="solid"/>
+              <a:round/>
+            </a:ln>
+          </p:spPr>
+          <p:txBody>
+            <a:bodyPr/>
+            <a:lstStyle/>
+            <a:p/>
+          </p:txBody>
+        </p:sp>
+        <p:sp>
+          <p:nvSpPr>
+            <p:cNvPr id="168" name="pl168"/>
+            <p:cNvSpPr/>
+            <p:nvPr/>
+          </p:nvSpPr>
+          <p:spPr>
+            <a:xfrm>
+              <a:off x="8210196" y="5054641"/>
+              <a:ext cx="0" cy="34794"/>
+            </a:xfrm>
+            <a:custGeom>
+              <a:avLst/>
+              <a:pathLst>
+                <a:path w="0" h="34794">
+                  <a:moveTo>
+                    <a:pt x="0" y="34794"/>
+                  </a:moveTo>
+                  <a:lnTo>
+                    <a:pt x="0" y="0"/>
+                  </a:lnTo>
+                </a:path>
+              </a:pathLst>
+            </a:custGeom>
+            <a:ln w="13550" cap="flat">
+              <a:solidFill>
+                <a:srgbClr val="333333">
+                  <a:alpha val="100000"/>
+                </a:srgbClr>
+              </a:solidFill>
+              <a:prstDash val="solid"/>
+              <a:round/>
+            </a:ln>
+          </p:spPr>
+          <p:txBody>
+            <a:bodyPr/>
+            <a:lstStyle/>
+            <a:p/>
+          </p:txBody>
+        </p:sp>
+        <p:sp>
+          <p:nvSpPr>
+            <p:cNvPr id="169" name="pl169"/>
+            <p:cNvSpPr/>
+            <p:nvPr/>
+          </p:nvSpPr>
+          <p:spPr>
+            <a:xfrm>
+              <a:off x="8368217" y="5054641"/>
+              <a:ext cx="0" cy="34794"/>
+            </a:xfrm>
+            <a:custGeom>
+              <a:avLst/>
+              <a:pathLst>
+                <a:path w="0" h="34794">
+                  <a:moveTo>
+                    <a:pt x="0" y="34794"/>
+                  </a:moveTo>
+                  <a:lnTo>
+                    <a:pt x="0" y="0"/>
+                  </a:lnTo>
+                </a:path>
+              </a:pathLst>
+            </a:custGeom>
+            <a:ln w="13550" cap="flat">
+              <a:solidFill>
+                <a:srgbClr val="333333">
+                  <a:alpha val="100000"/>
+                </a:srgbClr>
+              </a:solidFill>
+              <a:prstDash val="solid"/>
+              <a:round/>
+            </a:ln>
+          </p:spPr>
+          <p:txBody>
+            <a:bodyPr/>
+            <a:lstStyle/>
+            <a:p/>
+          </p:txBody>
+        </p:sp>
+        <p:sp>
+          <p:nvSpPr>
+            <p:cNvPr id="170" name="pl170"/>
+            <p:cNvSpPr/>
+            <p:nvPr/>
+          </p:nvSpPr>
+          <p:spPr>
+            <a:xfrm>
+              <a:off x="8526238" y="5054641"/>
+              <a:ext cx="0" cy="34794"/>
+            </a:xfrm>
+            <a:custGeom>
+              <a:avLst/>
+              <a:pathLst>
+                <a:path w="0" h="34794">
+                  <a:moveTo>
+                    <a:pt x="0" y="34794"/>
+                  </a:moveTo>
+                  <a:lnTo>
+                    <a:pt x="0" y="0"/>
+                  </a:lnTo>
+                </a:path>
+              </a:pathLst>
+            </a:custGeom>
+            <a:ln w="13550" cap="flat">
+              <a:solidFill>
+                <a:srgbClr val="333333">
+                  <a:alpha val="100000"/>
+                </a:srgbClr>
+              </a:solidFill>
+              <a:prstDash val="solid"/>
+              <a:round/>
+            </a:ln>
+          </p:spPr>
+          <p:txBody>
+            <a:bodyPr/>
+            <a:lstStyle/>
+            <a:p/>
+          </p:txBody>
+        </p:sp>
+        <p:sp>
+          <p:nvSpPr>
+            <p:cNvPr id="171" name="pl171"/>
+            <p:cNvSpPr/>
+            <p:nvPr/>
+          </p:nvSpPr>
+          <p:spPr>
+            <a:xfrm>
+              <a:off x="8684259" y="5054641"/>
+              <a:ext cx="0" cy="34794"/>
+            </a:xfrm>
+            <a:custGeom>
+              <a:avLst/>
+              <a:pathLst>
+                <a:path w="0" h="34794">
+                  <a:moveTo>
+                    <a:pt x="0" y="34794"/>
+                  </a:moveTo>
+                  <a:lnTo>
+                    <a:pt x="0" y="0"/>
+                  </a:lnTo>
+                </a:path>
+              </a:pathLst>
+            </a:custGeom>
+            <a:ln w="13550" cap="flat">
+              <a:solidFill>
+                <a:srgbClr val="333333">
+                  <a:alpha val="100000"/>
+                </a:srgbClr>
+              </a:solidFill>
+              <a:prstDash val="solid"/>
+              <a:round/>
+            </a:ln>
+          </p:spPr>
+          <p:txBody>
+            <a:bodyPr/>
+            <a:lstStyle/>
+            <a:p/>
+          </p:txBody>
+        </p:sp>
+        <p:sp>
+          <p:nvSpPr>
+            <p:cNvPr id="172" name="pl172"/>
+            <p:cNvSpPr/>
+            <p:nvPr/>
+          </p:nvSpPr>
+          <p:spPr>
+            <a:xfrm>
+              <a:off x="8842279" y="5054641"/>
+              <a:ext cx="0" cy="34794"/>
+            </a:xfrm>
+            <a:custGeom>
+              <a:avLst/>
+              <a:pathLst>
+                <a:path w="0" h="34794">
+                  <a:moveTo>
+                    <a:pt x="0" y="34794"/>
+                  </a:moveTo>
+                  <a:lnTo>
+                    <a:pt x="0" y="0"/>
+                  </a:lnTo>
+                </a:path>
+              </a:pathLst>
+            </a:custGeom>
+            <a:ln w="13550" cap="flat">
+              <a:solidFill>
+                <a:srgbClr val="333333">
+                  <a:alpha val="100000"/>
+                </a:srgbClr>
+              </a:solidFill>
+              <a:prstDash val="solid"/>
+              <a:round/>
+            </a:ln>
+          </p:spPr>
+          <p:txBody>
+            <a:bodyPr/>
+            <a:lstStyle/>
+            <a:p/>
+          </p:txBody>
+        </p:sp>
+        <p:sp>
+          <p:nvSpPr>
+            <p:cNvPr id="173" name="tx173"/>
+            <p:cNvSpPr/>
+            <p:nvPr/>
+          </p:nvSpPr>
+          <p:spPr>
+            <a:xfrm>
+              <a:off x="2055095" y="4865428"/>
               <a:ext cx="62155" cy="81691"/>
             </a:xfrm>
             <a:prstGeom prst="rect">
@@ -7272,13 +9515,59 @@
         </p:sp>
         <p:sp>
           <p:nvSpPr>
-            <p:cNvPr id="111" name="tx111"/>
-            <p:cNvSpPr/>
-            <p:nvPr/>
-          </p:nvSpPr>
-          <p:spPr>
-            <a:xfrm>
-              <a:off x="1930784" y="4174928"/>
+            <p:cNvPr id="174" name="tx174"/>
+            <p:cNvSpPr/>
+            <p:nvPr/>
+          </p:nvSpPr>
+          <p:spPr>
+            <a:xfrm>
+              <a:off x="1992940" y="3819178"/>
+              <a:ext cx="124311" cy="81691"/>
+            </a:xfrm>
+            <a:prstGeom prst="rect">
+              <a:avLst/>
+            </a:prstGeom>
+            <a:noFill/>
+          </p:spPr>
+          <p:txBody>
+            <a:bodyPr lIns="0" rIns="0" tIns="0" bIns="0" anchorCtr="1" anchor="ctr" wrap="none"/>
+            <a:lstStyle/>
+            <a:p>
+              <a:pPr algn="l" marL="0" marR="0" indent="0">
+                <a:lnSpc>
+                  <a:spcPts val="880"/>
+                </a:lnSpc>
+                <a:spcBef>
+                  <a:spcPts val="0"/>
+                </a:spcBef>
+                <a:spcAft>
+                  <a:spcPts val="0"/>
+                </a:spcAft>
+              </a:pPr>
+              <a:r>
+                <a:rPr sz="880">
+                  <a:solidFill>
+                    <a:srgbClr val="4D4D4D">
+                      <a:alpha val="100000"/>
+                    </a:srgbClr>
+                  </a:solidFill>
+                  <a:latin typeface="Arial"/>
+                  <a:cs typeface="Arial"/>
+                </a:rPr>
+                <a:t>50</a:t>
+              </a:r>
+            </a:p>
+          </p:txBody>
+        </p:sp>
+        <p:sp>
+          <p:nvSpPr>
+            <p:cNvPr id="175" name="tx175"/>
+            <p:cNvSpPr/>
+            <p:nvPr/>
+          </p:nvSpPr>
+          <p:spPr>
+            <a:xfrm>
+              <a:off x="1930784" y="2772927"/>
               <a:ext cx="186466" cy="81691"/>
             </a:xfrm>
             <a:prstGeom prst="rect">
@@ -7318,105 +9607,13 @@
         </p:sp>
         <p:sp>
           <p:nvSpPr>
-            <p:cNvPr id="112" name="tx112"/>
-            <p:cNvSpPr/>
-            <p:nvPr/>
-          </p:nvSpPr>
-          <p:spPr>
-            <a:xfrm>
-              <a:off x="1930784" y="3274948"/>
-              <a:ext cx="186466" cy="81691"/>
-            </a:xfrm>
-            <a:prstGeom prst="rect">
-              <a:avLst/>
-            </a:prstGeom>
-            <a:noFill/>
-          </p:spPr>
-          <p:txBody>
-            <a:bodyPr lIns="0" rIns="0" tIns="0" bIns="0" anchorCtr="1" anchor="ctr" wrap="none"/>
-            <a:lstStyle/>
-            <a:p>
-              <a:pPr algn="l" marL="0" marR="0" indent="0">
-                <a:lnSpc>
-                  <a:spcPts val="880"/>
-                </a:lnSpc>
-                <a:spcBef>
-                  <a:spcPts val="0"/>
-                </a:spcBef>
-                <a:spcAft>
-                  <a:spcPts val="0"/>
-                </a:spcAft>
-              </a:pPr>
-              <a:r>
-                <a:rPr sz="880">
-                  <a:solidFill>
-                    <a:srgbClr val="4D4D4D">
-                      <a:alpha val="100000"/>
-                    </a:srgbClr>
-                  </a:solidFill>
-                  <a:latin typeface="Arial"/>
-                  <a:cs typeface="Arial"/>
-                </a:rPr>
-                <a:t>200</a:t>
-              </a:r>
-            </a:p>
-          </p:txBody>
-        </p:sp>
-        <p:sp>
-          <p:nvSpPr>
-            <p:cNvPr id="113" name="tx113"/>
-            <p:cNvSpPr/>
-            <p:nvPr/>
-          </p:nvSpPr>
-          <p:spPr>
-            <a:xfrm>
-              <a:off x="1930784" y="2374913"/>
-              <a:ext cx="186466" cy="81746"/>
-            </a:xfrm>
-            <a:prstGeom prst="rect">
-              <a:avLst/>
-            </a:prstGeom>
-            <a:noFill/>
-          </p:spPr>
-          <p:txBody>
-            <a:bodyPr lIns="0" rIns="0" tIns="0" bIns="0" anchorCtr="1" anchor="ctr" wrap="none"/>
-            <a:lstStyle/>
-            <a:p>
-              <a:pPr algn="l" marL="0" marR="0" indent="0">
-                <a:lnSpc>
-                  <a:spcPts val="880"/>
-                </a:lnSpc>
-                <a:spcBef>
-                  <a:spcPts val="0"/>
-                </a:spcBef>
-                <a:spcAft>
-                  <a:spcPts val="0"/>
-                </a:spcAft>
-              </a:pPr>
-              <a:r>
-                <a:rPr sz="880">
-                  <a:solidFill>
-                    <a:srgbClr val="4D4D4D">
-                      <a:alpha val="100000"/>
-                    </a:srgbClr>
-                  </a:solidFill>
-                  <a:latin typeface="Arial"/>
-                  <a:cs typeface="Arial"/>
-                </a:rPr>
-                <a:t>300</a:t>
-              </a:r>
-            </a:p>
-          </p:txBody>
-        </p:sp>
-        <p:sp>
-          <p:nvSpPr>
-            <p:cNvPr id="114" name="pl114"/>
-            <p:cNvSpPr/>
-            <p:nvPr/>
-          </p:nvSpPr>
-          <p:spPr>
-            <a:xfrm>
-              <a:off x="2145087" y="5116600"/>
+            <p:cNvPr id="176" name="pl176"/>
+            <p:cNvSpPr/>
+            <p:nvPr/>
+          </p:nvSpPr>
+          <p:spPr>
+            <a:xfrm>
+              <a:off x="2145087" y="4907120"/>
               <a:ext cx="34794" cy="0"/>
             </a:xfrm>
             <a:custGeom>
@@ -7450,13 +9647,13 @@
         </p:sp>
         <p:sp>
           <p:nvSpPr>
-            <p:cNvPr id="115" name="pl115"/>
-            <p:cNvSpPr/>
-            <p:nvPr/>
-          </p:nvSpPr>
-          <p:spPr>
-            <a:xfrm>
-              <a:off x="2145087" y="4216620"/>
+            <p:cNvPr id="177" name="pl177"/>
+            <p:cNvSpPr/>
+            <p:nvPr/>
+          </p:nvSpPr>
+          <p:spPr>
+            <a:xfrm>
+              <a:off x="2145087" y="3860869"/>
               <a:ext cx="34794" cy="0"/>
             </a:xfrm>
             <a:custGeom>
@@ -7490,13 +9687,13 @@
         </p:sp>
         <p:sp>
           <p:nvSpPr>
-            <p:cNvPr id="116" name="pl116"/>
-            <p:cNvSpPr/>
-            <p:nvPr/>
-          </p:nvSpPr>
-          <p:spPr>
-            <a:xfrm>
-              <a:off x="2145087" y="3316640"/>
+            <p:cNvPr id="178" name="pl178"/>
+            <p:cNvSpPr/>
+            <p:nvPr/>
+          </p:nvSpPr>
+          <p:spPr>
+            <a:xfrm>
+              <a:off x="2145087" y="2814619"/>
               <a:ext cx="34794" cy="0"/>
             </a:xfrm>
             <a:custGeom>
@@ -7530,54 +9727,14 @@
         </p:sp>
         <p:sp>
           <p:nvSpPr>
-            <p:cNvPr id="117" name="pl117"/>
-            <p:cNvSpPr/>
-            <p:nvPr/>
-          </p:nvSpPr>
-          <p:spPr>
-            <a:xfrm>
-              <a:off x="2145087" y="2416659"/>
-              <a:ext cx="34794" cy="0"/>
-            </a:xfrm>
-            <a:custGeom>
-              <a:avLst/>
-              <a:pathLst>
-                <a:path w="34794" h="0">
-                  <a:moveTo>
-                    <a:pt x="0" y="0"/>
-                  </a:moveTo>
-                  <a:lnTo>
-                    <a:pt x="34794" y="0"/>
-                  </a:lnTo>
-                </a:path>
-              </a:pathLst>
-            </a:custGeom>
-            <a:ln w="13550" cap="flat">
-              <a:solidFill>
-                <a:srgbClr val="333333">
-                  <a:alpha val="100000"/>
-                </a:srgbClr>
-              </a:solidFill>
-              <a:prstDash val="solid"/>
-              <a:round/>
-            </a:ln>
-          </p:spPr>
-          <p:txBody>
-            <a:bodyPr/>
-            <a:lstStyle/>
-            <a:p/>
-          </p:txBody>
-        </p:sp>
-        <p:sp>
-          <p:nvSpPr>
-            <p:cNvPr id="118" name="rc118"/>
-            <p:cNvSpPr/>
-            <p:nvPr/>
-          </p:nvSpPr>
-          <p:spPr>
-            <a:xfrm>
-              <a:off x="3902358" y="5613598"/>
-              <a:ext cx="3312256" cy="358634"/>
+            <p:cNvPr id="179" name="rc179"/>
+            <p:cNvSpPr/>
+            <p:nvPr/>
+          </p:nvSpPr>
+          <p:spPr>
+            <a:xfrm>
+              <a:off x="3716640" y="5394142"/>
+              <a:ext cx="3683692" cy="578090"/>
             </a:xfrm>
             <a:prstGeom prst="rect">
               <a:avLst/>
@@ -7596,14 +9753,14 @@
         </p:sp>
         <p:sp>
           <p:nvSpPr>
-            <p:cNvPr id="119" name="rc119"/>
-            <p:cNvSpPr/>
-            <p:nvPr/>
-          </p:nvSpPr>
-          <p:spPr>
-            <a:xfrm>
-              <a:off x="4041536" y="5683187"/>
-              <a:ext cx="219456" cy="219455"/>
+            <p:cNvPr id="180" name="rc180"/>
+            <p:cNvSpPr/>
+            <p:nvPr/>
+          </p:nvSpPr>
+          <p:spPr>
+            <a:xfrm>
+              <a:off x="3855818" y="5463731"/>
+              <a:ext cx="219455" cy="219455"/>
             </a:xfrm>
             <a:prstGeom prst="rect">
               <a:avLst/>
@@ -7622,13 +9779,65 @@
         </p:sp>
         <p:sp>
           <p:nvSpPr>
-            <p:cNvPr id="120" name="rc120"/>
-            <p:cNvSpPr/>
-            <p:nvPr/>
-          </p:nvSpPr>
-          <p:spPr>
-            <a:xfrm>
-              <a:off x="4050536" y="5692187"/>
+            <p:cNvPr id="181" name="rc181"/>
+            <p:cNvSpPr/>
+            <p:nvPr/>
+          </p:nvSpPr>
+          <p:spPr>
+            <a:xfrm>
+              <a:off x="3864818" y="5472731"/>
+              <a:ext cx="201456" cy="201456"/>
+            </a:xfrm>
+            <a:prstGeom prst="rect">
+              <a:avLst/>
+            </a:prstGeom>
+            <a:solidFill>
+              <a:srgbClr val="FFF5F0">
+                <a:alpha val="100000"/>
+              </a:srgbClr>
+            </a:solidFill>
+          </p:spPr>
+          <p:txBody>
+            <a:bodyPr/>
+            <a:lstStyle/>
+            <a:p/>
+          </p:txBody>
+        </p:sp>
+        <p:sp>
+          <p:nvSpPr>
+            <p:cNvPr id="182" name="rc182"/>
+            <p:cNvSpPr/>
+            <p:nvPr/>
+          </p:nvSpPr>
+          <p:spPr>
+            <a:xfrm>
+              <a:off x="3855818" y="5683187"/>
+              <a:ext cx="219455" cy="219455"/>
+            </a:xfrm>
+            <a:prstGeom prst="rect">
+              <a:avLst/>
+            </a:prstGeom>
+            <a:solidFill>
+              <a:srgbClr val="FFFFFF">
+                <a:alpha val="100000"/>
+              </a:srgbClr>
+            </a:solidFill>
+          </p:spPr>
+          <p:txBody>
+            <a:bodyPr/>
+            <a:lstStyle/>
+            <a:p/>
+          </p:txBody>
+        </p:sp>
+        <p:sp>
+          <p:nvSpPr>
+            <p:cNvPr id="183" name="rc183"/>
+            <p:cNvSpPr/>
+            <p:nvPr/>
+          </p:nvSpPr>
+          <p:spPr>
+            <a:xfrm>
+              <a:off x="3864818" y="5692187"/>
               <a:ext cx="201456" cy="201456"/>
             </a:xfrm>
             <a:prstGeom prst="rect">
@@ -7648,14 +9857,14 @@
         </p:sp>
         <p:sp>
           <p:nvSpPr>
-            <p:cNvPr id="121" name="rc121"/>
-            <p:cNvSpPr/>
-            <p:nvPr/>
-          </p:nvSpPr>
-          <p:spPr>
-            <a:xfrm>
-              <a:off x="4876801" y="5683187"/>
-              <a:ext cx="219455" cy="219455"/>
+            <p:cNvPr id="184" name="rc184"/>
+            <p:cNvSpPr/>
+            <p:nvPr/>
+          </p:nvSpPr>
+          <p:spPr>
+            <a:xfrm>
+              <a:off x="4630733" y="5463731"/>
+              <a:ext cx="219456" cy="219455"/>
             </a:xfrm>
             <a:prstGeom prst="rect">
               <a:avLst/>
@@ -7674,13 +9883,65 @@
         </p:sp>
         <p:sp>
           <p:nvSpPr>
-            <p:cNvPr id="122" name="rc122"/>
-            <p:cNvSpPr/>
-            <p:nvPr/>
-          </p:nvSpPr>
-          <p:spPr>
-            <a:xfrm>
-              <a:off x="4885801" y="5692187"/>
+            <p:cNvPr id="185" name="rc185"/>
+            <p:cNvSpPr/>
+            <p:nvPr/>
+          </p:nvSpPr>
+          <p:spPr>
+            <a:xfrm>
+              <a:off x="4639733" y="5472731"/>
+              <a:ext cx="201456" cy="201456"/>
+            </a:xfrm>
+            <a:prstGeom prst="rect">
+              <a:avLst/>
+            </a:prstGeom>
+            <a:solidFill>
+              <a:srgbClr val="FCBBA1">
+                <a:alpha val="100000"/>
+              </a:srgbClr>
+            </a:solidFill>
+          </p:spPr>
+          <p:txBody>
+            <a:bodyPr/>
+            <a:lstStyle/>
+            <a:p/>
+          </p:txBody>
+        </p:sp>
+        <p:sp>
+          <p:nvSpPr>
+            <p:cNvPr id="186" name="rc186"/>
+            <p:cNvSpPr/>
+            <p:nvPr/>
+          </p:nvSpPr>
+          <p:spPr>
+            <a:xfrm>
+              <a:off x="4630733" y="5683187"/>
+              <a:ext cx="219456" cy="219455"/>
+            </a:xfrm>
+            <a:prstGeom prst="rect">
+              <a:avLst/>
+            </a:prstGeom>
+            <a:solidFill>
+              <a:srgbClr val="FFFFFF">
+                <a:alpha val="100000"/>
+              </a:srgbClr>
+            </a:solidFill>
+          </p:spPr>
+          <p:txBody>
+            <a:bodyPr/>
+            <a:lstStyle/>
+            <a:p/>
+          </p:txBody>
+        </p:sp>
+        <p:sp>
+          <p:nvSpPr>
+            <p:cNvPr id="187" name="rc187"/>
+            <p:cNvSpPr/>
+            <p:nvPr/>
+          </p:nvSpPr>
+          <p:spPr>
+            <a:xfrm>
+              <a:off x="4639733" y="5692187"/>
               <a:ext cx="201456" cy="201456"/>
             </a:xfrm>
             <a:prstGeom prst="rect">
@@ -7700,13 +9961,13 @@
         </p:sp>
         <p:sp>
           <p:nvSpPr>
-            <p:cNvPr id="123" name="rc123"/>
-            <p:cNvSpPr/>
-            <p:nvPr/>
-          </p:nvSpPr>
-          <p:spPr>
-            <a:xfrm>
-              <a:off x="6093371" y="5683187"/>
+            <p:cNvPr id="188" name="rc188"/>
+            <p:cNvSpPr/>
+            <p:nvPr/>
+          </p:nvSpPr>
+          <p:spPr>
+            <a:xfrm>
+              <a:off x="5532749" y="5463731"/>
               <a:ext cx="219455" cy="219455"/>
             </a:xfrm>
             <a:prstGeom prst="rect">
@@ -7726,20 +9987,20 @@
         </p:sp>
         <p:sp>
           <p:nvSpPr>
-            <p:cNvPr id="124" name="rc124"/>
-            <p:cNvSpPr/>
-            <p:nvPr/>
-          </p:nvSpPr>
-          <p:spPr>
-            <a:xfrm>
-              <a:off x="6102371" y="5692187"/>
+            <p:cNvPr id="189" name="rc189"/>
+            <p:cNvSpPr/>
+            <p:nvPr/>
+          </p:nvSpPr>
+          <p:spPr>
+            <a:xfrm>
+              <a:off x="5541749" y="5472731"/>
               <a:ext cx="201456" cy="201456"/>
             </a:xfrm>
             <a:prstGeom prst="rect">
               <a:avLst/>
             </a:prstGeom>
             <a:solidFill>
-              <a:srgbClr val="DE2D26">
+              <a:srgbClr val="FB6A4A">
                 <a:alpha val="100000"/>
               </a:srgbClr>
             </a:solidFill>
@@ -7752,14 +10013,170 @@
         </p:sp>
         <p:sp>
           <p:nvSpPr>
-            <p:cNvPr id="125" name="tx125"/>
-            <p:cNvSpPr/>
-            <p:nvPr/>
-          </p:nvSpPr>
-          <p:spPr>
-            <a:xfrm>
-              <a:off x="4330581" y="5763065"/>
-              <a:ext cx="419100" cy="69850"/>
+            <p:cNvPr id="190" name="rc190"/>
+            <p:cNvSpPr/>
+            <p:nvPr/>
+          </p:nvSpPr>
+          <p:spPr>
+            <a:xfrm>
+              <a:off x="5532749" y="5683187"/>
+              <a:ext cx="219455" cy="219455"/>
+            </a:xfrm>
+            <a:prstGeom prst="rect">
+              <a:avLst/>
+            </a:prstGeom>
+            <a:solidFill>
+              <a:srgbClr val="FFFFFF">
+                <a:alpha val="100000"/>
+              </a:srgbClr>
+            </a:solidFill>
+          </p:spPr>
+          <p:txBody>
+            <a:bodyPr/>
+            <a:lstStyle/>
+            <a:p/>
+          </p:txBody>
+        </p:sp>
+        <p:sp>
+          <p:nvSpPr>
+            <p:cNvPr id="191" name="rc191"/>
+            <p:cNvSpPr/>
+            <p:nvPr/>
+          </p:nvSpPr>
+          <p:spPr>
+            <a:xfrm>
+              <a:off x="5541749" y="5692187"/>
+              <a:ext cx="201456" cy="201456"/>
+            </a:xfrm>
+            <a:prstGeom prst="rect">
+              <a:avLst/>
+            </a:prstGeom>
+            <a:solidFill>
+              <a:srgbClr val="EF3B2C">
+                <a:alpha val="100000"/>
+              </a:srgbClr>
+            </a:solidFill>
+          </p:spPr>
+          <p:txBody>
+            <a:bodyPr/>
+            <a:lstStyle/>
+            <a:p/>
+          </p:txBody>
+        </p:sp>
+        <p:sp>
+          <p:nvSpPr>
+            <p:cNvPr id="192" name="rc192"/>
+            <p:cNvSpPr/>
+            <p:nvPr/>
+          </p:nvSpPr>
+          <p:spPr>
+            <a:xfrm>
+              <a:off x="6434766" y="5463731"/>
+              <a:ext cx="219455" cy="219455"/>
+            </a:xfrm>
+            <a:prstGeom prst="rect">
+              <a:avLst/>
+            </a:prstGeom>
+            <a:solidFill>
+              <a:srgbClr val="FFFFFF">
+                <a:alpha val="100000"/>
+              </a:srgbClr>
+            </a:solidFill>
+          </p:spPr>
+          <p:txBody>
+            <a:bodyPr/>
+            <a:lstStyle/>
+            <a:p/>
+          </p:txBody>
+        </p:sp>
+        <p:sp>
+          <p:nvSpPr>
+            <p:cNvPr id="193" name="rc193"/>
+            <p:cNvSpPr/>
+            <p:nvPr/>
+          </p:nvSpPr>
+          <p:spPr>
+            <a:xfrm>
+              <a:off x="6443766" y="5472731"/>
+              <a:ext cx="201456" cy="201456"/>
+            </a:xfrm>
+            <a:prstGeom prst="rect">
+              <a:avLst/>
+            </a:prstGeom>
+            <a:solidFill>
+              <a:srgbClr val="CB181D">
+                <a:alpha val="100000"/>
+              </a:srgbClr>
+            </a:solidFill>
+          </p:spPr>
+          <p:txBody>
+            <a:bodyPr/>
+            <a:lstStyle/>
+            <a:p/>
+          </p:txBody>
+        </p:sp>
+        <p:sp>
+          <p:nvSpPr>
+            <p:cNvPr id="194" name="rc194"/>
+            <p:cNvSpPr/>
+            <p:nvPr/>
+          </p:nvSpPr>
+          <p:spPr>
+            <a:xfrm>
+              <a:off x="6434766" y="5683187"/>
+              <a:ext cx="219455" cy="219455"/>
+            </a:xfrm>
+            <a:prstGeom prst="rect">
+              <a:avLst/>
+            </a:prstGeom>
+            <a:solidFill>
+              <a:srgbClr val="FFFFFF">
+                <a:alpha val="100000"/>
+              </a:srgbClr>
+            </a:solidFill>
+          </p:spPr>
+          <p:txBody>
+            <a:bodyPr/>
+            <a:lstStyle/>
+            <a:p/>
+          </p:txBody>
+        </p:sp>
+        <p:sp>
+          <p:nvSpPr>
+            <p:cNvPr id="195" name="rc195"/>
+            <p:cNvSpPr/>
+            <p:nvPr/>
+          </p:nvSpPr>
+          <p:spPr>
+            <a:xfrm>
+              <a:off x="6443766" y="5692187"/>
+              <a:ext cx="201456" cy="201456"/>
+            </a:xfrm>
+            <a:prstGeom prst="rect">
+              <a:avLst/>
+            </a:prstGeom>
+            <a:solidFill>
+              <a:srgbClr val="99000D">
+                <a:alpha val="100000"/>
+              </a:srgbClr>
+            </a:solidFill>
+          </p:spPr>
+          <p:txBody>
+            <a:bodyPr/>
+            <a:lstStyle/>
+            <a:p/>
+          </p:txBody>
+        </p:sp>
+        <p:sp>
+          <p:nvSpPr>
+            <p:cNvPr id="196" name="tx196"/>
+            <p:cNvSpPr/>
+            <p:nvPr/>
+          </p:nvSpPr>
+          <p:spPr>
+            <a:xfrm>
+              <a:off x="4144863" y="5531767"/>
+              <a:ext cx="269468" cy="81691"/>
             </a:xfrm>
             <a:prstGeom prst="rect">
               <a:avLst/>
@@ -7791,21 +10208,21 @@
                   <a:latin typeface="Arial"/>
                   <a:cs typeface="Arial"/>
                 </a:rPr>
-                <a:t>可以不标注</a:t>
+                <a:t>≤10亿</a:t>
               </a:r>
             </a:p>
           </p:txBody>
         </p:sp>
         <p:sp>
           <p:nvSpPr>
-            <p:cNvPr id="126" name="tx126"/>
-            <p:cNvSpPr/>
-            <p:nvPr/>
-          </p:nvSpPr>
-          <p:spPr>
-            <a:xfrm>
-              <a:off x="5165846" y="5763065"/>
-              <a:ext cx="754380" cy="69850"/>
+            <p:cNvPr id="197" name="tx197"/>
+            <p:cNvSpPr/>
+            <p:nvPr/>
+          </p:nvSpPr>
+          <p:spPr>
+            <a:xfrm>
+              <a:off x="4144863" y="5751223"/>
+              <a:ext cx="393779" cy="81691"/>
             </a:xfrm>
             <a:prstGeom prst="rect">
               <a:avLst/>
@@ -7837,21 +10254,21 @@
                   <a:latin typeface="Arial"/>
                   <a:cs typeface="Arial"/>
                 </a:rPr>
-                <a:t>可以只标示核心菌株</a:t>
+                <a:t>≥1000亿</a:t>
               </a:r>
             </a:p>
           </p:txBody>
         </p:sp>
         <p:sp>
           <p:nvSpPr>
-            <p:cNvPr id="127" name="tx127"/>
-            <p:cNvSpPr/>
-            <p:nvPr/>
-          </p:nvSpPr>
-          <p:spPr>
-            <a:xfrm>
-              <a:off x="6382416" y="5763065"/>
-              <a:ext cx="670560" cy="69850"/>
+            <p:cNvPr id="198" name="tx198"/>
+            <p:cNvSpPr/>
+            <p:nvPr/>
+          </p:nvSpPr>
+          <p:spPr>
+            <a:xfrm>
+              <a:off x="4919778" y="5531767"/>
+              <a:ext cx="369659" cy="81691"/>
             </a:xfrm>
             <a:prstGeom prst="rect">
               <a:avLst/>
@@ -7883,7 +10300,237 @@
                   <a:latin typeface="Arial"/>
                   <a:cs typeface="Arial"/>
                 </a:rPr>
-                <a:t>应该标注全部菌株</a:t>
+                <a:t>10-50亿</a:t>
+              </a:r>
+            </a:p>
+          </p:txBody>
+        </p:sp>
+        <p:sp>
+          <p:nvSpPr>
+            <p:cNvPr id="199" name="tx199"/>
+            <p:cNvSpPr/>
+            <p:nvPr/>
+          </p:nvSpPr>
+          <p:spPr>
+            <a:xfrm>
+              <a:off x="4919778" y="5751169"/>
+              <a:ext cx="493970" cy="81746"/>
+            </a:xfrm>
+            <a:prstGeom prst="rect">
+              <a:avLst/>
+            </a:prstGeom>
+            <a:noFill/>
+          </p:spPr>
+          <p:txBody>
+            <a:bodyPr lIns="0" rIns="0" tIns="0" bIns="0" anchorCtr="1" anchor="ctr" wrap="none"/>
+            <a:lstStyle/>
+            <a:p>
+              <a:pPr algn="l" marL="0" marR="0" indent="0">
+                <a:lnSpc>
+                  <a:spcPts val="880"/>
+                </a:lnSpc>
+                <a:spcBef>
+                  <a:spcPts val="0"/>
+                </a:spcBef>
+                <a:spcAft>
+                  <a:spcPts val="0"/>
+                </a:spcAft>
+              </a:pPr>
+              <a:r>
+                <a:rPr sz="880">
+                  <a:solidFill>
+                    <a:srgbClr val="000000">
+                      <a:alpha val="100000"/>
+                    </a:srgbClr>
+                  </a:solidFill>
+                  <a:latin typeface="Arial"/>
+                  <a:cs typeface="Arial"/>
+                </a:rPr>
+                <a:t>100-300亿</a:t>
+              </a:r>
+            </a:p>
+          </p:txBody>
+        </p:sp>
+        <p:sp>
+          <p:nvSpPr>
+            <p:cNvPr id="200" name="tx200"/>
+            <p:cNvSpPr/>
+            <p:nvPr/>
+          </p:nvSpPr>
+          <p:spPr>
+            <a:xfrm>
+              <a:off x="5821794" y="5531713"/>
+              <a:ext cx="493970" cy="81746"/>
+            </a:xfrm>
+            <a:prstGeom prst="rect">
+              <a:avLst/>
+            </a:prstGeom>
+            <a:noFill/>
+          </p:spPr>
+          <p:txBody>
+            <a:bodyPr lIns="0" rIns="0" tIns="0" bIns="0" anchorCtr="1" anchor="ctr" wrap="none"/>
+            <a:lstStyle/>
+            <a:p>
+              <a:pPr algn="l" marL="0" marR="0" indent="0">
+                <a:lnSpc>
+                  <a:spcPts val="880"/>
+                </a:lnSpc>
+                <a:spcBef>
+                  <a:spcPts val="0"/>
+                </a:spcBef>
+                <a:spcAft>
+                  <a:spcPts val="0"/>
+                </a:spcAft>
+              </a:pPr>
+              <a:r>
+                <a:rPr sz="880">
+                  <a:solidFill>
+                    <a:srgbClr val="000000">
+                      <a:alpha val="100000"/>
+                    </a:srgbClr>
+                  </a:solidFill>
+                  <a:latin typeface="Arial"/>
+                  <a:cs typeface="Arial"/>
+                </a:rPr>
+                <a:t>300-500亿</a:t>
+              </a:r>
+            </a:p>
+          </p:txBody>
+        </p:sp>
+        <p:sp>
+          <p:nvSpPr>
+            <p:cNvPr id="201" name="tx201"/>
+            <p:cNvSpPr/>
+            <p:nvPr/>
+          </p:nvSpPr>
+          <p:spPr>
+            <a:xfrm>
+              <a:off x="5821794" y="5751223"/>
+              <a:ext cx="431814" cy="81691"/>
+            </a:xfrm>
+            <a:prstGeom prst="rect">
+              <a:avLst/>
+            </a:prstGeom>
+            <a:noFill/>
+          </p:spPr>
+          <p:txBody>
+            <a:bodyPr lIns="0" rIns="0" tIns="0" bIns="0" anchorCtr="1" anchor="ctr" wrap="none"/>
+            <a:lstStyle/>
+            <a:p>
+              <a:pPr algn="l" marL="0" marR="0" indent="0">
+                <a:lnSpc>
+                  <a:spcPts val="880"/>
+                </a:lnSpc>
+                <a:spcBef>
+                  <a:spcPts val="0"/>
+                </a:spcBef>
+                <a:spcAft>
+                  <a:spcPts val="0"/>
+                </a:spcAft>
+              </a:pPr>
+              <a:r>
+                <a:rPr sz="880">
+                  <a:solidFill>
+                    <a:srgbClr val="000000">
+                      <a:alpha val="100000"/>
+                    </a:srgbClr>
+                  </a:solidFill>
+                  <a:latin typeface="Arial"/>
+                  <a:cs typeface="Arial"/>
+                </a:rPr>
+                <a:t>50-100亿</a:t>
+              </a:r>
+            </a:p>
+          </p:txBody>
+        </p:sp>
+        <p:sp>
+          <p:nvSpPr>
+            <p:cNvPr id="202" name="tx202"/>
+            <p:cNvSpPr/>
+            <p:nvPr/>
+          </p:nvSpPr>
+          <p:spPr>
+            <a:xfrm>
+              <a:off x="6723811" y="5531767"/>
+              <a:ext cx="556126" cy="81691"/>
+            </a:xfrm>
+            <a:prstGeom prst="rect">
+              <a:avLst/>
+            </a:prstGeom>
+            <a:noFill/>
+          </p:spPr>
+          <p:txBody>
+            <a:bodyPr lIns="0" rIns="0" tIns="0" bIns="0" anchorCtr="1" anchor="ctr" wrap="none"/>
+            <a:lstStyle/>
+            <a:p>
+              <a:pPr algn="l" marL="0" marR="0" indent="0">
+                <a:lnSpc>
+                  <a:spcPts val="880"/>
+                </a:lnSpc>
+                <a:spcBef>
+                  <a:spcPts val="0"/>
+                </a:spcBef>
+                <a:spcAft>
+                  <a:spcPts val="0"/>
+                </a:spcAft>
+              </a:pPr>
+              <a:r>
+                <a:rPr sz="880">
+                  <a:solidFill>
+                    <a:srgbClr val="000000">
+                      <a:alpha val="100000"/>
+                    </a:srgbClr>
+                  </a:solidFill>
+                  <a:latin typeface="Arial"/>
+                  <a:cs typeface="Arial"/>
+                </a:rPr>
+                <a:t>500-1000亿</a:t>
+              </a:r>
+            </a:p>
+          </p:txBody>
+        </p:sp>
+        <p:sp>
+          <p:nvSpPr>
+            <p:cNvPr id="203" name="tx203"/>
+            <p:cNvSpPr/>
+            <p:nvPr/>
+          </p:nvSpPr>
+          <p:spPr>
+            <a:xfrm>
+              <a:off x="6723811" y="5763065"/>
+              <a:ext cx="335280" cy="69850"/>
+            </a:xfrm>
+            <a:prstGeom prst="rect">
+              <a:avLst/>
+            </a:prstGeom>
+            <a:noFill/>
+          </p:spPr>
+          <p:txBody>
+            <a:bodyPr lIns="0" rIns="0" tIns="0" bIns="0" anchorCtr="1" anchor="ctr" wrap="none"/>
+            <a:lstStyle/>
+            <a:p>
+              <a:pPr algn="l" marL="0" marR="0" indent="0">
+                <a:lnSpc>
+                  <a:spcPts val="880"/>
+                </a:lnSpc>
+                <a:spcBef>
+                  <a:spcPts val="0"/>
+                </a:spcBef>
+                <a:spcAft>
+                  <a:spcPts val="0"/>
+                </a:spcAft>
+              </a:pPr>
+              <a:r>
+                <a:rPr sz="880">
+                  <a:solidFill>
+                    <a:srgbClr val="000000">
+                      <a:alpha val="100000"/>
+                    </a:srgbClr>
+                  </a:solidFill>
+                  <a:latin typeface="Arial"/>
+                  <a:cs typeface="Arial"/>
+                </a:rPr>
+                <a:t>不应摄入</a:t>
               </a:r>
             </a:p>
           </p:txBody>
